--- a/Data Protection & Privacy.pptx
+++ b/Data Protection & Privacy.pptx
@@ -5,29 +5,36 @@
     <p:sldMasterId id="2147483672" r:id="rId1"/>
   </p:sldMasterIdLst>
   <p:notesMasterIdLst>
-    <p:notesMasterId r:id="rId19"/>
+    <p:notesMasterId r:id="rId26"/>
   </p:notesMasterIdLst>
   <p:handoutMasterIdLst>
-    <p:handoutMasterId r:id="rId20"/>
+    <p:handoutMasterId r:id="rId27"/>
   </p:handoutMasterIdLst>
   <p:sldIdLst>
     <p:sldId id="256" r:id="rId2"/>
     <p:sldId id="259" r:id="rId3"/>
-    <p:sldId id="261" r:id="rId4"/>
-    <p:sldId id="263" r:id="rId5"/>
-    <p:sldId id="258" r:id="rId6"/>
-    <p:sldId id="262" r:id="rId7"/>
-    <p:sldId id="266" r:id="rId8"/>
-    <p:sldId id="268" r:id="rId9"/>
-    <p:sldId id="264" r:id="rId10"/>
-    <p:sldId id="265" r:id="rId11"/>
-    <p:sldId id="267" r:id="rId12"/>
-    <p:sldId id="269" r:id="rId13"/>
-    <p:sldId id="272" r:id="rId14"/>
-    <p:sldId id="270" r:id="rId15"/>
-    <p:sldId id="271" r:id="rId16"/>
-    <p:sldId id="273" r:id="rId17"/>
-    <p:sldId id="260" r:id="rId18"/>
+    <p:sldId id="275" r:id="rId4"/>
+    <p:sldId id="261" r:id="rId5"/>
+    <p:sldId id="263" r:id="rId6"/>
+    <p:sldId id="258" r:id="rId7"/>
+    <p:sldId id="262" r:id="rId8"/>
+    <p:sldId id="266" r:id="rId9"/>
+    <p:sldId id="268" r:id="rId10"/>
+    <p:sldId id="276" r:id="rId11"/>
+    <p:sldId id="280" r:id="rId12"/>
+    <p:sldId id="281" r:id="rId13"/>
+    <p:sldId id="282" r:id="rId14"/>
+    <p:sldId id="283" r:id="rId15"/>
+    <p:sldId id="277" r:id="rId16"/>
+    <p:sldId id="264" r:id="rId17"/>
+    <p:sldId id="265" r:id="rId18"/>
+    <p:sldId id="267" r:id="rId19"/>
+    <p:sldId id="269" r:id="rId20"/>
+    <p:sldId id="272" r:id="rId21"/>
+    <p:sldId id="270" r:id="rId22"/>
+    <p:sldId id="271" r:id="rId23"/>
+    <p:sldId id="273" r:id="rId24"/>
+    <p:sldId id="260" r:id="rId25"/>
   </p:sldIdLst>
   <p:sldSz cx="12192000" cy="6858000"/>
   <p:notesSz cx="6858000" cy="9144000"/>
@@ -1113,8 +1120,8 @@
   </dgm:ptLst>
   <dgm:cxnLst>
     <dgm:cxn modelId="{A11E3B12-1828-45A7-86C3-BB85832DF84D}" type="presOf" srcId="{CA077D98-8478-47EA-B6A9-99ACE60C64D4}" destId="{D79B43FC-100B-4A0D-A4D5-0D2D04B99064}" srcOrd="0" destOrd="0" presId="urn:microsoft.com/office/officeart/2008/layout/VerticalCurvedList"/>
+    <dgm:cxn modelId="{29DA474E-5DFA-4C66-882F-319C49ABBB19}" type="presOf" srcId="{6750AC01-D39D-4F3A-9DC8-2A211EE986A2}" destId="{58319267-C71E-43C9-94E1-827D0616C7A7}" srcOrd="0" destOrd="0" presId="urn:microsoft.com/office/officeart/2008/layout/VerticalCurvedList"/>
     <dgm:cxn modelId="{0B5DAE5F-BCDC-4BF7-A6E7-CF856886A64D}" srcId="{7E5AA53B-3EEE-4DE4-BB81-9044890C2946}" destId="{6750AC01-D39D-4F3A-9DC8-2A211EE986A2}" srcOrd="0" destOrd="0" parTransId="{720680DC-AAA4-4434-A582-60EBCC5BA355}" sibTransId="{CA077D98-8478-47EA-B6A9-99ACE60C64D4}"/>
-    <dgm:cxn modelId="{29DA474E-5DFA-4C66-882F-319C49ABBB19}" type="presOf" srcId="{6750AC01-D39D-4F3A-9DC8-2A211EE986A2}" destId="{58319267-C71E-43C9-94E1-827D0616C7A7}" srcOrd="0" destOrd="0" presId="urn:microsoft.com/office/officeart/2008/layout/VerticalCurvedList"/>
     <dgm:cxn modelId="{7084AA77-BACB-46CB-AE4A-77B62D3ED1AF}" type="presOf" srcId="{5605D28D-2CE6-4513-8566-952984E21E14}" destId="{E131CE4A-9776-44F4-BC03-867682E21374}" srcOrd="0" destOrd="0" presId="urn:microsoft.com/office/officeart/2008/layout/VerticalCurvedList"/>
     <dgm:cxn modelId="{EDEF4F82-1237-4639-A0F7-385C1897CE66}" srcId="{7E5AA53B-3EEE-4DE4-BB81-9044890C2946}" destId="{0BEF68B8-1228-47BB-83B5-7B9CD1E3F84E}" srcOrd="1" destOrd="0" parTransId="{ED3A4BC2-B75A-4952-A38B-A42B5995DF05}" sibTransId="{FD949706-EDCC-4ADC-8EDF-8EDA49C92325}"/>
     <dgm:cxn modelId="{FAF3F884-F0CF-440F-8CB1-B7648AB1B138}" srcId="{7E5AA53B-3EEE-4DE4-BB81-9044890C2946}" destId="{5605D28D-2CE6-4513-8566-952984E21E14}" srcOrd="2" destOrd="0" parTransId="{EB15AB98-362B-4E70-A3DA-995FC3E8BA79}" sibTransId="{823D1971-2C4D-4EC5-A874-2F463DE37109}"/>
@@ -4028,7 +4035,7 @@
             <a:pPr rtl="0"/>
             <a:fld id="{C0FA3576-2E34-44A5-91FF-3C53AC3DA648}" type="datetime1">
               <a:rPr lang="it-IT" smtClean="0"/>
-              <a:t>04/09/2023</a:t>
+              <a:t>04/09/23</a:t>
             </a:fld>
             <a:endParaRPr lang="it-IT"/>
           </a:p>
@@ -4108,7 +4115,7 @@
             <a:pPr rtl="0"/>
             <a:fld id="{8D90168E-626C-4E60-93C0-A00D25609468}" type="slidenum">
               <a:rPr lang="it-IT" smtClean="0"/>
-              <a:t>‹N›</a:t>
+              <a:t>‹#›</a:t>
             </a:fld>
             <a:endParaRPr lang="it-IT"/>
           </a:p>
@@ -4210,7 +4217,7 @@
             <a:fld id="{F8F21FEC-DF32-4E90-A279-29D5C0BB0773}" type="datetime1">
               <a:rPr lang="it-IT" smtClean="0"/>
               <a:pPr/>
-              <a:t>04/09/2023</a:t>
+              <a:t>04/09/23</a:t>
             </a:fld>
             <a:endParaRPr lang="it-IT" dirty="0"/>
           </a:p>
@@ -4371,7 +4378,7 @@
             <a:pPr rtl="0"/>
             <a:fld id="{C6B3AB32-59DF-41F1-9618-EDFBF5049629}" type="slidenum">
               <a:rPr lang="it-IT" noProof="0" smtClean="0"/>
-              <a:t>‹N›</a:t>
+              <a:t>‹#›</a:t>
             </a:fld>
             <a:endParaRPr lang="it-IT" noProof="0"/>
           </a:p>
@@ -4637,7 +4644,7 @@
             <a:pPr rtl="0"/>
             <a:fld id="{C6B3AB32-59DF-41F1-9618-EDFBF5049629}" type="slidenum">
               <a:rPr lang="it-IT" smtClean="0"/>
-              <a:t>10</a:t>
+              <a:t>12</a:t>
             </a:fld>
             <a:endParaRPr lang="it-IT"/>
           </a:p>
@@ -4646,7 +4653,7 @@
     </p:spTree>
     <p:extLst>
       <p:ext uri="{BB962C8B-B14F-4D97-AF65-F5344CB8AC3E}">
-        <p14:creationId xmlns:p14="http://schemas.microsoft.com/office/powerpoint/2010/main" val="2887122870"/>
+        <p14:creationId xmlns:p14="http://schemas.microsoft.com/office/powerpoint/2010/main" val="789994525"/>
       </p:ext>
     </p:extLst>
   </p:cSld>
@@ -4722,7 +4729,7 @@
             <a:pPr rtl="0"/>
             <a:fld id="{C6B3AB32-59DF-41F1-9618-EDFBF5049629}" type="slidenum">
               <a:rPr lang="it-IT" smtClean="0"/>
-              <a:t>11</a:t>
+              <a:t>13</a:t>
             </a:fld>
             <a:endParaRPr lang="it-IT"/>
           </a:p>
@@ -4731,7 +4738,7 @@
     </p:spTree>
     <p:extLst>
       <p:ext uri="{BB962C8B-B14F-4D97-AF65-F5344CB8AC3E}">
-        <p14:creationId xmlns:p14="http://schemas.microsoft.com/office/powerpoint/2010/main" val="4260324980"/>
+        <p14:creationId xmlns:p14="http://schemas.microsoft.com/office/powerpoint/2010/main" val="1589208842"/>
       </p:ext>
     </p:extLst>
   </p:cSld>
@@ -4807,7 +4814,7 @@
             <a:pPr rtl="0"/>
             <a:fld id="{C6B3AB32-59DF-41F1-9618-EDFBF5049629}" type="slidenum">
               <a:rPr lang="it-IT" smtClean="0"/>
-              <a:t>12</a:t>
+              <a:t>14</a:t>
             </a:fld>
             <a:endParaRPr lang="it-IT"/>
           </a:p>
@@ -4816,7 +4823,7 @@
     </p:spTree>
     <p:extLst>
       <p:ext uri="{BB962C8B-B14F-4D97-AF65-F5344CB8AC3E}">
-        <p14:creationId xmlns:p14="http://schemas.microsoft.com/office/powerpoint/2010/main" val="1840079373"/>
+        <p14:creationId xmlns:p14="http://schemas.microsoft.com/office/powerpoint/2010/main" val="2019263183"/>
       </p:ext>
     </p:extLst>
   </p:cSld>
@@ -4892,7 +4899,7 @@
             <a:pPr rtl="0"/>
             <a:fld id="{C6B3AB32-59DF-41F1-9618-EDFBF5049629}" type="slidenum">
               <a:rPr lang="it-IT" smtClean="0"/>
-              <a:t>13</a:t>
+              <a:t>16</a:t>
             </a:fld>
             <a:endParaRPr lang="it-IT"/>
           </a:p>
@@ -4901,7 +4908,7 @@
     </p:spTree>
     <p:extLst>
       <p:ext uri="{BB962C8B-B14F-4D97-AF65-F5344CB8AC3E}">
-        <p14:creationId xmlns:p14="http://schemas.microsoft.com/office/powerpoint/2010/main" val="1383731871"/>
+        <p14:creationId xmlns:p14="http://schemas.microsoft.com/office/powerpoint/2010/main" val="2846014371"/>
       </p:ext>
     </p:extLst>
   </p:cSld>
@@ -4977,7 +4984,7 @@
             <a:pPr rtl="0"/>
             <a:fld id="{C6B3AB32-59DF-41F1-9618-EDFBF5049629}" type="slidenum">
               <a:rPr lang="it-IT" smtClean="0"/>
-              <a:t>14</a:t>
+              <a:t>17</a:t>
             </a:fld>
             <a:endParaRPr lang="it-IT"/>
           </a:p>
@@ -4986,7 +4993,7 @@
     </p:spTree>
     <p:extLst>
       <p:ext uri="{BB962C8B-B14F-4D97-AF65-F5344CB8AC3E}">
-        <p14:creationId xmlns:p14="http://schemas.microsoft.com/office/powerpoint/2010/main" val="2756237790"/>
+        <p14:creationId xmlns:p14="http://schemas.microsoft.com/office/powerpoint/2010/main" val="2887122870"/>
       </p:ext>
     </p:extLst>
   </p:cSld>
@@ -5062,7 +5069,7 @@
             <a:pPr rtl="0"/>
             <a:fld id="{C6B3AB32-59DF-41F1-9618-EDFBF5049629}" type="slidenum">
               <a:rPr lang="it-IT" smtClean="0"/>
-              <a:t>15</a:t>
+              <a:t>18</a:t>
             </a:fld>
             <a:endParaRPr lang="it-IT"/>
           </a:p>
@@ -5071,7 +5078,7 @@
     </p:spTree>
     <p:extLst>
       <p:ext uri="{BB962C8B-B14F-4D97-AF65-F5344CB8AC3E}">
-        <p14:creationId xmlns:p14="http://schemas.microsoft.com/office/powerpoint/2010/main" val="3357230225"/>
+        <p14:creationId xmlns:p14="http://schemas.microsoft.com/office/powerpoint/2010/main" val="4260324980"/>
       </p:ext>
     </p:extLst>
   </p:cSld>
@@ -5147,7 +5154,7 @@
             <a:pPr rtl="0"/>
             <a:fld id="{C6B3AB32-59DF-41F1-9618-EDFBF5049629}" type="slidenum">
               <a:rPr lang="it-IT" smtClean="0"/>
-              <a:t>16</a:t>
+              <a:t>19</a:t>
             </a:fld>
             <a:endParaRPr lang="it-IT"/>
           </a:p>
@@ -5156,7 +5163,7 @@
     </p:spTree>
     <p:extLst>
       <p:ext uri="{BB962C8B-B14F-4D97-AF65-F5344CB8AC3E}">
-        <p14:creationId xmlns:p14="http://schemas.microsoft.com/office/powerpoint/2010/main" val="733612479"/>
+        <p14:creationId xmlns:p14="http://schemas.microsoft.com/office/powerpoint/2010/main" val="1840079373"/>
       </p:ext>
     </p:extLst>
   </p:cSld>
@@ -5207,11 +5214,10 @@
         </p:nvSpPr>
         <p:spPr/>
         <p:txBody>
-          <a:bodyPr rtlCol="0"/>
+          <a:bodyPr/>
           <a:lstStyle/>
           <a:p>
-            <a:pPr rtl="0"/>
-            <a:endParaRPr lang="it-IT"/>
+            <a:endParaRPr lang="it-IT" dirty="0"/>
           </a:p>
         </p:txBody>
       </p:sp>
@@ -5227,13 +5233,13 @@
         </p:nvSpPr>
         <p:spPr/>
         <p:txBody>
-          <a:bodyPr rtlCol="0"/>
+          <a:bodyPr/>
           <a:lstStyle/>
           <a:p>
             <a:pPr rtl="0"/>
             <a:fld id="{C6B3AB32-59DF-41F1-9618-EDFBF5049629}" type="slidenum">
               <a:rPr lang="it-IT" smtClean="0"/>
-              <a:t>17</a:t>
+              <a:t>20</a:t>
             </a:fld>
             <a:endParaRPr lang="it-IT"/>
           </a:p>
@@ -5242,7 +5248,177 @@
     </p:spTree>
     <p:extLst>
       <p:ext uri="{BB962C8B-B14F-4D97-AF65-F5344CB8AC3E}">
-        <p14:creationId xmlns:p14="http://schemas.microsoft.com/office/powerpoint/2010/main" val="1046714131"/>
+        <p14:creationId xmlns:p14="http://schemas.microsoft.com/office/powerpoint/2010/main" val="1383731871"/>
+      </p:ext>
+    </p:extLst>
+  </p:cSld>
+  <p:clrMapOvr>
+    <a:masterClrMapping/>
+  </p:clrMapOvr>
+</p:notes>
+</file>
+
+<file path=ppt/notesSlides/notesSlide18.xml><?xml version="1.0" encoding="utf-8"?>
+<p:notes xmlns:a="http://schemas.openxmlformats.org/drawingml/2006/main" xmlns:r="http://schemas.openxmlformats.org/officeDocument/2006/relationships" xmlns:p="http://schemas.openxmlformats.org/presentationml/2006/main">
+  <p:cSld>
+    <p:spTree>
+      <p:nvGrpSpPr>
+        <p:cNvPr id="1" name=""/>
+        <p:cNvGrpSpPr/>
+        <p:nvPr/>
+      </p:nvGrpSpPr>
+      <p:grpSpPr>
+        <a:xfrm>
+          <a:off x="0" y="0"/>
+          <a:ext cx="0" cy="0"/>
+          <a:chOff x="0" y="0"/>
+          <a:chExt cx="0" cy="0"/>
+        </a:xfrm>
+      </p:grpSpPr>
+      <p:sp>
+        <p:nvSpPr>
+          <p:cNvPr id="2" name="Segnaposto immagine diapositiva 1"/>
+          <p:cNvSpPr>
+            <a:spLocks noGrp="1" noRot="1" noChangeAspect="1"/>
+          </p:cNvSpPr>
+          <p:nvPr>
+            <p:ph type="sldImg"/>
+          </p:nvPr>
+        </p:nvSpPr>
+        <p:spPr/>
+      </p:sp>
+      <p:sp>
+        <p:nvSpPr>
+          <p:cNvPr id="3" name="Segnaposto note 2"/>
+          <p:cNvSpPr>
+            <a:spLocks noGrp="1"/>
+          </p:cNvSpPr>
+          <p:nvPr>
+            <p:ph type="body" idx="1"/>
+          </p:nvPr>
+        </p:nvSpPr>
+        <p:spPr/>
+        <p:txBody>
+          <a:bodyPr/>
+          <a:lstStyle/>
+          <a:p>
+            <a:endParaRPr lang="it-IT" dirty="0"/>
+          </a:p>
+        </p:txBody>
+      </p:sp>
+      <p:sp>
+        <p:nvSpPr>
+          <p:cNvPr id="4" name="Segnaposto numero diapositiva 3"/>
+          <p:cNvSpPr>
+            <a:spLocks noGrp="1"/>
+          </p:cNvSpPr>
+          <p:nvPr>
+            <p:ph type="sldNum" sz="quarter" idx="5"/>
+          </p:nvPr>
+        </p:nvSpPr>
+        <p:spPr/>
+        <p:txBody>
+          <a:bodyPr/>
+          <a:lstStyle/>
+          <a:p>
+            <a:pPr rtl="0"/>
+            <a:fld id="{C6B3AB32-59DF-41F1-9618-EDFBF5049629}" type="slidenum">
+              <a:rPr lang="it-IT" smtClean="0"/>
+              <a:t>21</a:t>
+            </a:fld>
+            <a:endParaRPr lang="it-IT"/>
+          </a:p>
+        </p:txBody>
+      </p:sp>
+    </p:spTree>
+    <p:extLst>
+      <p:ext uri="{BB962C8B-B14F-4D97-AF65-F5344CB8AC3E}">
+        <p14:creationId xmlns:p14="http://schemas.microsoft.com/office/powerpoint/2010/main" val="2756237790"/>
+      </p:ext>
+    </p:extLst>
+  </p:cSld>
+  <p:clrMapOvr>
+    <a:masterClrMapping/>
+  </p:clrMapOvr>
+</p:notes>
+</file>
+
+<file path=ppt/notesSlides/notesSlide19.xml><?xml version="1.0" encoding="utf-8"?>
+<p:notes xmlns:a="http://schemas.openxmlformats.org/drawingml/2006/main" xmlns:r="http://schemas.openxmlformats.org/officeDocument/2006/relationships" xmlns:p="http://schemas.openxmlformats.org/presentationml/2006/main">
+  <p:cSld>
+    <p:spTree>
+      <p:nvGrpSpPr>
+        <p:cNvPr id="1" name=""/>
+        <p:cNvGrpSpPr/>
+        <p:nvPr/>
+      </p:nvGrpSpPr>
+      <p:grpSpPr>
+        <a:xfrm>
+          <a:off x="0" y="0"/>
+          <a:ext cx="0" cy="0"/>
+          <a:chOff x="0" y="0"/>
+          <a:chExt cx="0" cy="0"/>
+        </a:xfrm>
+      </p:grpSpPr>
+      <p:sp>
+        <p:nvSpPr>
+          <p:cNvPr id="2" name="Segnaposto immagine diapositiva 1"/>
+          <p:cNvSpPr>
+            <a:spLocks noGrp="1" noRot="1" noChangeAspect="1"/>
+          </p:cNvSpPr>
+          <p:nvPr>
+            <p:ph type="sldImg"/>
+          </p:nvPr>
+        </p:nvSpPr>
+        <p:spPr/>
+      </p:sp>
+      <p:sp>
+        <p:nvSpPr>
+          <p:cNvPr id="3" name="Segnaposto note 2"/>
+          <p:cNvSpPr>
+            <a:spLocks noGrp="1"/>
+          </p:cNvSpPr>
+          <p:nvPr>
+            <p:ph type="body" idx="1"/>
+          </p:nvPr>
+        </p:nvSpPr>
+        <p:spPr/>
+        <p:txBody>
+          <a:bodyPr/>
+          <a:lstStyle/>
+          <a:p>
+            <a:endParaRPr lang="it-IT" dirty="0"/>
+          </a:p>
+        </p:txBody>
+      </p:sp>
+      <p:sp>
+        <p:nvSpPr>
+          <p:cNvPr id="4" name="Segnaposto numero diapositiva 3"/>
+          <p:cNvSpPr>
+            <a:spLocks noGrp="1"/>
+          </p:cNvSpPr>
+          <p:nvPr>
+            <p:ph type="sldNum" sz="quarter" idx="5"/>
+          </p:nvPr>
+        </p:nvSpPr>
+        <p:spPr/>
+        <p:txBody>
+          <a:bodyPr/>
+          <a:lstStyle/>
+          <a:p>
+            <a:pPr rtl="0"/>
+            <a:fld id="{C6B3AB32-59DF-41F1-9618-EDFBF5049629}" type="slidenum">
+              <a:rPr lang="it-IT" smtClean="0"/>
+              <a:t>22</a:t>
+            </a:fld>
+            <a:endParaRPr lang="it-IT"/>
+          </a:p>
+        </p:txBody>
+      </p:sp>
+    </p:spTree>
+    <p:extLst>
+      <p:ext uri="{BB962C8B-B14F-4D97-AF65-F5344CB8AC3E}">
+        <p14:creationId xmlns:p14="http://schemas.microsoft.com/office/powerpoint/2010/main" val="3357230225"/>
       </p:ext>
     </p:extLst>
   </p:cSld>
@@ -5338,6 +5514,177 @@
 </p:notes>
 </file>
 
+<file path=ppt/notesSlides/notesSlide20.xml><?xml version="1.0" encoding="utf-8"?>
+<p:notes xmlns:a="http://schemas.openxmlformats.org/drawingml/2006/main" xmlns:r="http://schemas.openxmlformats.org/officeDocument/2006/relationships" xmlns:p="http://schemas.openxmlformats.org/presentationml/2006/main">
+  <p:cSld>
+    <p:spTree>
+      <p:nvGrpSpPr>
+        <p:cNvPr id="1" name=""/>
+        <p:cNvGrpSpPr/>
+        <p:nvPr/>
+      </p:nvGrpSpPr>
+      <p:grpSpPr>
+        <a:xfrm>
+          <a:off x="0" y="0"/>
+          <a:ext cx="0" cy="0"/>
+          <a:chOff x="0" y="0"/>
+          <a:chExt cx="0" cy="0"/>
+        </a:xfrm>
+      </p:grpSpPr>
+      <p:sp>
+        <p:nvSpPr>
+          <p:cNvPr id="2" name="Segnaposto immagine diapositiva 1"/>
+          <p:cNvSpPr>
+            <a:spLocks noGrp="1" noRot="1" noChangeAspect="1"/>
+          </p:cNvSpPr>
+          <p:nvPr>
+            <p:ph type="sldImg"/>
+          </p:nvPr>
+        </p:nvSpPr>
+        <p:spPr/>
+      </p:sp>
+      <p:sp>
+        <p:nvSpPr>
+          <p:cNvPr id="3" name="Segnaposto note 2"/>
+          <p:cNvSpPr>
+            <a:spLocks noGrp="1"/>
+          </p:cNvSpPr>
+          <p:nvPr>
+            <p:ph type="body" idx="1"/>
+          </p:nvPr>
+        </p:nvSpPr>
+        <p:spPr/>
+        <p:txBody>
+          <a:bodyPr/>
+          <a:lstStyle/>
+          <a:p>
+            <a:endParaRPr lang="it-IT" dirty="0"/>
+          </a:p>
+        </p:txBody>
+      </p:sp>
+      <p:sp>
+        <p:nvSpPr>
+          <p:cNvPr id="4" name="Segnaposto numero diapositiva 3"/>
+          <p:cNvSpPr>
+            <a:spLocks noGrp="1"/>
+          </p:cNvSpPr>
+          <p:nvPr>
+            <p:ph type="sldNum" sz="quarter" idx="5"/>
+          </p:nvPr>
+        </p:nvSpPr>
+        <p:spPr/>
+        <p:txBody>
+          <a:bodyPr/>
+          <a:lstStyle/>
+          <a:p>
+            <a:pPr rtl="0"/>
+            <a:fld id="{C6B3AB32-59DF-41F1-9618-EDFBF5049629}" type="slidenum">
+              <a:rPr lang="it-IT" smtClean="0"/>
+              <a:t>23</a:t>
+            </a:fld>
+            <a:endParaRPr lang="it-IT"/>
+          </a:p>
+        </p:txBody>
+      </p:sp>
+    </p:spTree>
+    <p:extLst>
+      <p:ext uri="{BB962C8B-B14F-4D97-AF65-F5344CB8AC3E}">
+        <p14:creationId xmlns:p14="http://schemas.microsoft.com/office/powerpoint/2010/main" val="733612479"/>
+      </p:ext>
+    </p:extLst>
+  </p:cSld>
+  <p:clrMapOvr>
+    <a:masterClrMapping/>
+  </p:clrMapOvr>
+</p:notes>
+</file>
+
+<file path=ppt/notesSlides/notesSlide21.xml><?xml version="1.0" encoding="utf-8"?>
+<p:notes xmlns:a="http://schemas.openxmlformats.org/drawingml/2006/main" xmlns:r="http://schemas.openxmlformats.org/officeDocument/2006/relationships" xmlns:p="http://schemas.openxmlformats.org/presentationml/2006/main">
+  <p:cSld>
+    <p:spTree>
+      <p:nvGrpSpPr>
+        <p:cNvPr id="1" name=""/>
+        <p:cNvGrpSpPr/>
+        <p:nvPr/>
+      </p:nvGrpSpPr>
+      <p:grpSpPr>
+        <a:xfrm>
+          <a:off x="0" y="0"/>
+          <a:ext cx="0" cy="0"/>
+          <a:chOff x="0" y="0"/>
+          <a:chExt cx="0" cy="0"/>
+        </a:xfrm>
+      </p:grpSpPr>
+      <p:sp>
+        <p:nvSpPr>
+          <p:cNvPr id="2" name="Segnaposto immagine diapositiva 1"/>
+          <p:cNvSpPr>
+            <a:spLocks noGrp="1" noRot="1" noChangeAspect="1"/>
+          </p:cNvSpPr>
+          <p:nvPr>
+            <p:ph type="sldImg"/>
+          </p:nvPr>
+        </p:nvSpPr>
+        <p:spPr/>
+      </p:sp>
+      <p:sp>
+        <p:nvSpPr>
+          <p:cNvPr id="3" name="Segnaposto note 2"/>
+          <p:cNvSpPr>
+            <a:spLocks noGrp="1"/>
+          </p:cNvSpPr>
+          <p:nvPr>
+            <p:ph type="body" idx="1"/>
+          </p:nvPr>
+        </p:nvSpPr>
+        <p:spPr/>
+        <p:txBody>
+          <a:bodyPr rtlCol="0"/>
+          <a:lstStyle/>
+          <a:p>
+            <a:pPr rtl="0"/>
+            <a:endParaRPr lang="it-IT"/>
+          </a:p>
+        </p:txBody>
+      </p:sp>
+      <p:sp>
+        <p:nvSpPr>
+          <p:cNvPr id="4" name="Segnaposto numero diapositiva 3"/>
+          <p:cNvSpPr>
+            <a:spLocks noGrp="1"/>
+          </p:cNvSpPr>
+          <p:nvPr>
+            <p:ph type="sldNum" sz="quarter" idx="5"/>
+          </p:nvPr>
+        </p:nvSpPr>
+        <p:spPr/>
+        <p:txBody>
+          <a:bodyPr rtlCol="0"/>
+          <a:lstStyle/>
+          <a:p>
+            <a:pPr rtl="0"/>
+            <a:fld id="{C6B3AB32-59DF-41F1-9618-EDFBF5049629}" type="slidenum">
+              <a:rPr lang="it-IT" smtClean="0"/>
+              <a:t>24</a:t>
+            </a:fld>
+            <a:endParaRPr lang="it-IT"/>
+          </a:p>
+        </p:txBody>
+      </p:sp>
+    </p:spTree>
+    <p:extLst>
+      <p:ext uri="{BB962C8B-B14F-4D97-AF65-F5344CB8AC3E}">
+        <p14:creationId xmlns:p14="http://schemas.microsoft.com/office/powerpoint/2010/main" val="1046714131"/>
+      </p:ext>
+    </p:extLst>
+  </p:cSld>
+  <p:clrMapOvr>
+    <a:masterClrMapping/>
+  </p:clrMapOvr>
+</p:notes>
+</file>
+
 <file path=ppt/notesSlides/notesSlide3.xml><?xml version="1.0" encoding="utf-8"?>
 <p:notes xmlns:a="http://schemas.openxmlformats.org/drawingml/2006/main" xmlns:r="http://schemas.openxmlformats.org/officeDocument/2006/relationships" xmlns:p="http://schemas.openxmlformats.org/presentationml/2006/main">
   <p:cSld>
@@ -5405,7 +5752,7 @@
             <a:pPr rtl="0"/>
             <a:fld id="{C6B3AB32-59DF-41F1-9618-EDFBF5049629}" type="slidenum">
               <a:rPr lang="it-IT" smtClean="0"/>
-              <a:t>3</a:t>
+              <a:t>4</a:t>
             </a:fld>
             <a:endParaRPr lang="it-IT"/>
           </a:p>
@@ -5490,7 +5837,7 @@
             <a:pPr rtl="0"/>
             <a:fld id="{C6B3AB32-59DF-41F1-9618-EDFBF5049629}" type="slidenum">
               <a:rPr lang="it-IT" smtClean="0"/>
-              <a:t>4</a:t>
+              <a:t>5</a:t>
             </a:fld>
             <a:endParaRPr lang="it-IT"/>
           </a:p>
@@ -5575,7 +5922,7 @@
             <a:pPr rtl="0"/>
             <a:fld id="{C6B3AB32-59DF-41F1-9618-EDFBF5049629}" type="slidenum">
               <a:rPr lang="it-IT" smtClean="0"/>
-              <a:t>5</a:t>
+              <a:t>6</a:t>
             </a:fld>
             <a:endParaRPr lang="it-IT"/>
           </a:p>
@@ -5660,7 +6007,7 @@
             <a:pPr rtl="0"/>
             <a:fld id="{C6B3AB32-59DF-41F1-9618-EDFBF5049629}" type="slidenum">
               <a:rPr lang="it-IT" smtClean="0"/>
-              <a:t>6</a:t>
+              <a:t>7</a:t>
             </a:fld>
             <a:endParaRPr lang="it-IT"/>
           </a:p>
@@ -5745,7 +6092,7 @@
             <a:pPr rtl="0"/>
             <a:fld id="{C6B3AB32-59DF-41F1-9618-EDFBF5049629}" type="slidenum">
               <a:rPr lang="it-IT" smtClean="0"/>
-              <a:t>7</a:t>
+              <a:t>8</a:t>
             </a:fld>
             <a:endParaRPr lang="it-IT"/>
           </a:p>
@@ -5830,7 +6177,7 @@
             <a:pPr rtl="0"/>
             <a:fld id="{C6B3AB32-59DF-41F1-9618-EDFBF5049629}" type="slidenum">
               <a:rPr lang="it-IT" smtClean="0"/>
-              <a:t>8</a:t>
+              <a:t>9</a:t>
             </a:fld>
             <a:endParaRPr lang="it-IT"/>
           </a:p>
@@ -5915,7 +6262,7 @@
             <a:pPr rtl="0"/>
             <a:fld id="{C6B3AB32-59DF-41F1-9618-EDFBF5049629}" type="slidenum">
               <a:rPr lang="it-IT" smtClean="0"/>
-              <a:t>9</a:t>
+              <a:t>11</a:t>
             </a:fld>
             <a:endParaRPr lang="it-IT"/>
           </a:p>
@@ -5924,7 +6271,7 @@
     </p:spTree>
     <p:extLst>
       <p:ext uri="{BB962C8B-B14F-4D97-AF65-F5344CB8AC3E}">
-        <p14:creationId xmlns:p14="http://schemas.microsoft.com/office/powerpoint/2010/main" val="2846014371"/>
+        <p14:creationId xmlns:p14="http://schemas.microsoft.com/office/powerpoint/2010/main" val="2617984530"/>
       </p:ext>
     </p:extLst>
   </p:cSld>
@@ -6180,7 +6527,7 @@
             <a:pPr rtl="0"/>
             <a:fld id="{87A23933-3F77-4C59-A775-45E2435C8368}" type="datetime1">
               <a:rPr lang="it-IT" noProof="0" smtClean="0"/>
-              <a:t>04/09/2023</a:t>
+              <a:t>04/09/23</a:t>
             </a:fld>
             <a:endParaRPr lang="it-IT" noProof="0"/>
           </a:p>
@@ -6257,7 +6604,7 @@
             <a:fld id="{D57F1E4F-1CFF-5643-939E-217C01CDF565}" type="slidenum">
               <a:rPr lang="it-IT" noProof="0" smtClean="0"/>
               <a:pPr rtl="0"/>
-              <a:t>‹N›</a:t>
+              <a:t>‹#›</a:t>
             </a:fld>
             <a:endParaRPr lang="it-IT" noProof="0"/>
           </a:p>
@@ -6445,7 +6792,7 @@
             <a:pPr rtl="0"/>
             <a:fld id="{4B4ECE9F-4108-4829-8F23-DFA9C926965D}" type="datetime1">
               <a:rPr lang="it-IT" noProof="0" smtClean="0"/>
-              <a:t>04/09/2023</a:t>
+              <a:t>04/09/23</a:t>
             </a:fld>
             <a:endParaRPr lang="it-IT" noProof="0"/>
           </a:p>
@@ -6490,7 +6837,7 @@
             <a:fld id="{D57F1E4F-1CFF-5643-939E-217C01CDF565}" type="slidenum">
               <a:rPr lang="it-IT" noProof="0" smtClean="0"/>
               <a:pPr rtl="0"/>
-              <a:t>‹N›</a:t>
+              <a:t>‹#›</a:t>
             </a:fld>
             <a:endParaRPr lang="it-IT" noProof="0"/>
           </a:p>
@@ -6683,7 +7030,7 @@
             <a:pPr rtl="0"/>
             <a:fld id="{2AB59B6B-A2EF-4B30-AEF7-A3091D0F5449}" type="datetime1">
               <a:rPr lang="it-IT" noProof="0" smtClean="0"/>
-              <a:t>04/09/2023</a:t>
+              <a:t>04/09/23</a:t>
             </a:fld>
             <a:endParaRPr lang="it-IT" noProof="0" dirty="0"/>
           </a:p>
@@ -6749,7 +7096,7 @@
             <a:fld id="{D57F1E4F-1CFF-5643-939E-217C01CDF565}" type="slidenum">
               <a:rPr lang="it-IT" noProof="0" smtClean="0"/>
               <a:pPr rtl="0"/>
-              <a:t>‹N›</a:t>
+              <a:t>‹#›</a:t>
             </a:fld>
             <a:endParaRPr lang="it-IT" noProof="0"/>
           </a:p>
@@ -6926,7 +7273,7 @@
             <a:pPr rtl="0"/>
             <a:fld id="{7F3FB14C-AC96-42E5-BE0B-73EFAA1A7EA7}" type="datetime1">
               <a:rPr lang="it-IT" noProof="0" smtClean="0"/>
-              <a:t>04/09/2023</a:t>
+              <a:t>04/09/23</a:t>
             </a:fld>
             <a:endParaRPr lang="it-IT" noProof="0"/>
           </a:p>
@@ -6976,7 +7323,7 @@
             <a:fld id="{D57F1E4F-1CFF-5643-939E-217C01CDF565}" type="slidenum">
               <a:rPr lang="it-IT" noProof="0" smtClean="0"/>
               <a:pPr rtl="0"/>
-              <a:t>‹N›</a:t>
+              <a:t>‹#›</a:t>
             </a:fld>
             <a:endParaRPr lang="it-IT" noProof="0"/>
           </a:p>
@@ -7237,7 +7584,7 @@
             <a:pPr rtl="0"/>
             <a:fld id="{76327E91-20FF-43F1-A337-75953C73E7D7}" type="datetime1">
               <a:rPr lang="it-IT" noProof="0" smtClean="0"/>
-              <a:t>04/09/2023</a:t>
+              <a:t>04/09/23</a:t>
             </a:fld>
             <a:endParaRPr lang="it-IT" noProof="0"/>
           </a:p>
@@ -7304,7 +7651,7 @@
             <a:fld id="{D57F1E4F-1CFF-5643-939E-217C01CDF565}" type="slidenum">
               <a:rPr lang="it-IT" noProof="0" smtClean="0"/>
               <a:pPr rtl="0"/>
-              <a:t>‹N›</a:t>
+              <a:t>‹#›</a:t>
             </a:fld>
             <a:endParaRPr lang="it-IT" noProof="0"/>
           </a:p>
@@ -7541,7 +7888,7 @@
             <a:pPr rtl="0"/>
             <a:fld id="{9EDCB701-B7F2-4988-9CFB-241C1D412354}" type="datetime1">
               <a:rPr lang="it-IT" noProof="0" smtClean="0"/>
-              <a:t>04/09/2023</a:t>
+              <a:t>04/09/23</a:t>
             </a:fld>
             <a:endParaRPr lang="it-IT" noProof="0"/>
           </a:p>
@@ -7586,7 +7933,7 @@
             <a:fld id="{D57F1E4F-1CFF-5643-939E-217C01CDF565}" type="slidenum">
               <a:rPr lang="it-IT" noProof="0" smtClean="0"/>
               <a:pPr rtl="0"/>
-              <a:t>‹N›</a:t>
+              <a:t>‹#›</a:t>
             </a:fld>
             <a:endParaRPr lang="it-IT" noProof="0"/>
           </a:p>
@@ -7965,7 +8312,7 @@
             <a:pPr rtl="0"/>
             <a:fld id="{4B9B0459-76CC-4B94-A6C6-908B17D42BC8}" type="datetime1">
               <a:rPr lang="it-IT" noProof="0" smtClean="0"/>
-              <a:t>04/09/2023</a:t>
+              <a:t>04/09/23</a:t>
             </a:fld>
             <a:endParaRPr lang="it-IT" noProof="0"/>
           </a:p>
@@ -8010,7 +8357,7 @@
             <a:fld id="{D57F1E4F-1CFF-5643-939E-217C01CDF565}" type="slidenum">
               <a:rPr lang="it-IT" noProof="0" smtClean="0"/>
               <a:pPr rtl="0"/>
-              <a:t>‹N›</a:t>
+              <a:t>‹#›</a:t>
             </a:fld>
             <a:endParaRPr lang="it-IT" noProof="0"/>
           </a:p>
@@ -8064,7 +8411,7 @@
             <a:pPr rtl="0"/>
             <a:fld id="{62D572E4-8572-44CF-B6FA-B15ECB2B0691}" type="datetime1">
               <a:rPr lang="it-IT" noProof="0" smtClean="0"/>
-              <a:t>04/09/2023</a:t>
+              <a:t>04/09/23</a:t>
             </a:fld>
             <a:endParaRPr lang="it-IT" noProof="0"/>
           </a:p>
@@ -8109,7 +8456,7 @@
             <a:fld id="{D57F1E4F-1CFF-5643-939E-217C01CDF565}" type="slidenum">
               <a:rPr lang="it-IT" noProof="0" smtClean="0"/>
               <a:pPr rtl="0"/>
-              <a:t>‹N›</a:t>
+              <a:t>‹#›</a:t>
             </a:fld>
             <a:endParaRPr lang="it-IT" noProof="0"/>
           </a:p>
@@ -8230,7 +8577,7 @@
             <a:pPr rtl="0"/>
             <a:fld id="{5F266B29-8DDF-40ED-AC5D-ED73AC5A6521}" type="datetime1">
               <a:rPr lang="it-IT" noProof="0" smtClean="0"/>
-              <a:t>04/09/2023</a:t>
+              <a:t>04/09/23</a:t>
             </a:fld>
             <a:endParaRPr lang="it-IT" noProof="0"/>
           </a:p>
@@ -8275,7 +8622,7 @@
             <a:fld id="{D57F1E4F-1CFF-5643-939E-217C01CDF565}" type="slidenum">
               <a:rPr lang="it-IT" noProof="0" smtClean="0"/>
               <a:pPr rtl="0"/>
-              <a:t>‹N›</a:t>
+              <a:t>‹#›</a:t>
             </a:fld>
             <a:endParaRPr lang="it-IT" noProof="0"/>
           </a:p>
@@ -8611,7 +8958,7 @@
             <a:pPr rtl="0"/>
             <a:fld id="{4CFC7787-2DFD-4221-B49C-354C37128239}" type="datetime1">
               <a:rPr lang="it-IT" noProof="0" smtClean="0"/>
-              <a:t>04/09/2023</a:t>
+              <a:t>04/09/23</a:t>
             </a:fld>
             <a:endParaRPr lang="it-IT" noProof="0"/>
           </a:p>
@@ -8678,7 +9025,7 @@
             <a:fld id="{D57F1E4F-1CFF-5643-939E-217C01CDF565}" type="slidenum">
               <a:rPr lang="it-IT" noProof="0" smtClean="0"/>
               <a:pPr rtl="0"/>
-              <a:t>‹N›</a:t>
+              <a:t>‹#›</a:t>
             </a:fld>
             <a:endParaRPr lang="it-IT" noProof="0"/>
           </a:p>
@@ -8904,7 +9251,7 @@
             <a:pPr rtl="0"/>
             <a:fld id="{D3F07A8F-C5D3-4128-B052-E864993A59CE}" type="datetime1">
               <a:rPr lang="it-IT" noProof="0" smtClean="0"/>
-              <a:t>04/09/2023</a:t>
+              <a:t>04/09/23</a:t>
             </a:fld>
             <a:endParaRPr lang="it-IT" noProof="0"/>
           </a:p>
@@ -8949,7 +9296,7 @@
             <a:fld id="{D57F1E4F-1CFF-5643-939E-217C01CDF565}" type="slidenum">
               <a:rPr lang="it-IT" noProof="0" smtClean="0"/>
               <a:pPr rtl="0"/>
-              <a:t>‹N›</a:t>
+              <a:t>‹#›</a:t>
             </a:fld>
             <a:endParaRPr lang="it-IT" noProof="0"/>
           </a:p>
@@ -9118,7 +9465,7 @@
             <a:pPr rtl="0"/>
             <a:fld id="{A36BACEF-F5E2-445B-BCCF-A68C06C41D7B}" type="datetime1">
               <a:rPr lang="it-IT" noProof="0" smtClean="0"/>
-              <a:t>04/09/2023</a:t>
+              <a:t>04/09/23</a:t>
             </a:fld>
             <a:endParaRPr lang="it-IT" noProof="0" dirty="0"/>
           </a:p>
@@ -9195,7 +9542,7 @@
             <a:fld id="{D57F1E4F-1CFF-5643-939E-217C01CDF565}" type="slidenum">
               <a:rPr lang="it-IT" noProof="0" smtClean="0"/>
               <a:pPr rtl="0"/>
-              <a:t>‹N›</a:t>
+              <a:t>‹#›</a:t>
             </a:fld>
             <a:endParaRPr lang="it-IT" noProof="0"/>
           </a:p>
@@ -10229,6 +10576,1670 @@
           <a:chExt cx="0" cy="0"/>
         </a:xfrm>
       </p:grpSpPr>
+      <p:pic>
+        <p:nvPicPr>
+          <p:cNvPr id="4" name="Segnaposto contenuto 4" descr="Numeri digitali">
+            <a:extLst>
+              <a:ext uri="{FF2B5EF4-FFF2-40B4-BE49-F238E27FC236}">
+                <a16:creationId xmlns:a16="http://schemas.microsoft.com/office/drawing/2014/main" id="{D61423D5-43B6-0FFB-3C1F-2DDB99215B16}"/>
+              </a:ext>
+            </a:extLst>
+          </p:cNvPr>
+          <p:cNvPicPr>
+            <a:picLocks noGrp="1" noChangeAspect="1"/>
+          </p:cNvPicPr>
+          <p:nvPr>
+            <p:ph type="pic" idx="1"/>
+          </p:nvPr>
+        </p:nvPicPr>
+        <p:blipFill rotWithShape="1">
+          <a:blip r:embed="rId2" cstate="screen">
+            <a:extLst>
+              <a:ext uri="{28A0092B-C50C-407E-A947-70E740481C1C}">
+                <a14:useLocalDpi xmlns:a14="http://schemas.microsoft.com/office/drawing/2010/main"/>
+              </a:ext>
+            </a:extLst>
+          </a:blip>
+          <a:srcRect t="6561" b="9169"/>
+          <a:stretch/>
+        </p:blipFill>
+        <p:spPr>
+          <a:xfrm>
+            <a:off x="20" y="10"/>
+            <a:ext cx="12191980" cy="6857990"/>
+          </a:xfrm>
+          <a:prstGeom prst="rect">
+            <a:avLst/>
+          </a:prstGeom>
+          <a:noFill/>
+        </p:spPr>
+      </p:pic>
+      <p:sp>
+        <p:nvSpPr>
+          <p:cNvPr id="5" name="Rectangle 4">
+            <a:extLst>
+              <a:ext uri="{FF2B5EF4-FFF2-40B4-BE49-F238E27FC236}">
+                <a16:creationId xmlns:a16="http://schemas.microsoft.com/office/drawing/2014/main" id="{5196091C-8FA8-6DAB-3768-E5BA818B2D3C}"/>
+              </a:ext>
+            </a:extLst>
+          </p:cNvPr>
+          <p:cNvSpPr/>
+          <p:nvPr/>
+        </p:nvSpPr>
+        <p:spPr>
+          <a:xfrm>
+            <a:off x="451092" y="779927"/>
+            <a:ext cx="11237843" cy="5683200"/>
+          </a:xfrm>
+          <a:prstGeom prst="rect">
+            <a:avLst/>
+          </a:prstGeom>
+        </p:spPr>
+        <p:style>
+          <a:lnRef idx="2">
+            <a:schemeClr val="accent1">
+              <a:shade val="50000"/>
+            </a:schemeClr>
+          </a:lnRef>
+          <a:fillRef idx="1">
+            <a:schemeClr val="accent1"/>
+          </a:fillRef>
+          <a:effectRef idx="0">
+            <a:schemeClr val="accent1"/>
+          </a:effectRef>
+          <a:fontRef idx="minor">
+            <a:schemeClr val="lt1"/>
+          </a:fontRef>
+        </p:style>
+        <p:txBody>
+          <a:bodyPr rtlCol="0" anchor="ctr"/>
+          <a:lstStyle/>
+          <a:p>
+            <a:pPr algn="ctr"/>
+            <a:r>
+              <a:rPr lang="en-IT" sz="7200" dirty="0"/>
+              <a:t>OUR CODE</a:t>
+            </a:r>
+          </a:p>
+        </p:txBody>
+      </p:sp>
+    </p:spTree>
+    <p:extLst>
+      <p:ext uri="{BB962C8B-B14F-4D97-AF65-F5344CB8AC3E}">
+        <p14:creationId xmlns:p14="http://schemas.microsoft.com/office/powerpoint/2010/main" val="2114386947"/>
+      </p:ext>
+    </p:extLst>
+  </p:cSld>
+  <p:clrMapOvr>
+    <a:masterClrMapping/>
+  </p:clrMapOvr>
+</p:sld>
+</file>
+
+<file path=ppt/slides/slide11.xml><?xml version="1.0" encoding="utf-8"?>
+<p:sld xmlns:a="http://schemas.openxmlformats.org/drawingml/2006/main" xmlns:r="http://schemas.openxmlformats.org/officeDocument/2006/relationships" xmlns:p="http://schemas.openxmlformats.org/presentationml/2006/main">
+  <p:cSld>
+    <p:spTree>
+      <p:nvGrpSpPr>
+        <p:cNvPr id="1" name=""/>
+        <p:cNvGrpSpPr/>
+        <p:nvPr/>
+      </p:nvGrpSpPr>
+      <p:grpSpPr>
+        <a:xfrm>
+          <a:off x="0" y="0"/>
+          <a:ext cx="0" cy="0"/>
+          <a:chOff x="0" y="0"/>
+          <a:chExt cx="0" cy="0"/>
+        </a:xfrm>
+      </p:grpSpPr>
+      <p:sp>
+        <p:nvSpPr>
+          <p:cNvPr id="2" name="Titolo 1">
+            <a:extLst>
+              <a:ext uri="{FF2B5EF4-FFF2-40B4-BE49-F238E27FC236}">
+                <a16:creationId xmlns:a16="http://schemas.microsoft.com/office/drawing/2014/main" id="{921633EB-7DCB-4DDC-80AF-C885A3EE1245}"/>
+              </a:ext>
+            </a:extLst>
+          </p:cNvPr>
+          <p:cNvSpPr>
+            <a:spLocks noGrp="1"/>
+          </p:cNvSpPr>
+          <p:nvPr>
+            <p:ph type="title"/>
+          </p:nvPr>
+        </p:nvSpPr>
+        <p:spPr>
+          <a:xfrm>
+            <a:off x="581193" y="729658"/>
+            <a:ext cx="11029616" cy="988332"/>
+          </a:xfrm>
+        </p:spPr>
+        <p:txBody>
+          <a:bodyPr rtlCol="0" anchor="b">
+            <a:normAutofit/>
+          </a:bodyPr>
+          <a:lstStyle/>
+          <a:p>
+            <a:pPr rtl="0"/>
+            <a:r>
+              <a:rPr lang="it-IT" dirty="0">
+                <a:latin typeface="Berlin Sans FB" panose="020E0602020502020306" pitchFamily="34" charset="0"/>
+              </a:rPr>
+              <a:t>Size one </a:t>
+            </a:r>
+            <a:r>
+              <a:rPr lang="it-IT" dirty="0" err="1">
+                <a:latin typeface="Berlin Sans FB" panose="020E0602020502020306" pitchFamily="34" charset="0"/>
+              </a:rPr>
+              <a:t>moles</a:t>
+            </a:r>
+            <a:r>
+              <a:rPr lang="it-IT" dirty="0">
+                <a:latin typeface="Berlin Sans FB" panose="020E0602020502020306" pitchFamily="34" charset="0"/>
+              </a:rPr>
+              <a:t> </a:t>
+            </a:r>
+            <a:r>
+              <a:rPr lang="it-IT" dirty="0" err="1">
+                <a:latin typeface="Berlin Sans FB" panose="020E0602020502020306" pitchFamily="34" charset="0"/>
+              </a:rPr>
+              <a:t>search</a:t>
+            </a:r>
+            <a:r>
+              <a:rPr lang="it-IT" dirty="0">
+                <a:latin typeface="Berlin Sans FB" panose="020E0602020502020306" pitchFamily="34" charset="0"/>
+              </a:rPr>
+              <a:t> and </a:t>
+            </a:r>
+            <a:r>
+              <a:rPr lang="it-IT" dirty="0" err="1">
+                <a:latin typeface="Berlin Sans FB" panose="020E0602020502020306" pitchFamily="34" charset="0"/>
+              </a:rPr>
+              <a:t>elimination</a:t>
+            </a:r>
+            <a:endParaRPr lang="it-IT" dirty="0">
+              <a:latin typeface="Berlin Sans FB" panose="020E0602020502020306" pitchFamily="34" charset="0"/>
+            </a:endParaRPr>
+          </a:p>
+        </p:txBody>
+      </p:sp>
+      <p:sp>
+        <p:nvSpPr>
+          <p:cNvPr id="8" name="TextBox 7">
+            <a:extLst>
+              <a:ext uri="{FF2B5EF4-FFF2-40B4-BE49-F238E27FC236}">
+                <a16:creationId xmlns:a16="http://schemas.microsoft.com/office/drawing/2014/main" id="{BC566EA7-B4A7-5EE4-853A-DD69764D763B}"/>
+              </a:ext>
+            </a:extLst>
+          </p:cNvPr>
+          <p:cNvSpPr txBox="1"/>
+          <p:nvPr/>
+        </p:nvSpPr>
+        <p:spPr>
+          <a:xfrm>
+            <a:off x="825519" y="2036456"/>
+            <a:ext cx="10785290" cy="646331"/>
+          </a:xfrm>
+          <a:prstGeom prst="rect">
+            <a:avLst/>
+          </a:prstGeom>
+          <a:noFill/>
+        </p:spPr>
+        <p:txBody>
+          <a:bodyPr wrap="square" rtlCol="0">
+            <a:spAutoFit/>
+          </a:bodyPr>
+          <a:lstStyle/>
+          <a:p>
+            <a:r>
+              <a:rPr lang="en-GB" dirty="0">
+                <a:effectLst/>
+                <a:latin typeface="Berlin Sans FB" panose="020E0602020502020306" pitchFamily="34" charset="77"/>
+              </a:rPr>
+              <a:t>We employ two functions: one to identify size-1 moles based on specified conditions in the paper (either Sup(</a:t>
+            </a:r>
+            <a:r>
+              <a:rPr lang="el-GR" dirty="0">
+                <a:effectLst/>
+                <a:latin typeface="Berlin Sans FB" panose="020E0602020502020306" pitchFamily="34" charset="77"/>
+              </a:rPr>
+              <a:t>β)&lt;</a:t>
+            </a:r>
+            <a:r>
+              <a:rPr lang="en-GB" dirty="0">
+                <a:effectLst/>
+                <a:latin typeface="Berlin Sans FB" panose="020E0602020502020306" pitchFamily="34" charset="77"/>
+              </a:rPr>
+              <a:t>k or </a:t>
+            </a:r>
+            <a:r>
+              <a:rPr lang="en-GB" dirty="0" err="1">
+                <a:effectLst/>
+                <a:latin typeface="Berlin Sans FB" panose="020E0602020502020306" pitchFamily="34" charset="77"/>
+              </a:rPr>
+              <a:t>Pbreach</a:t>
+            </a:r>
+            <a:r>
+              <a:rPr lang="en-GB" dirty="0">
+                <a:effectLst/>
+                <a:latin typeface="Berlin Sans FB" panose="020E0602020502020306" pitchFamily="34" charset="77"/>
+              </a:rPr>
+              <a:t>(</a:t>
+            </a:r>
+            <a:r>
+              <a:rPr lang="el-GR" dirty="0">
+                <a:effectLst/>
+                <a:latin typeface="Berlin Sans FB" panose="020E0602020502020306" pitchFamily="34" charset="77"/>
+              </a:rPr>
+              <a:t>β)&gt;</a:t>
+            </a:r>
+            <a:r>
+              <a:rPr lang="en-GB" dirty="0">
+                <a:effectLst/>
+                <a:latin typeface="Berlin Sans FB" panose="020E0602020502020306" pitchFamily="34" charset="77"/>
+              </a:rPr>
+              <a:t>h), and the other to eliminate them, updating public items and transactions accordingly.</a:t>
+            </a:r>
+          </a:p>
+        </p:txBody>
+      </p:sp>
+      <p:pic>
+        <p:nvPicPr>
+          <p:cNvPr id="4" name="Picture 3" descr="A screen shot of a computer program&#10;&#10;Description automatically generated">
+            <a:extLst>
+              <a:ext uri="{FF2B5EF4-FFF2-40B4-BE49-F238E27FC236}">
+                <a16:creationId xmlns:a16="http://schemas.microsoft.com/office/drawing/2014/main" id="{4ED922BE-47D8-DB3E-4530-5B52C938FAEB}"/>
+              </a:ext>
+            </a:extLst>
+          </p:cNvPr>
+          <p:cNvPicPr>
+            <a:picLocks noChangeAspect="1"/>
+          </p:cNvPicPr>
+          <p:nvPr/>
+        </p:nvPicPr>
+        <p:blipFill rotWithShape="1">
+          <a:blip r:embed="rId3"/>
+          <a:srcRect l="3025" t="649" r="3852" b="-649"/>
+          <a:stretch/>
+        </p:blipFill>
+        <p:spPr>
+          <a:xfrm>
+            <a:off x="103697" y="3580284"/>
+            <a:ext cx="5156462" cy="2946400"/>
+          </a:xfrm>
+          <a:prstGeom prst="roundRect">
+            <a:avLst>
+              <a:gd name="adj" fmla="val 16667"/>
+            </a:avLst>
+          </a:prstGeom>
+          <a:ln>
+            <a:noFill/>
+          </a:ln>
+          <a:effectLst>
+            <a:outerShdw blurRad="76200" dist="38100" dir="7800000" algn="tl" rotWithShape="0">
+              <a:srgbClr val="000000">
+                <a:alpha val="40000"/>
+              </a:srgbClr>
+            </a:outerShdw>
+          </a:effectLst>
+          <a:scene3d>
+            <a:camera prst="orthographicFront"/>
+            <a:lightRig rig="contrasting" dir="t">
+              <a:rot lat="0" lon="0" rev="4200000"/>
+            </a:lightRig>
+          </a:scene3d>
+          <a:sp3d prstMaterial="plastic">
+            <a:bevelT w="381000" h="114300" prst="relaxedInset"/>
+            <a:contourClr>
+              <a:srgbClr val="969696"/>
+            </a:contourClr>
+          </a:sp3d>
+        </p:spPr>
+      </p:pic>
+      <p:pic>
+        <p:nvPicPr>
+          <p:cNvPr id="9" name="Picture 8" descr="A computer screen shot of code&#10;&#10;Description automatically generated">
+            <a:extLst>
+              <a:ext uri="{FF2B5EF4-FFF2-40B4-BE49-F238E27FC236}">
+                <a16:creationId xmlns:a16="http://schemas.microsoft.com/office/drawing/2014/main" id="{26EEE26D-2C47-739F-2FE2-DA5BA10F514A}"/>
+              </a:ext>
+            </a:extLst>
+          </p:cNvPr>
+          <p:cNvPicPr>
+            <a:picLocks noChangeAspect="1"/>
+          </p:cNvPicPr>
+          <p:nvPr/>
+        </p:nvPicPr>
+        <p:blipFill>
+          <a:blip r:embed="rId4"/>
+          <a:stretch>
+            <a:fillRect/>
+          </a:stretch>
+        </p:blipFill>
+        <p:spPr>
+          <a:xfrm>
+            <a:off x="5424546" y="3242821"/>
+            <a:ext cx="6701466" cy="3490701"/>
+          </a:xfrm>
+          <a:prstGeom prst="roundRect">
+            <a:avLst>
+              <a:gd name="adj" fmla="val 16667"/>
+            </a:avLst>
+          </a:prstGeom>
+          <a:ln>
+            <a:noFill/>
+          </a:ln>
+          <a:effectLst>
+            <a:outerShdw blurRad="76200" dist="38100" dir="7800000" algn="tl" rotWithShape="0">
+              <a:srgbClr val="000000">
+                <a:alpha val="40000"/>
+              </a:srgbClr>
+            </a:outerShdw>
+          </a:effectLst>
+          <a:scene3d>
+            <a:camera prst="orthographicFront"/>
+            <a:lightRig rig="contrasting" dir="t">
+              <a:rot lat="0" lon="0" rev="4200000"/>
+            </a:lightRig>
+          </a:scene3d>
+          <a:sp3d prstMaterial="plastic">
+            <a:bevelT w="381000" h="114300" prst="relaxedInset"/>
+            <a:contourClr>
+              <a:srgbClr val="969696"/>
+            </a:contourClr>
+          </a:sp3d>
+        </p:spPr>
+      </p:pic>
+    </p:spTree>
+    <p:extLst>
+      <p:ext uri="{BB962C8B-B14F-4D97-AF65-F5344CB8AC3E}">
+        <p14:creationId xmlns:p14="http://schemas.microsoft.com/office/powerpoint/2010/main" val="1480899211"/>
+      </p:ext>
+    </p:extLst>
+  </p:cSld>
+  <p:clrMapOvr>
+    <a:masterClrMapping/>
+  </p:clrMapOvr>
+</p:sld>
+</file>
+
+<file path=ppt/slides/slide12.xml><?xml version="1.0" encoding="utf-8"?>
+<p:sld xmlns:a="http://schemas.openxmlformats.org/drawingml/2006/main" xmlns:r="http://schemas.openxmlformats.org/officeDocument/2006/relationships" xmlns:p="http://schemas.openxmlformats.org/presentationml/2006/main">
+  <p:cSld>
+    <p:spTree>
+      <p:nvGrpSpPr>
+        <p:cNvPr id="1" name=""/>
+        <p:cNvGrpSpPr/>
+        <p:nvPr/>
+      </p:nvGrpSpPr>
+      <p:grpSpPr>
+        <a:xfrm>
+          <a:off x="0" y="0"/>
+          <a:ext cx="0" cy="0"/>
+          <a:chOff x="0" y="0"/>
+          <a:chExt cx="0" cy="0"/>
+        </a:xfrm>
+      </p:grpSpPr>
+      <p:sp>
+        <p:nvSpPr>
+          <p:cNvPr id="2" name="Titolo 1">
+            <a:extLst>
+              <a:ext uri="{FF2B5EF4-FFF2-40B4-BE49-F238E27FC236}">
+                <a16:creationId xmlns:a16="http://schemas.microsoft.com/office/drawing/2014/main" id="{921633EB-7DCB-4DDC-80AF-C885A3EE1245}"/>
+              </a:ext>
+            </a:extLst>
+          </p:cNvPr>
+          <p:cNvSpPr>
+            <a:spLocks noGrp="1"/>
+          </p:cNvSpPr>
+          <p:nvPr>
+            <p:ph type="title"/>
+          </p:nvPr>
+        </p:nvSpPr>
+        <p:spPr>
+          <a:xfrm>
+            <a:off x="581193" y="729658"/>
+            <a:ext cx="11029616" cy="988332"/>
+          </a:xfrm>
+        </p:spPr>
+        <p:txBody>
+          <a:bodyPr rtlCol="0" anchor="b">
+            <a:normAutofit/>
+          </a:bodyPr>
+          <a:lstStyle/>
+          <a:p>
+            <a:pPr rtl="0"/>
+            <a:r>
+              <a:rPr lang="it-IT" dirty="0" err="1">
+                <a:latin typeface="Berlin Sans FB" panose="020E0602020502020306" pitchFamily="34" charset="0"/>
+              </a:rPr>
+              <a:t>Find</a:t>
+            </a:r>
+            <a:r>
+              <a:rPr lang="it-IT" dirty="0">
+                <a:latin typeface="Berlin Sans FB" panose="020E0602020502020306" pitchFamily="34" charset="0"/>
+              </a:rPr>
+              <a:t> </a:t>
+            </a:r>
+            <a:r>
+              <a:rPr lang="it-IT" dirty="0" err="1">
+                <a:latin typeface="Berlin Sans FB" panose="020E0602020502020306" pitchFamily="34" charset="0"/>
+              </a:rPr>
+              <a:t>minimal</a:t>
+            </a:r>
+            <a:r>
+              <a:rPr lang="it-IT" dirty="0">
+                <a:latin typeface="Berlin Sans FB" panose="020E0602020502020306" pitchFamily="34" charset="0"/>
+              </a:rPr>
+              <a:t> </a:t>
+            </a:r>
+            <a:r>
+              <a:rPr lang="it-IT" dirty="0" err="1">
+                <a:latin typeface="Berlin Sans FB" panose="020E0602020502020306" pitchFamily="34" charset="0"/>
+              </a:rPr>
+              <a:t>moles</a:t>
+            </a:r>
+            <a:endParaRPr lang="it-IT" dirty="0">
+              <a:latin typeface="Berlin Sans FB" panose="020E0602020502020306" pitchFamily="34" charset="0"/>
+            </a:endParaRPr>
+          </a:p>
+        </p:txBody>
+      </p:sp>
+      <p:pic>
+        <p:nvPicPr>
+          <p:cNvPr id="5" name="Picture 4" descr="A computer screen shot of a program&#10;&#10;Description automatically generated">
+            <a:extLst>
+              <a:ext uri="{FF2B5EF4-FFF2-40B4-BE49-F238E27FC236}">
+                <a16:creationId xmlns:a16="http://schemas.microsoft.com/office/drawing/2014/main" id="{26CCA72B-9DD7-5490-048F-12BF22D09645}"/>
+              </a:ext>
+            </a:extLst>
+          </p:cNvPr>
+          <p:cNvPicPr>
+            <a:picLocks noChangeAspect="1"/>
+          </p:cNvPicPr>
+          <p:nvPr/>
+        </p:nvPicPr>
+        <p:blipFill rotWithShape="1">
+          <a:blip r:embed="rId3"/>
+          <a:srcRect l="1475" t="-1534" r="4426" b="2666"/>
+          <a:stretch/>
+        </p:blipFill>
+        <p:spPr>
+          <a:xfrm>
+            <a:off x="562339" y="1819371"/>
+            <a:ext cx="4965077" cy="5010348"/>
+          </a:xfrm>
+          <a:prstGeom prst="roundRect">
+            <a:avLst>
+              <a:gd name="adj" fmla="val 8277"/>
+            </a:avLst>
+          </a:prstGeom>
+          <a:ln>
+            <a:noFill/>
+          </a:ln>
+          <a:effectLst>
+            <a:outerShdw blurRad="76200" dist="38100" dir="7800000" algn="tl" rotWithShape="0">
+              <a:srgbClr val="000000">
+                <a:alpha val="40000"/>
+              </a:srgbClr>
+            </a:outerShdw>
+          </a:effectLst>
+          <a:scene3d>
+            <a:camera prst="orthographicFront"/>
+            <a:lightRig rig="contrasting" dir="t">
+              <a:rot lat="0" lon="0" rev="4200000"/>
+            </a:lightRig>
+          </a:scene3d>
+          <a:sp3d prstMaterial="plastic">
+            <a:bevelT w="381000" h="114300" prst="relaxedInset"/>
+            <a:contourClr>
+              <a:srgbClr val="969696"/>
+            </a:contourClr>
+          </a:sp3d>
+        </p:spPr>
+      </p:pic>
+      <p:sp>
+        <p:nvSpPr>
+          <p:cNvPr id="6" name="TextBox 5">
+            <a:extLst>
+              <a:ext uri="{FF2B5EF4-FFF2-40B4-BE49-F238E27FC236}">
+                <a16:creationId xmlns:a16="http://schemas.microsoft.com/office/drawing/2014/main" id="{07F88D33-F59F-9945-E57E-241ECAF7479B}"/>
+              </a:ext>
+            </a:extLst>
+          </p:cNvPr>
+          <p:cNvSpPr txBox="1"/>
+          <p:nvPr/>
+        </p:nvSpPr>
+        <p:spPr>
+          <a:xfrm>
+            <a:off x="5656084" y="2416330"/>
+            <a:ext cx="6108568" cy="3816429"/>
+          </a:xfrm>
+          <a:prstGeom prst="rect">
+            <a:avLst/>
+          </a:prstGeom>
+          <a:noFill/>
+        </p:spPr>
+        <p:txBody>
+          <a:bodyPr wrap="square" rtlCol="0">
+            <a:spAutoFit/>
+          </a:bodyPr>
+          <a:lstStyle/>
+          <a:p>
+            <a:pPr algn="ctr"/>
+            <a:r>
+              <a:rPr lang="en-GB" sz="2200" b="0" dirty="0">
+                <a:effectLst/>
+                <a:latin typeface="Berlin Sans FB" panose="020E0602020502020306" pitchFamily="34" charset="77"/>
+              </a:rPr>
+              <a:t>"This function is invoked after 'eliminate_size1_moles' to compute all the minimal moles. It returns three essential elements:</a:t>
+            </a:r>
+          </a:p>
+          <a:p>
+            <a:pPr algn="ctr"/>
+            <a:r>
+              <a:rPr lang="en-GB" sz="2200" b="0" dirty="0">
+                <a:effectLst/>
+                <a:latin typeface="Berlin Sans FB" panose="020E0602020502020306" pitchFamily="34" charset="77"/>
+              </a:rPr>
+              <a:t>MM: A dictionary where the keys represent the </a:t>
+            </a:r>
+            <a:r>
+              <a:rPr lang="en-GB" sz="2200" b="0" dirty="0" err="1">
+                <a:effectLst/>
+                <a:latin typeface="Berlin Sans FB" panose="020E0602020502020306" pitchFamily="34" charset="77"/>
+              </a:rPr>
+              <a:t>i-th</a:t>
+            </a:r>
+            <a:r>
+              <a:rPr lang="en-GB" sz="2200" b="0" dirty="0">
+                <a:effectLst/>
+                <a:latin typeface="Berlin Sans FB" panose="020E0602020502020306" pitchFamily="34" charset="77"/>
+              </a:rPr>
+              <a:t> public item within the list of minimal moles, and values signify the count of minimal moles containing that specific public item.</a:t>
+            </a:r>
+          </a:p>
+          <a:p>
+            <a:pPr algn="ctr"/>
+            <a:r>
+              <a:rPr lang="en-GB" sz="2200" b="0" dirty="0">
+                <a:effectLst/>
+                <a:latin typeface="Berlin Sans FB" panose="020E0602020502020306" pitchFamily="34" charset="77"/>
+              </a:rPr>
+              <a:t>F: Initially holds the size_1 moles, but progressively accumulates all the size-</a:t>
+            </a:r>
+            <a:r>
+              <a:rPr lang="en-GB" sz="2200" b="0" dirty="0" err="1">
+                <a:effectLst/>
+                <a:latin typeface="Berlin Sans FB" panose="020E0602020502020306" pitchFamily="34" charset="77"/>
+              </a:rPr>
+              <a:t>i</a:t>
+            </a:r>
+            <a:r>
+              <a:rPr lang="en-GB" sz="2200" b="0" dirty="0">
+                <a:effectLst/>
+                <a:latin typeface="Berlin Sans FB" panose="020E0602020502020306" pitchFamily="34" charset="77"/>
+              </a:rPr>
+              <a:t> non-moles.</a:t>
+            </a:r>
+          </a:p>
+          <a:p>
+            <a:pPr algn="ctr"/>
+            <a:r>
+              <a:rPr lang="en-GB" sz="2200" b="0" dirty="0">
+                <a:effectLst/>
+                <a:latin typeface="Berlin Sans FB" panose="020E0602020502020306" pitchFamily="34" charset="77"/>
+              </a:rPr>
+              <a:t>M: Represents all the minimal moles within the dataset."</a:t>
+            </a:r>
+            <a:endParaRPr lang="en-IT" sz="2200" dirty="0">
+              <a:latin typeface="Berlin Sans FB" panose="020E0602020502020306" pitchFamily="34" charset="77"/>
+            </a:endParaRPr>
+          </a:p>
+        </p:txBody>
+      </p:sp>
+    </p:spTree>
+    <p:extLst>
+      <p:ext uri="{BB962C8B-B14F-4D97-AF65-F5344CB8AC3E}">
+        <p14:creationId xmlns:p14="http://schemas.microsoft.com/office/powerpoint/2010/main" val="1718749475"/>
+      </p:ext>
+    </p:extLst>
+  </p:cSld>
+  <p:clrMapOvr>
+    <a:masterClrMapping/>
+  </p:clrMapOvr>
+</p:sld>
+</file>
+
+<file path=ppt/slides/slide13.xml><?xml version="1.0" encoding="utf-8"?>
+<p:sld xmlns:a="http://schemas.openxmlformats.org/drawingml/2006/main" xmlns:r="http://schemas.openxmlformats.org/officeDocument/2006/relationships" xmlns:p="http://schemas.openxmlformats.org/presentationml/2006/main">
+  <p:cSld>
+    <p:spTree>
+      <p:nvGrpSpPr>
+        <p:cNvPr id="1" name=""/>
+        <p:cNvGrpSpPr/>
+        <p:nvPr/>
+      </p:nvGrpSpPr>
+      <p:grpSpPr>
+        <a:xfrm>
+          <a:off x="0" y="0"/>
+          <a:ext cx="0" cy="0"/>
+          <a:chOff x="0" y="0"/>
+          <a:chExt cx="0" cy="0"/>
+        </a:xfrm>
+      </p:grpSpPr>
+      <p:sp>
+        <p:nvSpPr>
+          <p:cNvPr id="2" name="Titolo 1">
+            <a:extLst>
+              <a:ext uri="{FF2B5EF4-FFF2-40B4-BE49-F238E27FC236}">
+                <a16:creationId xmlns:a16="http://schemas.microsoft.com/office/drawing/2014/main" id="{921633EB-7DCB-4DDC-80AF-C885A3EE1245}"/>
+              </a:ext>
+            </a:extLst>
+          </p:cNvPr>
+          <p:cNvSpPr>
+            <a:spLocks noGrp="1"/>
+          </p:cNvSpPr>
+          <p:nvPr>
+            <p:ph type="title"/>
+          </p:nvPr>
+        </p:nvSpPr>
+        <p:spPr>
+          <a:xfrm>
+            <a:off x="581193" y="729658"/>
+            <a:ext cx="11029616" cy="988332"/>
+          </a:xfrm>
+        </p:spPr>
+        <p:txBody>
+          <a:bodyPr rtlCol="0" anchor="b">
+            <a:normAutofit/>
+          </a:bodyPr>
+          <a:lstStyle/>
+          <a:p>
+            <a:pPr rtl="0"/>
+            <a:r>
+              <a:rPr lang="it-IT" dirty="0" err="1">
+                <a:latin typeface="Berlin Sans FB" panose="020E0602020502020306" pitchFamily="34" charset="0"/>
+              </a:rPr>
+              <a:t>Suppress</a:t>
+            </a:r>
+            <a:r>
+              <a:rPr lang="it-IT" dirty="0">
+                <a:latin typeface="Berlin Sans FB" panose="020E0602020502020306" pitchFamily="34" charset="0"/>
+              </a:rPr>
+              <a:t> </a:t>
+            </a:r>
+            <a:r>
+              <a:rPr lang="it-IT" dirty="0" err="1">
+                <a:latin typeface="Berlin Sans FB" panose="020E0602020502020306" pitchFamily="34" charset="0"/>
+              </a:rPr>
+              <a:t>minimal</a:t>
+            </a:r>
+            <a:r>
+              <a:rPr lang="it-IT" dirty="0">
+                <a:latin typeface="Berlin Sans FB" panose="020E0602020502020306" pitchFamily="34" charset="0"/>
+              </a:rPr>
+              <a:t> </a:t>
+            </a:r>
+            <a:r>
+              <a:rPr lang="it-IT" dirty="0" err="1">
+                <a:latin typeface="Berlin Sans FB" panose="020E0602020502020306" pitchFamily="34" charset="0"/>
+              </a:rPr>
+              <a:t>moles</a:t>
+            </a:r>
+            <a:endParaRPr lang="it-IT" dirty="0">
+              <a:latin typeface="Berlin Sans FB" panose="020E0602020502020306" pitchFamily="34" charset="0"/>
+            </a:endParaRPr>
+          </a:p>
+        </p:txBody>
+      </p:sp>
+      <p:sp>
+        <p:nvSpPr>
+          <p:cNvPr id="8" name="TextBox 7">
+            <a:extLst>
+              <a:ext uri="{FF2B5EF4-FFF2-40B4-BE49-F238E27FC236}">
+                <a16:creationId xmlns:a16="http://schemas.microsoft.com/office/drawing/2014/main" id="{BC566EA7-B4A7-5EE4-853A-DD69764D763B}"/>
+              </a:ext>
+            </a:extLst>
+          </p:cNvPr>
+          <p:cNvSpPr txBox="1"/>
+          <p:nvPr/>
+        </p:nvSpPr>
+        <p:spPr>
+          <a:xfrm>
+            <a:off x="825519" y="1930345"/>
+            <a:ext cx="10785290" cy="923330"/>
+          </a:xfrm>
+          <a:prstGeom prst="rect">
+            <a:avLst/>
+          </a:prstGeom>
+          <a:noFill/>
+        </p:spPr>
+        <p:txBody>
+          <a:bodyPr wrap="square" rtlCol="0">
+            <a:spAutoFit/>
+          </a:bodyPr>
+          <a:lstStyle/>
+          <a:p>
+            <a:r>
+              <a:rPr lang="en-GB" dirty="0">
+                <a:effectLst/>
+                <a:latin typeface="Berlin Sans FB" panose="020E0602020502020306" pitchFamily="34" charset="77"/>
+              </a:rPr>
+              <a:t>The 'Suppress MM' function computes the MM/IL ratio and arranges the elements in descending order of this ratio. It then invokes the 'm' method to suppress the moles. In the main program, this function is iteratively called until no more minimal moles remain in the dataset, and corresponding logs and prints are generated.</a:t>
+            </a:r>
+          </a:p>
+        </p:txBody>
+      </p:sp>
+      <p:pic>
+        <p:nvPicPr>
+          <p:cNvPr id="5" name="Picture 4" descr="A screen shot of a computer code&#10;&#10;Description automatically generated">
+            <a:extLst>
+              <a:ext uri="{FF2B5EF4-FFF2-40B4-BE49-F238E27FC236}">
+                <a16:creationId xmlns:a16="http://schemas.microsoft.com/office/drawing/2014/main" id="{04E4936B-4C76-CDEF-6A4E-BB9766C10D2D}"/>
+              </a:ext>
+            </a:extLst>
+          </p:cNvPr>
+          <p:cNvPicPr>
+            <a:picLocks noChangeAspect="1"/>
+          </p:cNvPicPr>
+          <p:nvPr/>
+        </p:nvPicPr>
+        <p:blipFill rotWithShape="1">
+          <a:blip r:embed="rId3"/>
+          <a:srcRect l="1893" r="1787" b="9297"/>
+          <a:stretch/>
+        </p:blipFill>
+        <p:spPr>
+          <a:xfrm>
+            <a:off x="226242" y="3744263"/>
+            <a:ext cx="5712644" cy="2522727"/>
+          </a:xfrm>
+          <a:prstGeom prst="roundRect">
+            <a:avLst>
+              <a:gd name="adj" fmla="val 16667"/>
+            </a:avLst>
+          </a:prstGeom>
+          <a:ln>
+            <a:noFill/>
+          </a:ln>
+          <a:effectLst>
+            <a:outerShdw blurRad="76200" dist="38100" dir="7800000" algn="tl" rotWithShape="0">
+              <a:srgbClr val="000000">
+                <a:alpha val="40000"/>
+              </a:srgbClr>
+            </a:outerShdw>
+          </a:effectLst>
+          <a:scene3d>
+            <a:camera prst="orthographicFront"/>
+            <a:lightRig rig="contrasting" dir="t">
+              <a:rot lat="0" lon="0" rev="4200000"/>
+            </a:lightRig>
+          </a:scene3d>
+          <a:sp3d prstMaterial="plastic">
+            <a:bevelT w="381000" h="114300" prst="relaxedInset"/>
+            <a:contourClr>
+              <a:srgbClr val="969696"/>
+            </a:contourClr>
+          </a:sp3d>
+        </p:spPr>
+      </p:pic>
+      <p:pic>
+        <p:nvPicPr>
+          <p:cNvPr id="7" name="Picture 6" descr="A computer screen with text&#10;&#10;Description automatically generated">
+            <a:extLst>
+              <a:ext uri="{FF2B5EF4-FFF2-40B4-BE49-F238E27FC236}">
+                <a16:creationId xmlns:a16="http://schemas.microsoft.com/office/drawing/2014/main" id="{F758F867-397C-6618-E328-23D2C0229910}"/>
+              </a:ext>
+            </a:extLst>
+          </p:cNvPr>
+          <p:cNvPicPr>
+            <a:picLocks noChangeAspect="1"/>
+          </p:cNvPicPr>
+          <p:nvPr/>
+        </p:nvPicPr>
+        <p:blipFill rotWithShape="1">
+          <a:blip r:embed="rId4"/>
+          <a:srcRect l="1960" r="2739"/>
+          <a:stretch/>
+        </p:blipFill>
+        <p:spPr>
+          <a:xfrm>
+            <a:off x="6715029" y="3519727"/>
+            <a:ext cx="5143891" cy="2971800"/>
+          </a:xfrm>
+          <a:prstGeom prst="roundRect">
+            <a:avLst>
+              <a:gd name="adj" fmla="val 16667"/>
+            </a:avLst>
+          </a:prstGeom>
+          <a:ln>
+            <a:noFill/>
+          </a:ln>
+          <a:effectLst>
+            <a:outerShdw blurRad="76200" dist="38100" dir="7800000" algn="tl" rotWithShape="0">
+              <a:srgbClr val="000000">
+                <a:alpha val="40000"/>
+              </a:srgbClr>
+            </a:outerShdw>
+          </a:effectLst>
+          <a:scene3d>
+            <a:camera prst="orthographicFront"/>
+            <a:lightRig rig="contrasting" dir="t">
+              <a:rot lat="0" lon="0" rev="4200000"/>
+            </a:lightRig>
+          </a:scene3d>
+          <a:sp3d prstMaterial="plastic">
+            <a:bevelT w="381000" h="114300" prst="relaxedInset"/>
+            <a:contourClr>
+              <a:srgbClr val="969696"/>
+            </a:contourClr>
+          </a:sp3d>
+        </p:spPr>
+      </p:pic>
+      <p:sp>
+        <p:nvSpPr>
+          <p:cNvPr id="11" name="TextBox 10">
+            <a:extLst>
+              <a:ext uri="{FF2B5EF4-FFF2-40B4-BE49-F238E27FC236}">
+                <a16:creationId xmlns:a16="http://schemas.microsoft.com/office/drawing/2014/main" id="{1F03138C-DFB4-971B-9C6B-444001AB8E44}"/>
+              </a:ext>
+            </a:extLst>
+          </p:cNvPr>
+          <p:cNvSpPr txBox="1"/>
+          <p:nvPr/>
+        </p:nvSpPr>
+        <p:spPr>
+          <a:xfrm>
+            <a:off x="2347274" y="3335061"/>
+            <a:ext cx="1913641" cy="369332"/>
+          </a:xfrm>
+          <a:prstGeom prst="rect">
+            <a:avLst/>
+          </a:prstGeom>
+          <a:noFill/>
+        </p:spPr>
+        <p:txBody>
+          <a:bodyPr wrap="square" rtlCol="0">
+            <a:spAutoFit/>
+          </a:bodyPr>
+          <a:lstStyle/>
+          <a:p>
+            <a:r>
+              <a:rPr lang="en-GB" b="1" dirty="0">
+                <a:latin typeface="Berlin Sans FB" panose="020E0602020502020306" pitchFamily="34" charset="77"/>
+              </a:rPr>
+              <a:t>H</a:t>
+            </a:r>
+            <a:r>
+              <a:rPr lang="en-IT" b="1" dirty="0">
+                <a:latin typeface="Berlin Sans FB" panose="020E0602020502020306" pitchFamily="34" charset="77"/>
+              </a:rPr>
+              <a:t>kp.class</a:t>
+            </a:r>
+          </a:p>
+        </p:txBody>
+      </p:sp>
+      <p:sp>
+        <p:nvSpPr>
+          <p:cNvPr id="12" name="TextBox 11">
+            <a:extLst>
+              <a:ext uri="{FF2B5EF4-FFF2-40B4-BE49-F238E27FC236}">
+                <a16:creationId xmlns:a16="http://schemas.microsoft.com/office/drawing/2014/main" id="{FE07C78A-750E-70D0-FB28-6236B97E4211}"/>
+              </a:ext>
+            </a:extLst>
+          </p:cNvPr>
+          <p:cNvSpPr txBox="1"/>
+          <p:nvPr/>
+        </p:nvSpPr>
+        <p:spPr>
+          <a:xfrm>
+            <a:off x="8759071" y="3155539"/>
+            <a:ext cx="1913641" cy="369332"/>
+          </a:xfrm>
+          <a:prstGeom prst="rect">
+            <a:avLst/>
+          </a:prstGeom>
+          <a:noFill/>
+        </p:spPr>
+        <p:txBody>
+          <a:bodyPr wrap="square" rtlCol="0">
+            <a:spAutoFit/>
+          </a:bodyPr>
+          <a:lstStyle/>
+          <a:p>
+            <a:r>
+              <a:rPr lang="it-IT" b="1" dirty="0" err="1">
+                <a:latin typeface="Berlin Sans FB" panose="020E0602020502020306" pitchFamily="34" charset="77"/>
+              </a:rPr>
+              <a:t>Main.py</a:t>
+            </a:r>
+            <a:endParaRPr lang="en-IT" b="1" dirty="0">
+              <a:latin typeface="Berlin Sans FB" panose="020E0602020502020306" pitchFamily="34" charset="77"/>
+            </a:endParaRPr>
+          </a:p>
+        </p:txBody>
+      </p:sp>
+    </p:spTree>
+    <p:extLst>
+      <p:ext uri="{BB962C8B-B14F-4D97-AF65-F5344CB8AC3E}">
+        <p14:creationId xmlns:p14="http://schemas.microsoft.com/office/powerpoint/2010/main" val="3747038118"/>
+      </p:ext>
+    </p:extLst>
+  </p:cSld>
+  <p:clrMapOvr>
+    <a:masterClrMapping/>
+  </p:clrMapOvr>
+</p:sld>
+</file>
+
+<file path=ppt/slides/slide14.xml><?xml version="1.0" encoding="utf-8"?>
+<p:sld xmlns:a="http://schemas.openxmlformats.org/drawingml/2006/main" xmlns:r="http://schemas.openxmlformats.org/officeDocument/2006/relationships" xmlns:p="http://schemas.openxmlformats.org/presentationml/2006/main">
+  <p:cSld>
+    <p:spTree>
+      <p:nvGrpSpPr>
+        <p:cNvPr id="1" name=""/>
+        <p:cNvGrpSpPr/>
+        <p:nvPr/>
+      </p:nvGrpSpPr>
+      <p:grpSpPr>
+        <a:xfrm>
+          <a:off x="0" y="0"/>
+          <a:ext cx="0" cy="0"/>
+          <a:chOff x="0" y="0"/>
+          <a:chExt cx="0" cy="0"/>
+        </a:xfrm>
+      </p:grpSpPr>
+      <p:sp>
+        <p:nvSpPr>
+          <p:cNvPr id="2" name="Titolo 1">
+            <a:extLst>
+              <a:ext uri="{FF2B5EF4-FFF2-40B4-BE49-F238E27FC236}">
+                <a16:creationId xmlns:a16="http://schemas.microsoft.com/office/drawing/2014/main" id="{921633EB-7DCB-4DDC-80AF-C885A3EE1245}"/>
+              </a:ext>
+            </a:extLst>
+          </p:cNvPr>
+          <p:cNvSpPr>
+            <a:spLocks noGrp="1"/>
+          </p:cNvSpPr>
+          <p:nvPr>
+            <p:ph type="title"/>
+          </p:nvPr>
+        </p:nvSpPr>
+        <p:spPr>
+          <a:xfrm>
+            <a:off x="581193" y="729658"/>
+            <a:ext cx="11029616" cy="988332"/>
+          </a:xfrm>
+        </p:spPr>
+        <p:txBody>
+          <a:bodyPr rtlCol="0" anchor="b">
+            <a:normAutofit/>
+          </a:bodyPr>
+          <a:lstStyle/>
+          <a:p>
+            <a:pPr rtl="0"/>
+            <a:r>
+              <a:rPr lang="it-IT" dirty="0" err="1">
+                <a:latin typeface="Berlin Sans FB" panose="020E0602020502020306" pitchFamily="34" charset="0"/>
+              </a:rPr>
+              <a:t>Suppress</a:t>
+            </a:r>
+            <a:r>
+              <a:rPr lang="it-IT" dirty="0">
+                <a:latin typeface="Berlin Sans FB" panose="020E0602020502020306" pitchFamily="34" charset="0"/>
+              </a:rPr>
+              <a:t> </a:t>
+            </a:r>
+            <a:r>
+              <a:rPr lang="it-IT" dirty="0" err="1">
+                <a:latin typeface="Berlin Sans FB" panose="020E0602020502020306" pitchFamily="34" charset="0"/>
+              </a:rPr>
+              <a:t>minimal</a:t>
+            </a:r>
+            <a:r>
+              <a:rPr lang="it-IT" dirty="0">
+                <a:latin typeface="Berlin Sans FB" panose="020E0602020502020306" pitchFamily="34" charset="0"/>
+              </a:rPr>
+              <a:t> </a:t>
+            </a:r>
+            <a:r>
+              <a:rPr lang="it-IT" dirty="0" err="1">
+                <a:latin typeface="Berlin Sans FB" panose="020E0602020502020306" pitchFamily="34" charset="0"/>
+              </a:rPr>
+              <a:t>moles</a:t>
+            </a:r>
+            <a:endParaRPr lang="it-IT" dirty="0">
+              <a:latin typeface="Berlin Sans FB" panose="020E0602020502020306" pitchFamily="34" charset="0"/>
+            </a:endParaRPr>
+          </a:p>
+        </p:txBody>
+      </p:sp>
+      <p:sp>
+        <p:nvSpPr>
+          <p:cNvPr id="8" name="TextBox 7">
+            <a:extLst>
+              <a:ext uri="{FF2B5EF4-FFF2-40B4-BE49-F238E27FC236}">
+                <a16:creationId xmlns:a16="http://schemas.microsoft.com/office/drawing/2014/main" id="{BC566EA7-B4A7-5EE4-853A-DD69764D763B}"/>
+              </a:ext>
+            </a:extLst>
+          </p:cNvPr>
+          <p:cNvSpPr txBox="1"/>
+          <p:nvPr/>
+        </p:nvSpPr>
+        <p:spPr>
+          <a:xfrm>
+            <a:off x="7390615" y="1931691"/>
+            <a:ext cx="4305805" cy="1754326"/>
+          </a:xfrm>
+          <a:prstGeom prst="rect">
+            <a:avLst/>
+          </a:prstGeom>
+          <a:noFill/>
+        </p:spPr>
+        <p:txBody>
+          <a:bodyPr wrap="square" rtlCol="0">
+            <a:spAutoFit/>
+          </a:bodyPr>
+          <a:lstStyle/>
+          <a:p>
+            <a:pPr algn="ctr"/>
+            <a:r>
+              <a:rPr lang="en-GB" b="1" dirty="0" err="1">
+                <a:effectLst/>
+                <a:latin typeface="Berlin Sans FB" panose="020E0602020502020306" pitchFamily="34" charset="77"/>
+              </a:rPr>
+              <a:t>MAIN.py</a:t>
+            </a:r>
+            <a:endParaRPr lang="en-GB" b="1" dirty="0">
+              <a:effectLst/>
+              <a:latin typeface="Berlin Sans FB" panose="020E0602020502020306" pitchFamily="34" charset="77"/>
+            </a:endParaRPr>
+          </a:p>
+          <a:p>
+            <a:pPr algn="ctr"/>
+            <a:r>
+              <a:rPr lang="en-GB" dirty="0">
+                <a:effectLst/>
+                <a:latin typeface="Berlin Sans FB" panose="020E0602020502020306" pitchFamily="34" charset="77"/>
+              </a:rPr>
+              <a:t>In the main program, this function is iteratively called until no more minimal moles remain in the dataset, and corresponding logs and prints are generated.</a:t>
+            </a:r>
+          </a:p>
+        </p:txBody>
+      </p:sp>
+      <p:pic>
+        <p:nvPicPr>
+          <p:cNvPr id="5" name="Picture 4" descr="A screen shot of a computer code&#10;&#10;Description automatically generated">
+            <a:extLst>
+              <a:ext uri="{FF2B5EF4-FFF2-40B4-BE49-F238E27FC236}">
+                <a16:creationId xmlns:a16="http://schemas.microsoft.com/office/drawing/2014/main" id="{04E4936B-4C76-CDEF-6A4E-BB9766C10D2D}"/>
+              </a:ext>
+            </a:extLst>
+          </p:cNvPr>
+          <p:cNvPicPr>
+            <a:picLocks noChangeAspect="1"/>
+          </p:cNvPicPr>
+          <p:nvPr/>
+        </p:nvPicPr>
+        <p:blipFill rotWithShape="1">
+          <a:blip r:embed="rId3"/>
+          <a:srcRect l="1893" r="1787" b="9297"/>
+          <a:stretch/>
+        </p:blipFill>
+        <p:spPr>
+          <a:xfrm>
+            <a:off x="226242" y="3970511"/>
+            <a:ext cx="5712644" cy="2522727"/>
+          </a:xfrm>
+          <a:prstGeom prst="roundRect">
+            <a:avLst>
+              <a:gd name="adj" fmla="val 16667"/>
+            </a:avLst>
+          </a:prstGeom>
+          <a:ln>
+            <a:noFill/>
+          </a:ln>
+          <a:effectLst>
+            <a:outerShdw blurRad="76200" dist="38100" dir="7800000" algn="tl" rotWithShape="0">
+              <a:srgbClr val="000000">
+                <a:alpha val="40000"/>
+              </a:srgbClr>
+            </a:outerShdw>
+          </a:effectLst>
+          <a:scene3d>
+            <a:camera prst="orthographicFront"/>
+            <a:lightRig rig="contrasting" dir="t">
+              <a:rot lat="0" lon="0" rev="4200000"/>
+            </a:lightRig>
+          </a:scene3d>
+          <a:sp3d prstMaterial="plastic">
+            <a:bevelT w="381000" h="114300" prst="relaxedInset"/>
+            <a:contourClr>
+              <a:srgbClr val="969696"/>
+            </a:contourClr>
+          </a:sp3d>
+        </p:spPr>
+      </p:pic>
+      <p:pic>
+        <p:nvPicPr>
+          <p:cNvPr id="7" name="Picture 6" descr="A computer screen with text&#10;&#10;Description automatically generated">
+            <a:extLst>
+              <a:ext uri="{FF2B5EF4-FFF2-40B4-BE49-F238E27FC236}">
+                <a16:creationId xmlns:a16="http://schemas.microsoft.com/office/drawing/2014/main" id="{F758F867-397C-6618-E328-23D2C0229910}"/>
+              </a:ext>
+            </a:extLst>
+          </p:cNvPr>
+          <p:cNvPicPr>
+            <a:picLocks noChangeAspect="1"/>
+          </p:cNvPicPr>
+          <p:nvPr/>
+        </p:nvPicPr>
+        <p:blipFill rotWithShape="1">
+          <a:blip r:embed="rId4"/>
+          <a:srcRect l="1960" r="2739"/>
+          <a:stretch/>
+        </p:blipFill>
+        <p:spPr>
+          <a:xfrm>
+            <a:off x="6715029" y="3745975"/>
+            <a:ext cx="5143891" cy="2971800"/>
+          </a:xfrm>
+          <a:prstGeom prst="roundRect">
+            <a:avLst>
+              <a:gd name="adj" fmla="val 16667"/>
+            </a:avLst>
+          </a:prstGeom>
+          <a:ln>
+            <a:noFill/>
+          </a:ln>
+          <a:effectLst>
+            <a:outerShdw blurRad="76200" dist="38100" dir="7800000" algn="tl" rotWithShape="0">
+              <a:srgbClr val="000000">
+                <a:alpha val="40000"/>
+              </a:srgbClr>
+            </a:outerShdw>
+          </a:effectLst>
+          <a:scene3d>
+            <a:camera prst="orthographicFront"/>
+            <a:lightRig rig="contrasting" dir="t">
+              <a:rot lat="0" lon="0" rev="4200000"/>
+            </a:lightRig>
+          </a:scene3d>
+          <a:sp3d prstMaterial="plastic">
+            <a:bevelT w="381000" h="114300" prst="relaxedInset"/>
+            <a:contourClr>
+              <a:srgbClr val="969696"/>
+            </a:contourClr>
+          </a:sp3d>
+        </p:spPr>
+      </p:pic>
+      <p:sp>
+        <p:nvSpPr>
+          <p:cNvPr id="4" name="TextBox 3">
+            <a:extLst>
+              <a:ext uri="{FF2B5EF4-FFF2-40B4-BE49-F238E27FC236}">
+                <a16:creationId xmlns:a16="http://schemas.microsoft.com/office/drawing/2014/main" id="{622532EF-40A5-D430-C6C5-7CAB6ECD2B13}"/>
+              </a:ext>
+            </a:extLst>
+          </p:cNvPr>
+          <p:cNvSpPr txBox="1"/>
+          <p:nvPr/>
+        </p:nvSpPr>
+        <p:spPr>
+          <a:xfrm>
+            <a:off x="1200346" y="2019124"/>
+            <a:ext cx="3764435" cy="1754326"/>
+          </a:xfrm>
+          <a:prstGeom prst="rect">
+            <a:avLst/>
+          </a:prstGeom>
+          <a:noFill/>
+        </p:spPr>
+        <p:txBody>
+          <a:bodyPr wrap="square">
+            <a:spAutoFit/>
+          </a:bodyPr>
+          <a:lstStyle/>
+          <a:p>
+            <a:pPr algn="ctr"/>
+            <a:r>
+              <a:rPr lang="en-GB" b="1" dirty="0" err="1">
+                <a:effectLst/>
+                <a:latin typeface="Berlin Sans FB" panose="020E0602020502020306" pitchFamily="34" charset="77"/>
+              </a:rPr>
+              <a:t>HKP.class</a:t>
+            </a:r>
+            <a:endParaRPr lang="en-GB" b="1" dirty="0">
+              <a:effectLst/>
+              <a:latin typeface="Berlin Sans FB" panose="020E0602020502020306" pitchFamily="34" charset="77"/>
+            </a:endParaRPr>
+          </a:p>
+          <a:p>
+            <a:pPr algn="ctr"/>
+            <a:r>
+              <a:rPr lang="en-GB" dirty="0">
+                <a:effectLst/>
+                <a:latin typeface="Berlin Sans FB" panose="020E0602020502020306" pitchFamily="34" charset="77"/>
+              </a:rPr>
+              <a:t>The 'Suppress MM' function computes the MM/IL ratio and arranges the elements in descending order of this ratio. It then invokes the 'm' method to suppress the moles. </a:t>
+            </a:r>
+            <a:endParaRPr lang="en-IT" dirty="0"/>
+          </a:p>
+        </p:txBody>
+      </p:sp>
+    </p:spTree>
+    <p:extLst>
+      <p:ext uri="{BB962C8B-B14F-4D97-AF65-F5344CB8AC3E}">
+        <p14:creationId xmlns:p14="http://schemas.microsoft.com/office/powerpoint/2010/main" val="2902206235"/>
+      </p:ext>
+    </p:extLst>
+  </p:cSld>
+  <p:clrMapOvr>
+    <a:masterClrMapping/>
+  </p:clrMapOvr>
+</p:sld>
+</file>
+
+<file path=ppt/slides/slide15.xml><?xml version="1.0" encoding="utf-8"?>
+<p:sld xmlns:a="http://schemas.openxmlformats.org/drawingml/2006/main" xmlns:r="http://schemas.openxmlformats.org/officeDocument/2006/relationships" xmlns:p="http://schemas.openxmlformats.org/presentationml/2006/main">
+  <p:cSld>
+    <p:spTree>
+      <p:nvGrpSpPr>
+        <p:cNvPr id="1" name=""/>
+        <p:cNvGrpSpPr/>
+        <p:nvPr/>
+      </p:nvGrpSpPr>
+      <p:grpSpPr>
+        <a:xfrm>
+          <a:off x="0" y="0"/>
+          <a:ext cx="0" cy="0"/>
+          <a:chOff x="0" y="0"/>
+          <a:chExt cx="0" cy="0"/>
+        </a:xfrm>
+      </p:grpSpPr>
+      <p:pic>
+        <p:nvPicPr>
+          <p:cNvPr id="4" name="Segnaposto contenuto 4" descr="Numeri digitali">
+            <a:extLst>
+              <a:ext uri="{FF2B5EF4-FFF2-40B4-BE49-F238E27FC236}">
+                <a16:creationId xmlns:a16="http://schemas.microsoft.com/office/drawing/2014/main" id="{D61423D5-43B6-0FFB-3C1F-2DDB99215B16}"/>
+              </a:ext>
+            </a:extLst>
+          </p:cNvPr>
+          <p:cNvPicPr>
+            <a:picLocks noGrp="1" noChangeAspect="1"/>
+          </p:cNvPicPr>
+          <p:nvPr>
+            <p:ph type="pic" idx="1"/>
+          </p:nvPr>
+        </p:nvPicPr>
+        <p:blipFill rotWithShape="1">
+          <a:blip r:embed="rId2" cstate="screen">
+            <a:extLst>
+              <a:ext uri="{28A0092B-C50C-407E-A947-70E740481C1C}">
+                <a14:useLocalDpi xmlns:a14="http://schemas.microsoft.com/office/drawing/2010/main"/>
+              </a:ext>
+            </a:extLst>
+          </a:blip>
+          <a:srcRect t="6561" b="9169"/>
+          <a:stretch/>
+        </p:blipFill>
+        <p:spPr>
+          <a:xfrm>
+            <a:off x="20" y="10"/>
+            <a:ext cx="12191980" cy="6857990"/>
+          </a:xfrm>
+          <a:prstGeom prst="rect">
+            <a:avLst/>
+          </a:prstGeom>
+          <a:noFill/>
+        </p:spPr>
+      </p:pic>
+      <p:sp>
+        <p:nvSpPr>
+          <p:cNvPr id="5" name="Rectangle 4">
+            <a:extLst>
+              <a:ext uri="{FF2B5EF4-FFF2-40B4-BE49-F238E27FC236}">
+                <a16:creationId xmlns:a16="http://schemas.microsoft.com/office/drawing/2014/main" id="{5196091C-8FA8-6DAB-3768-E5BA818B2D3C}"/>
+              </a:ext>
+            </a:extLst>
+          </p:cNvPr>
+          <p:cNvSpPr/>
+          <p:nvPr/>
+        </p:nvSpPr>
+        <p:spPr>
+          <a:xfrm>
+            <a:off x="451092" y="779927"/>
+            <a:ext cx="11237843" cy="5683200"/>
+          </a:xfrm>
+          <a:prstGeom prst="rect">
+            <a:avLst/>
+          </a:prstGeom>
+        </p:spPr>
+        <p:style>
+          <a:lnRef idx="2">
+            <a:schemeClr val="accent1">
+              <a:shade val="50000"/>
+            </a:schemeClr>
+          </a:lnRef>
+          <a:fillRef idx="1">
+            <a:schemeClr val="accent1"/>
+          </a:fillRef>
+          <a:effectRef idx="0">
+            <a:schemeClr val="accent1"/>
+          </a:effectRef>
+          <a:fontRef idx="minor">
+            <a:schemeClr val="lt1"/>
+          </a:fontRef>
+        </p:style>
+        <p:txBody>
+          <a:bodyPr rtlCol="0" anchor="ctr"/>
+          <a:lstStyle/>
+          <a:p>
+            <a:pPr algn="ctr"/>
+            <a:r>
+              <a:rPr lang="en-IT" sz="7200" dirty="0"/>
+              <a:t>PERFORMANCES</a:t>
+            </a:r>
+          </a:p>
+        </p:txBody>
+      </p:sp>
+    </p:spTree>
+    <p:extLst>
+      <p:ext uri="{BB962C8B-B14F-4D97-AF65-F5344CB8AC3E}">
+        <p14:creationId xmlns:p14="http://schemas.microsoft.com/office/powerpoint/2010/main" val="1783228583"/>
+      </p:ext>
+    </p:extLst>
+  </p:cSld>
+  <p:clrMapOvr>
+    <a:masterClrMapping/>
+  </p:clrMapOvr>
+</p:sld>
+</file>
+
+<file path=ppt/slides/slide16.xml><?xml version="1.0" encoding="utf-8"?>
+<p:sld xmlns:a="http://schemas.openxmlformats.org/drawingml/2006/main" xmlns:r="http://schemas.openxmlformats.org/officeDocument/2006/relationships" xmlns:p="http://schemas.openxmlformats.org/presentationml/2006/main">
+  <p:cSld>
+    <p:spTree>
+      <p:nvGrpSpPr>
+        <p:cNvPr id="1" name=""/>
+        <p:cNvGrpSpPr/>
+        <p:nvPr/>
+      </p:nvGrpSpPr>
+      <p:grpSpPr>
+        <a:xfrm>
+          <a:off x="0" y="0"/>
+          <a:ext cx="0" cy="0"/>
+          <a:chOff x="0" y="0"/>
+          <a:chExt cx="0" cy="0"/>
+        </a:xfrm>
+      </p:grpSpPr>
+      <p:sp>
+        <p:nvSpPr>
+          <p:cNvPr id="2" name="Titolo 1">
+            <a:extLst>
+              <a:ext uri="{FF2B5EF4-FFF2-40B4-BE49-F238E27FC236}">
+                <a16:creationId xmlns:a16="http://schemas.microsoft.com/office/drawing/2014/main" id="{921633EB-7DCB-4DDC-80AF-C885A3EE1245}"/>
+              </a:ext>
+            </a:extLst>
+          </p:cNvPr>
+          <p:cNvSpPr>
+            <a:spLocks noGrp="1"/>
+          </p:cNvSpPr>
+          <p:nvPr>
+            <p:ph type="title"/>
+          </p:nvPr>
+        </p:nvSpPr>
+        <p:spPr>
+          <a:xfrm>
+            <a:off x="581193" y="729658"/>
+            <a:ext cx="11029616" cy="988332"/>
+          </a:xfrm>
+        </p:spPr>
+        <p:txBody>
+          <a:bodyPr rtlCol="0" anchor="b">
+            <a:normAutofit/>
+          </a:bodyPr>
+          <a:lstStyle/>
+          <a:p>
+            <a:pPr rtl="0"/>
+            <a:r>
+              <a:rPr lang="it-IT" dirty="0">
+                <a:latin typeface="Berlin Sans FB" panose="020E0602020502020306" pitchFamily="34" charset="0"/>
+              </a:rPr>
+              <a:t>Performance </a:t>
+            </a:r>
+            <a:r>
+              <a:rPr lang="it-IT" dirty="0" err="1">
+                <a:latin typeface="Berlin Sans FB" panose="020E0602020502020306" pitchFamily="34" charset="0"/>
+              </a:rPr>
+              <a:t>analysis</a:t>
+            </a:r>
+            <a:r>
+              <a:rPr lang="it-IT" dirty="0">
+                <a:latin typeface="Berlin Sans FB" panose="020E0602020502020306" pitchFamily="34" charset="0"/>
+              </a:rPr>
+              <a:t> </a:t>
+            </a:r>
+            <a:r>
+              <a:rPr lang="it-IT" dirty="0" err="1">
+                <a:latin typeface="Berlin Sans FB" panose="020E0602020502020306" pitchFamily="34" charset="0"/>
+              </a:rPr>
+              <a:t>summary</a:t>
+            </a:r>
+            <a:endParaRPr lang="it-IT" dirty="0">
+              <a:latin typeface="Berlin Sans FB" panose="020E0602020502020306" pitchFamily="34" charset="0"/>
+            </a:endParaRPr>
+          </a:p>
+        </p:txBody>
+      </p:sp>
+      <p:sp>
+        <p:nvSpPr>
+          <p:cNvPr id="5" name="TextBox 4">
+            <a:extLst>
+              <a:ext uri="{FF2B5EF4-FFF2-40B4-BE49-F238E27FC236}">
+                <a16:creationId xmlns:a16="http://schemas.microsoft.com/office/drawing/2014/main" id="{F697420F-18AE-88DA-ACAA-F806B3D53EF9}"/>
+              </a:ext>
+            </a:extLst>
+          </p:cNvPr>
+          <p:cNvSpPr txBox="1"/>
+          <p:nvPr/>
+        </p:nvSpPr>
+        <p:spPr>
+          <a:xfrm>
+            <a:off x="1327866" y="2435023"/>
+            <a:ext cx="2425148" cy="2585323"/>
+          </a:xfrm>
+          <a:prstGeom prst="rect">
+            <a:avLst/>
+          </a:prstGeom>
+          <a:noFill/>
+        </p:spPr>
+        <p:txBody>
+          <a:bodyPr wrap="square" rtlCol="0">
+            <a:spAutoFit/>
+          </a:bodyPr>
+          <a:lstStyle/>
+          <a:p>
+            <a:pPr algn="ctr"/>
+            <a:r>
+              <a:rPr lang="en-IT" b="1" dirty="0"/>
+              <a:t>Dataset</a:t>
+            </a:r>
+          </a:p>
+          <a:p>
+            <a:endParaRPr lang="en-IT" dirty="0"/>
+          </a:p>
+          <a:p>
+            <a:r>
+              <a:rPr lang="en-IT" dirty="0"/>
+              <a:t>The dataset used for performance analysis consists of 1000 rows, with 6 columns for public elements and 24 columns for private elements.</a:t>
+            </a:r>
+          </a:p>
+        </p:txBody>
+      </p:sp>
+      <p:sp>
+        <p:nvSpPr>
+          <p:cNvPr id="6" name="TextBox 5">
+            <a:extLst>
+              <a:ext uri="{FF2B5EF4-FFF2-40B4-BE49-F238E27FC236}">
+                <a16:creationId xmlns:a16="http://schemas.microsoft.com/office/drawing/2014/main" id="{AE2D75B2-A088-EACC-97E0-6231382625EC}"/>
+              </a:ext>
+            </a:extLst>
+          </p:cNvPr>
+          <p:cNvSpPr txBox="1"/>
+          <p:nvPr/>
+        </p:nvSpPr>
+        <p:spPr>
+          <a:xfrm>
+            <a:off x="4711146" y="2435023"/>
+            <a:ext cx="2425148" cy="3693319"/>
+          </a:xfrm>
+          <a:prstGeom prst="rect">
+            <a:avLst/>
+          </a:prstGeom>
+          <a:noFill/>
+        </p:spPr>
+        <p:txBody>
+          <a:bodyPr wrap="square" rtlCol="0">
+            <a:spAutoFit/>
+          </a:bodyPr>
+          <a:lstStyle/>
+          <a:p>
+            <a:pPr algn="ctr"/>
+            <a:r>
+              <a:rPr lang="en-IT" b="1" dirty="0"/>
+              <a:t>Interest</a:t>
+            </a:r>
+          </a:p>
+          <a:p>
+            <a:endParaRPr lang="en-IT" dirty="0"/>
+          </a:p>
+          <a:p>
+            <a:r>
+              <a:rPr lang="en-IT" dirty="0"/>
+              <a:t>Our objective was to assess the efficiency by varying h, k and p, using four different approaches for minimal moles elimination:</a:t>
+            </a:r>
+          </a:p>
+          <a:p>
+            <a:pPr marL="285750" indent="-285750">
+              <a:buFont typeface="Arial" panose="020B0604020202020204" pitchFamily="34" charset="0"/>
+              <a:buChar char="•"/>
+            </a:pPr>
+            <a:r>
+              <a:rPr lang="en-IT" dirty="0"/>
+              <a:t>One at a time</a:t>
+            </a:r>
+          </a:p>
+          <a:p>
+            <a:pPr marL="285750" indent="-285750">
+              <a:buFont typeface="Arial" panose="020B0604020202020204" pitchFamily="34" charset="0"/>
+              <a:buChar char="•"/>
+            </a:pPr>
+            <a:r>
+              <a:rPr lang="en-IT" dirty="0"/>
+              <a:t>Half of them</a:t>
+            </a:r>
+          </a:p>
+          <a:p>
+            <a:pPr marL="285750" indent="-285750">
+              <a:buFont typeface="Arial" panose="020B0604020202020204" pitchFamily="34" charset="0"/>
+              <a:buChar char="•"/>
+            </a:pPr>
+            <a:r>
+              <a:rPr lang="en-IT" dirty="0"/>
+              <a:t>All of them</a:t>
+            </a:r>
+          </a:p>
+          <a:p>
+            <a:pPr marL="285750" indent="-285750">
+              <a:buFont typeface="Arial" panose="020B0604020202020204" pitchFamily="34" charset="0"/>
+              <a:buChar char="•"/>
+            </a:pPr>
+            <a:r>
+              <a:rPr lang="en-IT" dirty="0"/>
+              <a:t>Only the first 10-15-20-25</a:t>
+            </a:r>
+          </a:p>
+        </p:txBody>
+      </p:sp>
+      <p:sp>
+        <p:nvSpPr>
+          <p:cNvPr id="7" name="TextBox 6">
+            <a:extLst>
+              <a:ext uri="{FF2B5EF4-FFF2-40B4-BE49-F238E27FC236}">
+                <a16:creationId xmlns:a16="http://schemas.microsoft.com/office/drawing/2014/main" id="{103674EC-4116-20E6-96B3-3ED43611354B}"/>
+              </a:ext>
+            </a:extLst>
+          </p:cNvPr>
+          <p:cNvSpPr txBox="1"/>
+          <p:nvPr/>
+        </p:nvSpPr>
+        <p:spPr>
+          <a:xfrm>
+            <a:off x="8094426" y="2435023"/>
+            <a:ext cx="2425148" cy="3416320"/>
+          </a:xfrm>
+          <a:prstGeom prst="rect">
+            <a:avLst/>
+          </a:prstGeom>
+          <a:noFill/>
+        </p:spPr>
+        <p:txBody>
+          <a:bodyPr wrap="square" rtlCol="0">
+            <a:spAutoFit/>
+          </a:bodyPr>
+          <a:lstStyle/>
+          <a:p>
+            <a:pPr algn="ctr"/>
+            <a:r>
+              <a:rPr lang="en-IT" b="1" dirty="0"/>
+              <a:t>Method</a:t>
+            </a:r>
+          </a:p>
+          <a:p>
+            <a:endParaRPr lang="en-IT" dirty="0"/>
+          </a:p>
+          <a:p>
+            <a:r>
+              <a:rPr lang="en-IT" dirty="0"/>
+              <a:t>We employed a Python notebook to execute the script with diverse heuristic and of h, k and p values, saving the performance data. Subsequently, we used these results to generate statistics and visual representations</a:t>
+            </a:r>
+          </a:p>
+        </p:txBody>
+      </p:sp>
+    </p:spTree>
+    <p:extLst>
+      <p:ext uri="{BB962C8B-B14F-4D97-AF65-F5344CB8AC3E}">
+        <p14:creationId xmlns:p14="http://schemas.microsoft.com/office/powerpoint/2010/main" val="516741644"/>
+      </p:ext>
+    </p:extLst>
+  </p:cSld>
+  <p:clrMapOvr>
+    <a:masterClrMapping/>
+  </p:clrMapOvr>
+</p:sld>
+</file>
+
+<file path=ppt/slides/slide17.xml><?xml version="1.0" encoding="utf-8"?>
+<p:sld xmlns:a="http://schemas.openxmlformats.org/drawingml/2006/main" xmlns:r="http://schemas.openxmlformats.org/officeDocument/2006/relationships" xmlns:p="http://schemas.openxmlformats.org/presentationml/2006/main">
+  <p:cSld>
+    <p:spTree>
+      <p:nvGrpSpPr>
+        <p:cNvPr id="1" name=""/>
+        <p:cNvGrpSpPr/>
+        <p:nvPr/>
+      </p:nvGrpSpPr>
+      <p:grpSpPr>
+        <a:xfrm>
+          <a:off x="0" y="0"/>
+          <a:ext cx="0" cy="0"/>
+          <a:chOff x="0" y="0"/>
+          <a:chExt cx="0" cy="0"/>
+        </a:xfrm>
+      </p:grpSpPr>
       <p:sp>
         <p:nvSpPr>
           <p:cNvPr id="2" name="Titolo 1">
@@ -10394,7 +12405,7 @@
 </p:sld>
 </file>
 
-<file path=ppt/slides/slide11.xml><?xml version="1.0" encoding="utf-8"?>
+<file path=ppt/slides/slide18.xml><?xml version="1.0" encoding="utf-8"?>
 <p:sld xmlns:a="http://schemas.openxmlformats.org/drawingml/2006/main" xmlns:r="http://schemas.openxmlformats.org/officeDocument/2006/relationships" xmlns:p="http://schemas.openxmlformats.org/presentationml/2006/main">
   <p:cSld>
     <p:spTree>
@@ -10602,7 +12613,7 @@
 </p:sld>
 </file>
 
-<file path=ppt/slides/slide12.xml><?xml version="1.0" encoding="utf-8"?>
+<file path=ppt/slides/slide19.xml><?xml version="1.0" encoding="utf-8"?>
 <p:sld xmlns:a="http://schemas.openxmlformats.org/drawingml/2006/main" xmlns:r="http://schemas.openxmlformats.org/officeDocument/2006/relationships" xmlns:p="http://schemas.openxmlformats.org/presentationml/2006/main">
   <p:cSld>
     <p:spTree>
@@ -10757,1171 +12768,6 @@
     <p:extLst>
       <p:ext uri="{BB962C8B-B14F-4D97-AF65-F5344CB8AC3E}">
         <p14:creationId xmlns:p14="http://schemas.microsoft.com/office/powerpoint/2010/main" val="1435791885"/>
-      </p:ext>
-    </p:extLst>
-  </p:cSld>
-  <p:clrMapOvr>
-    <a:masterClrMapping/>
-  </p:clrMapOvr>
-</p:sld>
-</file>
-
-<file path=ppt/slides/slide13.xml><?xml version="1.0" encoding="utf-8"?>
-<p:sld xmlns:a="http://schemas.openxmlformats.org/drawingml/2006/main" xmlns:r="http://schemas.openxmlformats.org/officeDocument/2006/relationships" xmlns:p="http://schemas.openxmlformats.org/presentationml/2006/main">
-  <p:cSld>
-    <p:spTree>
-      <p:nvGrpSpPr>
-        <p:cNvPr id="1" name=""/>
-        <p:cNvGrpSpPr/>
-        <p:nvPr/>
-      </p:nvGrpSpPr>
-      <p:grpSpPr>
-        <a:xfrm>
-          <a:off x="0" y="0"/>
-          <a:ext cx="0" cy="0"/>
-          <a:chOff x="0" y="0"/>
-          <a:chExt cx="0" cy="0"/>
-        </a:xfrm>
-      </p:grpSpPr>
-      <p:sp>
-        <p:nvSpPr>
-          <p:cNvPr id="2" name="Titolo 1">
-            <a:extLst>
-              <a:ext uri="{FF2B5EF4-FFF2-40B4-BE49-F238E27FC236}">
-                <a16:creationId xmlns:a16="http://schemas.microsoft.com/office/drawing/2014/main" id="{921633EB-7DCB-4DDC-80AF-C885A3EE1245}"/>
-              </a:ext>
-            </a:extLst>
-          </p:cNvPr>
-          <p:cNvSpPr>
-            <a:spLocks noGrp="1"/>
-          </p:cNvSpPr>
-          <p:nvPr>
-            <p:ph type="title"/>
-          </p:nvPr>
-        </p:nvSpPr>
-        <p:spPr>
-          <a:xfrm>
-            <a:off x="581193" y="729658"/>
-            <a:ext cx="11029616" cy="988332"/>
-          </a:xfrm>
-        </p:spPr>
-        <p:txBody>
-          <a:bodyPr rtlCol="0" anchor="b">
-            <a:normAutofit/>
-          </a:bodyPr>
-          <a:lstStyle/>
-          <a:p>
-            <a:pPr rtl="0"/>
-            <a:r>
-              <a:rPr lang="it-IT" dirty="0" err="1">
-                <a:latin typeface="Berlin Sans FB" panose="020E0602020502020306" pitchFamily="34" charset="0"/>
-              </a:rPr>
-              <a:t>Heuristic</a:t>
-            </a:r>
-            <a:r>
-              <a:rPr lang="it-IT" dirty="0">
-                <a:latin typeface="Berlin Sans FB" panose="020E0602020502020306" pitchFamily="34" charset="0"/>
-              </a:rPr>
-              <a:t> ii (TOP X) </a:t>
-            </a:r>
-            <a:r>
-              <a:rPr lang="it-IT" sz="1600" dirty="0">
-                <a:latin typeface="Berlin Sans FB" panose="020E0602020502020306" pitchFamily="34" charset="0"/>
-              </a:rPr>
-              <a:t>continue</a:t>
-            </a:r>
-          </a:p>
-        </p:txBody>
-      </p:sp>
-      <p:pic>
-        <p:nvPicPr>
-          <p:cNvPr id="3" name="Picture 2">
-            <a:extLst>
-              <a:ext uri="{FF2B5EF4-FFF2-40B4-BE49-F238E27FC236}">
-                <a16:creationId xmlns:a16="http://schemas.microsoft.com/office/drawing/2014/main" id="{3FFAFEDE-30C1-F2D7-A1BA-2FD0385FA5F8}"/>
-              </a:ext>
-            </a:extLst>
-          </p:cNvPr>
-          <p:cNvPicPr>
-            <a:picLocks noChangeAspect="1"/>
-          </p:cNvPicPr>
-          <p:nvPr/>
-        </p:nvPicPr>
-        <p:blipFill>
-          <a:blip r:embed="rId3"/>
-          <a:stretch>
-            <a:fillRect/>
-          </a:stretch>
-        </p:blipFill>
-        <p:spPr>
-          <a:xfrm>
-            <a:off x="1298583" y="2174592"/>
-            <a:ext cx="9883955" cy="4217154"/>
-          </a:xfrm>
-          <a:prstGeom prst="rect">
-            <a:avLst/>
-          </a:prstGeom>
-        </p:spPr>
-      </p:pic>
-    </p:spTree>
-    <p:extLst>
-      <p:ext uri="{BB962C8B-B14F-4D97-AF65-F5344CB8AC3E}">
-        <p14:creationId xmlns:p14="http://schemas.microsoft.com/office/powerpoint/2010/main" val="254546206"/>
-      </p:ext>
-    </p:extLst>
-  </p:cSld>
-  <p:clrMapOvr>
-    <a:masterClrMapping/>
-  </p:clrMapOvr>
-</p:sld>
-</file>
-
-<file path=ppt/slides/slide14.xml><?xml version="1.0" encoding="utf-8"?>
-<p:sld xmlns:a="http://schemas.openxmlformats.org/drawingml/2006/main" xmlns:r="http://schemas.openxmlformats.org/officeDocument/2006/relationships" xmlns:p="http://schemas.openxmlformats.org/presentationml/2006/main">
-  <p:cSld>
-    <p:spTree>
-      <p:nvGrpSpPr>
-        <p:cNvPr id="1" name=""/>
-        <p:cNvGrpSpPr/>
-        <p:nvPr/>
-      </p:nvGrpSpPr>
-      <p:grpSpPr>
-        <a:xfrm>
-          <a:off x="0" y="0"/>
-          <a:ext cx="0" cy="0"/>
-          <a:chOff x="0" y="0"/>
-          <a:chExt cx="0" cy="0"/>
-        </a:xfrm>
-      </p:grpSpPr>
-      <p:sp>
-        <p:nvSpPr>
-          <p:cNvPr id="2" name="Titolo 1">
-            <a:extLst>
-              <a:ext uri="{FF2B5EF4-FFF2-40B4-BE49-F238E27FC236}">
-                <a16:creationId xmlns:a16="http://schemas.microsoft.com/office/drawing/2014/main" id="{921633EB-7DCB-4DDC-80AF-C885A3EE1245}"/>
-              </a:ext>
-            </a:extLst>
-          </p:cNvPr>
-          <p:cNvSpPr>
-            <a:spLocks noGrp="1"/>
-          </p:cNvSpPr>
-          <p:nvPr>
-            <p:ph type="title"/>
-          </p:nvPr>
-        </p:nvSpPr>
-        <p:spPr>
-          <a:xfrm>
-            <a:off x="581193" y="729658"/>
-            <a:ext cx="11029616" cy="988332"/>
-          </a:xfrm>
-        </p:spPr>
-        <p:txBody>
-          <a:bodyPr rtlCol="0" anchor="b">
-            <a:normAutofit/>
-          </a:bodyPr>
-          <a:lstStyle/>
-          <a:p>
-            <a:pPr rtl="0"/>
-            <a:r>
-              <a:rPr lang="it-IT" dirty="0" err="1">
-                <a:latin typeface="Berlin Sans FB" panose="020E0602020502020306" pitchFamily="34" charset="0"/>
-              </a:rPr>
-              <a:t>heuristic</a:t>
-            </a:r>
-            <a:r>
-              <a:rPr lang="it-IT" dirty="0">
-                <a:latin typeface="Berlin Sans FB" panose="020E0602020502020306" pitchFamily="34" charset="0"/>
-              </a:rPr>
-              <a:t> iii (</a:t>
-            </a:r>
-            <a:r>
-              <a:rPr lang="it-IT" dirty="0" err="1">
-                <a:latin typeface="Berlin Sans FB" panose="020E0602020502020306" pitchFamily="34" charset="0"/>
-              </a:rPr>
-              <a:t>suppress</a:t>
-            </a:r>
-            <a:r>
-              <a:rPr lang="it-IT" dirty="0">
-                <a:latin typeface="Berlin Sans FB" panose="020E0602020502020306" pitchFamily="34" charset="0"/>
-              </a:rPr>
-              <a:t> </a:t>
-            </a:r>
-            <a:r>
-              <a:rPr lang="it-IT" dirty="0" err="1">
-                <a:latin typeface="Berlin Sans FB" panose="020E0602020502020306" pitchFamily="34" charset="0"/>
-              </a:rPr>
-              <a:t>all</a:t>
-            </a:r>
-            <a:r>
-              <a:rPr lang="it-IT" dirty="0">
-                <a:latin typeface="Berlin Sans FB" panose="020E0602020502020306" pitchFamily="34" charset="0"/>
-              </a:rPr>
-              <a:t>)</a:t>
-            </a:r>
-          </a:p>
-        </p:txBody>
-      </p:sp>
-      <p:pic>
-        <p:nvPicPr>
-          <p:cNvPr id="3" name="Picture 2">
-            <a:extLst>
-              <a:ext uri="{FF2B5EF4-FFF2-40B4-BE49-F238E27FC236}">
-                <a16:creationId xmlns:a16="http://schemas.microsoft.com/office/drawing/2014/main" id="{DE4FDC83-A716-4221-67A0-4220E5CE6D69}"/>
-              </a:ext>
-            </a:extLst>
-          </p:cNvPr>
-          <p:cNvPicPr>
-            <a:picLocks noChangeAspect="1"/>
-          </p:cNvPicPr>
-          <p:nvPr/>
-        </p:nvPicPr>
-        <p:blipFill>
-          <a:blip r:embed="rId3"/>
-          <a:stretch>
-            <a:fillRect/>
-          </a:stretch>
-        </p:blipFill>
-        <p:spPr>
-          <a:xfrm>
-            <a:off x="3802455" y="2665698"/>
-            <a:ext cx="4587089" cy="2729318"/>
-          </a:xfrm>
-          <a:prstGeom prst="rect">
-            <a:avLst/>
-          </a:prstGeom>
-        </p:spPr>
-      </p:pic>
-      <p:pic>
-        <p:nvPicPr>
-          <p:cNvPr id="4" name="Picture 3">
-            <a:extLst>
-              <a:ext uri="{FF2B5EF4-FFF2-40B4-BE49-F238E27FC236}">
-                <a16:creationId xmlns:a16="http://schemas.microsoft.com/office/drawing/2014/main" id="{EFC57289-E2DD-441E-8862-074089A68692}"/>
-              </a:ext>
-            </a:extLst>
-          </p:cNvPr>
-          <p:cNvPicPr>
-            <a:picLocks noChangeAspect="1"/>
-          </p:cNvPicPr>
-          <p:nvPr/>
-        </p:nvPicPr>
-        <p:blipFill>
-          <a:blip r:embed="rId4"/>
-          <a:stretch>
-            <a:fillRect/>
-          </a:stretch>
-        </p:blipFill>
-        <p:spPr>
-          <a:xfrm>
-            <a:off x="8562658" y="2447163"/>
-            <a:ext cx="3496145" cy="3122918"/>
-          </a:xfrm>
-          <a:prstGeom prst="rect">
-            <a:avLst/>
-          </a:prstGeom>
-        </p:spPr>
-      </p:pic>
-      <p:pic>
-        <p:nvPicPr>
-          <p:cNvPr id="6" name="Picture 5">
-            <a:extLst>
-              <a:ext uri="{FF2B5EF4-FFF2-40B4-BE49-F238E27FC236}">
-                <a16:creationId xmlns:a16="http://schemas.microsoft.com/office/drawing/2014/main" id="{3A9BFBBC-17BF-0263-4829-A5AF46EACE05}"/>
-              </a:ext>
-            </a:extLst>
-          </p:cNvPr>
-          <p:cNvPicPr>
-            <a:picLocks noChangeAspect="1"/>
-          </p:cNvPicPr>
-          <p:nvPr/>
-        </p:nvPicPr>
-        <p:blipFill>
-          <a:blip r:embed="rId5"/>
-          <a:stretch>
-            <a:fillRect/>
-          </a:stretch>
-        </p:blipFill>
-        <p:spPr>
-          <a:xfrm>
-            <a:off x="133196" y="2458625"/>
-            <a:ext cx="3496145" cy="3143464"/>
-          </a:xfrm>
-          <a:prstGeom prst="rect">
-            <a:avLst/>
-          </a:prstGeom>
-        </p:spPr>
-      </p:pic>
-    </p:spTree>
-    <p:extLst>
-      <p:ext uri="{BB962C8B-B14F-4D97-AF65-F5344CB8AC3E}">
-        <p14:creationId xmlns:p14="http://schemas.microsoft.com/office/powerpoint/2010/main" val="2981198568"/>
-      </p:ext>
-    </p:extLst>
-  </p:cSld>
-  <p:clrMapOvr>
-    <a:masterClrMapping/>
-  </p:clrMapOvr>
-</p:sld>
-</file>
-
-<file path=ppt/slides/slide15.xml><?xml version="1.0" encoding="utf-8"?>
-<p:sld xmlns:a="http://schemas.openxmlformats.org/drawingml/2006/main" xmlns:r="http://schemas.openxmlformats.org/officeDocument/2006/relationships" xmlns:p="http://schemas.openxmlformats.org/presentationml/2006/main">
-  <p:cSld>
-    <p:spTree>
-      <p:nvGrpSpPr>
-        <p:cNvPr id="1" name=""/>
-        <p:cNvGrpSpPr/>
-        <p:nvPr/>
-      </p:nvGrpSpPr>
-      <p:grpSpPr>
-        <a:xfrm>
-          <a:off x="0" y="0"/>
-          <a:ext cx="0" cy="0"/>
-          <a:chOff x="0" y="0"/>
-          <a:chExt cx="0" cy="0"/>
-        </a:xfrm>
-      </p:grpSpPr>
-      <p:sp>
-        <p:nvSpPr>
-          <p:cNvPr id="2" name="Titolo 1">
-            <a:extLst>
-              <a:ext uri="{FF2B5EF4-FFF2-40B4-BE49-F238E27FC236}">
-                <a16:creationId xmlns:a16="http://schemas.microsoft.com/office/drawing/2014/main" id="{921633EB-7DCB-4DDC-80AF-C885A3EE1245}"/>
-              </a:ext>
-            </a:extLst>
-          </p:cNvPr>
-          <p:cNvSpPr>
-            <a:spLocks noGrp="1"/>
-          </p:cNvSpPr>
-          <p:nvPr>
-            <p:ph type="title"/>
-          </p:nvPr>
-        </p:nvSpPr>
-        <p:spPr>
-          <a:xfrm>
-            <a:off x="581193" y="729658"/>
-            <a:ext cx="11029616" cy="988332"/>
-          </a:xfrm>
-        </p:spPr>
-        <p:txBody>
-          <a:bodyPr rtlCol="0" anchor="b">
-            <a:normAutofit/>
-          </a:bodyPr>
-          <a:lstStyle/>
-          <a:p>
-            <a:pPr rtl="0"/>
-            <a:r>
-              <a:rPr lang="it-IT" dirty="0">
-                <a:latin typeface="Berlin Sans FB" panose="020E0602020502020306" pitchFamily="34" charset="0"/>
-              </a:rPr>
-              <a:t>Utility </a:t>
-            </a:r>
-            <a:r>
-              <a:rPr lang="it-IT" dirty="0" err="1">
-                <a:latin typeface="Berlin Sans FB" panose="020E0602020502020306" pitchFamily="34" charset="0"/>
-              </a:rPr>
-              <a:t>loss</a:t>
-            </a:r>
-            <a:endParaRPr lang="it-IT" dirty="0">
-              <a:latin typeface="Berlin Sans FB" panose="020E0602020502020306" pitchFamily="34" charset="0"/>
-            </a:endParaRPr>
-          </a:p>
-        </p:txBody>
-      </p:sp>
-      <p:pic>
-        <p:nvPicPr>
-          <p:cNvPr id="4" name="Picture 3">
-            <a:extLst>
-              <a:ext uri="{FF2B5EF4-FFF2-40B4-BE49-F238E27FC236}">
-                <a16:creationId xmlns:a16="http://schemas.microsoft.com/office/drawing/2014/main" id="{B8B496B4-1CEF-1DB9-19C0-7440F712F8A1}"/>
-              </a:ext>
-            </a:extLst>
-          </p:cNvPr>
-          <p:cNvPicPr>
-            <a:picLocks noChangeAspect="1"/>
-          </p:cNvPicPr>
-          <p:nvPr/>
-        </p:nvPicPr>
-        <p:blipFill>
-          <a:blip r:embed="rId3"/>
-          <a:stretch>
-            <a:fillRect/>
-          </a:stretch>
-        </p:blipFill>
-        <p:spPr>
-          <a:xfrm>
-            <a:off x="5390010" y="2876990"/>
-            <a:ext cx="6825569" cy="2843987"/>
-          </a:xfrm>
-          <a:prstGeom prst="rect">
-            <a:avLst/>
-          </a:prstGeom>
-        </p:spPr>
-      </p:pic>
-      <p:pic>
-        <p:nvPicPr>
-          <p:cNvPr id="5" name="Picture 4">
-            <a:extLst>
-              <a:ext uri="{FF2B5EF4-FFF2-40B4-BE49-F238E27FC236}">
-                <a16:creationId xmlns:a16="http://schemas.microsoft.com/office/drawing/2014/main" id="{FFDBCF71-8750-0D5E-02EB-D32FAEE9164E}"/>
-              </a:ext>
-            </a:extLst>
-          </p:cNvPr>
-          <p:cNvPicPr>
-            <a:picLocks noChangeAspect="1"/>
-          </p:cNvPicPr>
-          <p:nvPr/>
-        </p:nvPicPr>
-        <p:blipFill>
-          <a:blip r:embed="rId4"/>
-          <a:stretch>
-            <a:fillRect/>
-          </a:stretch>
-        </p:blipFill>
-        <p:spPr>
-          <a:xfrm>
-            <a:off x="0" y="2876990"/>
-            <a:ext cx="5344281" cy="3019519"/>
-          </a:xfrm>
-          <a:prstGeom prst="rect">
-            <a:avLst/>
-          </a:prstGeom>
-        </p:spPr>
-      </p:pic>
-      <p:sp>
-        <p:nvSpPr>
-          <p:cNvPr id="6" name="TextBox 5">
-            <a:extLst>
-              <a:ext uri="{FF2B5EF4-FFF2-40B4-BE49-F238E27FC236}">
-                <a16:creationId xmlns:a16="http://schemas.microsoft.com/office/drawing/2014/main" id="{649DEF36-EE83-2994-3ADB-FD1FFB2BD1C7}"/>
-              </a:ext>
-            </a:extLst>
-          </p:cNvPr>
-          <p:cNvSpPr txBox="1"/>
-          <p:nvPr/>
-        </p:nvSpPr>
-        <p:spPr>
-          <a:xfrm>
-            <a:off x="1032095" y="2286807"/>
-            <a:ext cx="3587909" cy="369332"/>
-          </a:xfrm>
-          <a:prstGeom prst="rect">
-            <a:avLst/>
-          </a:prstGeom>
-          <a:noFill/>
-        </p:spPr>
-        <p:txBody>
-          <a:bodyPr wrap="square" rtlCol="0">
-            <a:spAutoFit/>
-          </a:bodyPr>
-          <a:lstStyle/>
-          <a:p>
-            <a:pPr algn="ctr"/>
-            <a:r>
-              <a:rPr lang="en-IT" b="1" dirty="0"/>
-              <a:t>Only_max, Half, Suppress_all</a:t>
-            </a:r>
-          </a:p>
-        </p:txBody>
-      </p:sp>
-      <p:sp>
-        <p:nvSpPr>
-          <p:cNvPr id="7" name="TextBox 6">
-            <a:extLst>
-              <a:ext uri="{FF2B5EF4-FFF2-40B4-BE49-F238E27FC236}">
-                <a16:creationId xmlns:a16="http://schemas.microsoft.com/office/drawing/2014/main" id="{E2AAA1A2-4BC6-0549-D938-D32BE0864E43}"/>
-              </a:ext>
-            </a:extLst>
-          </p:cNvPr>
-          <p:cNvSpPr txBox="1"/>
-          <p:nvPr/>
-        </p:nvSpPr>
-        <p:spPr>
-          <a:xfrm>
-            <a:off x="7205049" y="2270560"/>
-            <a:ext cx="3587909" cy="369332"/>
-          </a:xfrm>
-          <a:prstGeom prst="rect">
-            <a:avLst/>
-          </a:prstGeom>
-          <a:noFill/>
-        </p:spPr>
-        <p:txBody>
-          <a:bodyPr wrap="square" rtlCol="0">
-            <a:spAutoFit/>
-          </a:bodyPr>
-          <a:lstStyle/>
-          <a:p>
-            <a:pPr algn="ctr"/>
-            <a:r>
-              <a:rPr lang="en-IT" b="1" dirty="0"/>
-              <a:t>Top X</a:t>
-            </a:r>
-          </a:p>
-        </p:txBody>
-      </p:sp>
-    </p:spTree>
-    <p:extLst>
-      <p:ext uri="{BB962C8B-B14F-4D97-AF65-F5344CB8AC3E}">
-        <p14:creationId xmlns:p14="http://schemas.microsoft.com/office/powerpoint/2010/main" val="120598834"/>
-      </p:ext>
-    </p:extLst>
-  </p:cSld>
-  <p:clrMapOvr>
-    <a:masterClrMapping/>
-  </p:clrMapOvr>
-</p:sld>
-</file>
-
-<file path=ppt/slides/slide16.xml><?xml version="1.0" encoding="utf-8"?>
-<p:sld xmlns:a="http://schemas.openxmlformats.org/drawingml/2006/main" xmlns:r="http://schemas.openxmlformats.org/officeDocument/2006/relationships" xmlns:p="http://schemas.openxmlformats.org/presentationml/2006/main">
-  <p:cSld>
-    <p:spTree>
-      <p:nvGrpSpPr>
-        <p:cNvPr id="1" name=""/>
-        <p:cNvGrpSpPr/>
-        <p:nvPr/>
-      </p:nvGrpSpPr>
-      <p:grpSpPr>
-        <a:xfrm>
-          <a:off x="0" y="0"/>
-          <a:ext cx="0" cy="0"/>
-          <a:chOff x="0" y="0"/>
-          <a:chExt cx="0" cy="0"/>
-        </a:xfrm>
-      </p:grpSpPr>
-      <p:sp>
-        <p:nvSpPr>
-          <p:cNvPr id="2" name="Titolo 1">
-            <a:extLst>
-              <a:ext uri="{FF2B5EF4-FFF2-40B4-BE49-F238E27FC236}">
-                <a16:creationId xmlns:a16="http://schemas.microsoft.com/office/drawing/2014/main" id="{921633EB-7DCB-4DDC-80AF-C885A3EE1245}"/>
-              </a:ext>
-            </a:extLst>
-          </p:cNvPr>
-          <p:cNvSpPr>
-            <a:spLocks noGrp="1"/>
-          </p:cNvSpPr>
-          <p:nvPr>
-            <p:ph type="title"/>
-          </p:nvPr>
-        </p:nvSpPr>
-        <p:spPr>
-          <a:xfrm>
-            <a:off x="581193" y="729658"/>
-            <a:ext cx="11029616" cy="988332"/>
-          </a:xfrm>
-        </p:spPr>
-        <p:txBody>
-          <a:bodyPr rtlCol="0" anchor="b">
-            <a:normAutofit/>
-          </a:bodyPr>
-          <a:lstStyle/>
-          <a:p>
-            <a:pPr rtl="0"/>
-            <a:r>
-              <a:rPr lang="it-IT" dirty="0">
-                <a:latin typeface="Berlin Sans FB" panose="020E0602020502020306" pitchFamily="34" charset="0"/>
-              </a:rPr>
-              <a:t>Utility </a:t>
-            </a:r>
-            <a:r>
-              <a:rPr lang="it-IT" dirty="0" err="1">
-                <a:latin typeface="Berlin Sans FB" panose="020E0602020502020306" pitchFamily="34" charset="0"/>
-              </a:rPr>
-              <a:t>loss</a:t>
-            </a:r>
-            <a:endParaRPr lang="it-IT" dirty="0">
-              <a:latin typeface="Berlin Sans FB" panose="020E0602020502020306" pitchFamily="34" charset="0"/>
-            </a:endParaRPr>
-          </a:p>
-        </p:txBody>
-      </p:sp>
-      <p:pic>
-        <p:nvPicPr>
-          <p:cNvPr id="4" name="Picture 3">
-            <a:extLst>
-              <a:ext uri="{FF2B5EF4-FFF2-40B4-BE49-F238E27FC236}">
-                <a16:creationId xmlns:a16="http://schemas.microsoft.com/office/drawing/2014/main" id="{B8B496B4-1CEF-1DB9-19C0-7440F712F8A1}"/>
-              </a:ext>
-            </a:extLst>
-          </p:cNvPr>
-          <p:cNvPicPr>
-            <a:picLocks noChangeAspect="1"/>
-          </p:cNvPicPr>
-          <p:nvPr/>
-        </p:nvPicPr>
-        <p:blipFill>
-          <a:blip r:embed="rId3"/>
-          <a:stretch>
-            <a:fillRect/>
-          </a:stretch>
-        </p:blipFill>
-        <p:spPr>
-          <a:xfrm>
-            <a:off x="4366032" y="2632549"/>
-            <a:ext cx="7798810" cy="3249504"/>
-          </a:xfrm>
-          <a:prstGeom prst="rect">
-            <a:avLst/>
-          </a:prstGeom>
-        </p:spPr>
-      </p:pic>
-      <p:sp>
-        <p:nvSpPr>
-          <p:cNvPr id="6" name="TextBox 5">
-            <a:extLst>
-              <a:ext uri="{FF2B5EF4-FFF2-40B4-BE49-F238E27FC236}">
-                <a16:creationId xmlns:a16="http://schemas.microsoft.com/office/drawing/2014/main" id="{649DEF36-EE83-2994-3ADB-FD1FFB2BD1C7}"/>
-              </a:ext>
-            </a:extLst>
-          </p:cNvPr>
-          <p:cNvSpPr txBox="1"/>
-          <p:nvPr/>
-        </p:nvSpPr>
-        <p:spPr>
-          <a:xfrm>
-            <a:off x="439924" y="2308482"/>
-            <a:ext cx="3587909" cy="369332"/>
-          </a:xfrm>
-          <a:prstGeom prst="rect">
-            <a:avLst/>
-          </a:prstGeom>
-          <a:noFill/>
-        </p:spPr>
-        <p:txBody>
-          <a:bodyPr wrap="square" rtlCol="0">
-            <a:spAutoFit/>
-          </a:bodyPr>
-          <a:lstStyle/>
-          <a:p>
-            <a:pPr algn="ctr"/>
-            <a:r>
-              <a:rPr lang="en-IT" b="1" dirty="0"/>
-              <a:t>Only_max, Half, Suppress_all</a:t>
-            </a:r>
-          </a:p>
-        </p:txBody>
-      </p:sp>
-      <p:sp>
-        <p:nvSpPr>
-          <p:cNvPr id="7" name="TextBox 6">
-            <a:extLst>
-              <a:ext uri="{FF2B5EF4-FFF2-40B4-BE49-F238E27FC236}">
-                <a16:creationId xmlns:a16="http://schemas.microsoft.com/office/drawing/2014/main" id="{E2AAA1A2-4BC6-0549-D938-D32BE0864E43}"/>
-              </a:ext>
-            </a:extLst>
-          </p:cNvPr>
-          <p:cNvSpPr txBox="1"/>
-          <p:nvPr/>
-        </p:nvSpPr>
-        <p:spPr>
-          <a:xfrm>
-            <a:off x="6719743" y="2308482"/>
-            <a:ext cx="3587909" cy="369332"/>
-          </a:xfrm>
-          <a:prstGeom prst="rect">
-            <a:avLst/>
-          </a:prstGeom>
-          <a:noFill/>
-        </p:spPr>
-        <p:txBody>
-          <a:bodyPr wrap="square" rtlCol="0">
-            <a:spAutoFit/>
-          </a:bodyPr>
-          <a:lstStyle/>
-          <a:p>
-            <a:pPr algn="ctr"/>
-            <a:r>
-              <a:rPr lang="en-IT" b="1" dirty="0"/>
-              <a:t>Top X</a:t>
-            </a:r>
-          </a:p>
-        </p:txBody>
-      </p:sp>
-      <p:pic>
-        <p:nvPicPr>
-          <p:cNvPr id="3" name="Picture 2">
-            <a:extLst>
-              <a:ext uri="{FF2B5EF4-FFF2-40B4-BE49-F238E27FC236}">
-                <a16:creationId xmlns:a16="http://schemas.microsoft.com/office/drawing/2014/main" id="{93F469F7-F659-6449-793A-1F6E402A39B7}"/>
-              </a:ext>
-            </a:extLst>
-          </p:cNvPr>
-          <p:cNvPicPr>
-            <a:picLocks noChangeAspect="1"/>
-          </p:cNvPicPr>
-          <p:nvPr/>
-        </p:nvPicPr>
-        <p:blipFill>
-          <a:blip r:embed="rId4"/>
-          <a:stretch>
-            <a:fillRect/>
-          </a:stretch>
-        </p:blipFill>
-        <p:spPr>
-          <a:xfrm>
-            <a:off x="13645" y="2806451"/>
-            <a:ext cx="4135732" cy="3249504"/>
-          </a:xfrm>
-          <a:prstGeom prst="rect">
-            <a:avLst/>
-          </a:prstGeom>
-        </p:spPr>
-      </p:pic>
-    </p:spTree>
-    <p:extLst>
-      <p:ext uri="{BB962C8B-B14F-4D97-AF65-F5344CB8AC3E}">
-        <p14:creationId xmlns:p14="http://schemas.microsoft.com/office/powerpoint/2010/main" val="2729949744"/>
-      </p:ext>
-    </p:extLst>
-  </p:cSld>
-  <p:clrMapOvr>
-    <a:masterClrMapping/>
-  </p:clrMapOvr>
-</p:sld>
-</file>
-
-<file path=ppt/slides/slide17.xml><?xml version="1.0" encoding="utf-8"?>
-<p:sld xmlns:a="http://schemas.openxmlformats.org/drawingml/2006/main" xmlns:r="http://schemas.openxmlformats.org/officeDocument/2006/relationships" xmlns:p="http://schemas.openxmlformats.org/presentationml/2006/main">
-  <p:cSld>
-    <p:bg>
-      <p:bgPr>
-        <a:solidFill>
-          <a:schemeClr val="bg1"/>
-        </a:solidFill>
-        <a:effectLst/>
-      </p:bgPr>
-    </p:bg>
-    <p:spTree>
-      <p:nvGrpSpPr>
-        <p:cNvPr id="1" name=""/>
-        <p:cNvGrpSpPr/>
-        <p:nvPr/>
-      </p:nvGrpSpPr>
-      <p:grpSpPr>
-        <a:xfrm>
-          <a:off x="0" y="0"/>
-          <a:ext cx="0" cy="0"/>
-          <a:chOff x="0" y="0"/>
-          <a:chExt cx="0" cy="0"/>
-        </a:xfrm>
-      </p:grpSpPr>
-      <p:sp useBgFill="1">
-        <p:nvSpPr>
-          <p:cNvPr id="10" name="Rettangolo 9">
-            <a:extLst>
-              <a:ext uri="{FF2B5EF4-FFF2-40B4-BE49-F238E27FC236}">
-                <a16:creationId xmlns:a16="http://schemas.microsoft.com/office/drawing/2014/main" id="{379F11E2-8BA5-4C5C-AE7C-361E5EA011FF}"/>
-              </a:ext>
-              <a:ext uri="{C183D7F6-B498-43B3-948B-1728B52AA6E4}">
-                <adec:decorative xmlns:adec="http://schemas.microsoft.com/office/drawing/2017/decorative" val="1"/>
-              </a:ext>
-            </a:extLst>
-          </p:cNvPr>
-          <p:cNvSpPr>
-            <a:spLocks noChangeAspect="1"/>
-          </p:cNvSpPr>
-          <p:nvPr>
-            <p:extLst>
-              <p:ext uri="{386F3935-93C4-4BCD-93E2-E3B085C9AB24}">
-                <p16:designElem xmlns:p16="http://schemas.microsoft.com/office/powerpoint/2015/main" val="1"/>
-              </p:ext>
-            </p:extLst>
-          </p:nvPr>
-        </p:nvSpPr>
-        <p:spPr>
-          <a:xfrm>
-            <a:off x="0" y="1"/>
-            <a:ext cx="12191999" cy="6858000"/>
-          </a:xfrm>
-          <a:prstGeom prst="rect">
-            <a:avLst/>
-          </a:prstGeom>
-          <a:ln>
-            <a:noFill/>
-          </a:ln>
-        </p:spPr>
-        <p:style>
-          <a:lnRef idx="2">
-            <a:schemeClr val="accent1">
-              <a:shade val="50000"/>
-            </a:schemeClr>
-          </a:lnRef>
-          <a:fillRef idx="1">
-            <a:schemeClr val="accent1"/>
-          </a:fillRef>
-          <a:effectRef idx="0">
-            <a:schemeClr val="accent1"/>
-          </a:effectRef>
-          <a:fontRef idx="minor">
-            <a:schemeClr val="lt1"/>
-          </a:fontRef>
-        </p:style>
-        <p:txBody>
-          <a:bodyPr rtlCol="0" anchor="ctr"/>
-          <a:lstStyle/>
-          <a:p>
-            <a:pPr algn="ctr" rtl="0"/>
-            <a:endParaRPr lang="it-IT"/>
-          </a:p>
-        </p:txBody>
-      </p:sp>
-      <p:sp>
-        <p:nvSpPr>
-          <p:cNvPr id="12" name="Rettangolo 11">
-            <a:extLst>
-              <a:ext uri="{FF2B5EF4-FFF2-40B4-BE49-F238E27FC236}">
-                <a16:creationId xmlns:a16="http://schemas.microsoft.com/office/drawing/2014/main" id="{7C00E1DA-EC7C-40FC-95E3-11FDCD2E4291}"/>
-              </a:ext>
-              <a:ext uri="{C183D7F6-B498-43B3-948B-1728B52AA6E4}">
-                <adec:decorative xmlns:adec="http://schemas.microsoft.com/office/drawing/2017/decorative" val="1"/>
-              </a:ext>
-            </a:extLst>
-          </p:cNvPr>
-          <p:cNvSpPr>
-            <a:spLocks noChangeAspect="1"/>
-          </p:cNvSpPr>
-          <p:nvPr>
-            <p:extLst>
-              <p:ext uri="{386F3935-93C4-4BCD-93E2-E3B085C9AB24}">
-                <p16:designElem xmlns:p16="http://schemas.microsoft.com/office/powerpoint/2015/main" val="1"/>
-              </p:ext>
-            </p:extLst>
-          </p:nvPr>
-        </p:nvSpPr>
-        <p:spPr>
-          <a:xfrm>
-            <a:off x="8042147" y="723899"/>
-            <a:ext cx="3703320" cy="5666666"/>
-          </a:xfrm>
-          <a:prstGeom prst="rect">
-            <a:avLst/>
-          </a:prstGeom>
-          <a:solidFill>
-            <a:schemeClr val="accent1"/>
-          </a:solidFill>
-          <a:ln>
-            <a:noFill/>
-          </a:ln>
-          <a:effectLst/>
-        </p:spPr>
-        <p:style>
-          <a:lnRef idx="1">
-            <a:schemeClr val="accent1"/>
-          </a:lnRef>
-          <a:fillRef idx="3">
-            <a:schemeClr val="accent1"/>
-          </a:fillRef>
-          <a:effectRef idx="2">
-            <a:schemeClr val="accent1"/>
-          </a:effectRef>
-          <a:fontRef idx="minor">
-            <a:schemeClr val="lt1"/>
-          </a:fontRef>
-        </p:style>
-        <p:txBody>
-          <a:bodyPr/>
-          <a:lstStyle/>
-          <a:p>
-            <a:endParaRPr lang="it-IT"/>
-          </a:p>
-        </p:txBody>
-      </p:sp>
-      <p:grpSp>
-        <p:nvGrpSpPr>
-          <p:cNvPr id="14" name="Gruppo 13">
-            <a:extLst>
-              <a:ext uri="{FF2B5EF4-FFF2-40B4-BE49-F238E27FC236}">
-                <a16:creationId xmlns:a16="http://schemas.microsoft.com/office/drawing/2014/main" id="{9A421166-2996-41A7-B094-AE5316F347DD}"/>
-              </a:ext>
-              <a:ext uri="{C183D7F6-B498-43B3-948B-1728B52AA6E4}">
-                <adec:decorative xmlns:adec="http://schemas.microsoft.com/office/drawing/2017/decorative" val="1"/>
-              </a:ext>
-            </a:extLst>
-          </p:cNvPr>
-          <p:cNvGrpSpPr>
-            <a:grpSpLocks noChangeAspect="1"/>
-          </p:cNvGrpSpPr>
-          <p:nvPr>
-            <p:extLst>
-              <p:ext uri="{386F3935-93C4-4BCD-93E2-E3B085C9AB24}">
-                <p16:designElem xmlns:p16="http://schemas.microsoft.com/office/powerpoint/2015/main" val="1"/>
-              </p:ext>
-            </p:extLst>
-          </p:nvPr>
-        </p:nvGrpSpPr>
-        <p:grpSpPr>
-          <a:xfrm>
-            <a:off x="446534" y="453643"/>
-            <a:ext cx="11298933" cy="98554"/>
-            <a:chOff x="446534" y="453643"/>
-            <a:chExt cx="11298933" cy="98554"/>
-          </a:xfrm>
-        </p:grpSpPr>
-        <p:sp>
-          <p:nvSpPr>
-            <p:cNvPr id="15" name="Rettangolo 14">
-              <a:extLst>
-                <a:ext uri="{FF2B5EF4-FFF2-40B4-BE49-F238E27FC236}">
-                  <a16:creationId xmlns:a16="http://schemas.microsoft.com/office/drawing/2014/main" id="{FDBB1B92-A3EB-43E4-8FAB-D20E8ED14CEF}"/>
-                </a:ext>
-                <a:ext uri="{C183D7F6-B498-43B3-948B-1728B52AA6E4}">
-                  <adec:decorative xmlns:adec="http://schemas.microsoft.com/office/drawing/2017/decorative" val="1"/>
-                </a:ext>
-              </a:extLst>
-            </p:cNvPr>
-            <p:cNvSpPr>
-              <a:spLocks/>
-            </p:cNvSpPr>
-            <p:nvPr>
-              <p:extLst>
-                <p:ext uri="{386F3935-93C4-4BCD-93E2-E3B085C9AB24}">
-                  <p16:designElem xmlns:p16="http://schemas.microsoft.com/office/powerpoint/2015/main" val="1"/>
-                </p:ext>
-              </p:extLst>
-            </p:nvPr>
-          </p:nvSpPr>
-          <p:spPr>
-            <a:xfrm>
-              <a:off x="446534" y="457200"/>
-              <a:ext cx="3703320" cy="94997"/>
-            </a:xfrm>
-            <a:prstGeom prst="rect">
-              <a:avLst/>
-            </a:prstGeom>
-            <a:solidFill>
-              <a:schemeClr val="accent1"/>
-            </a:solidFill>
-            <a:ln>
-              <a:noFill/>
-            </a:ln>
-            <a:effectLst/>
-          </p:spPr>
-          <p:style>
-            <a:lnRef idx="1">
-              <a:schemeClr val="accent1"/>
-            </a:lnRef>
-            <a:fillRef idx="3">
-              <a:schemeClr val="accent1"/>
-            </a:fillRef>
-            <a:effectRef idx="2">
-              <a:schemeClr val="accent1"/>
-            </a:effectRef>
-            <a:fontRef idx="minor">
-              <a:schemeClr val="lt1"/>
-            </a:fontRef>
-          </p:style>
-          <p:txBody>
-            <a:bodyPr/>
-            <a:lstStyle/>
-            <a:p>
-              <a:endParaRPr lang="it-IT"/>
-            </a:p>
-          </p:txBody>
-        </p:sp>
-        <p:sp>
-          <p:nvSpPr>
-            <p:cNvPr id="16" name="Rettangolo 15">
-              <a:extLst>
-                <a:ext uri="{FF2B5EF4-FFF2-40B4-BE49-F238E27FC236}">
-                  <a16:creationId xmlns:a16="http://schemas.microsoft.com/office/drawing/2014/main" id="{3F3972F4-FE7E-48EA-AAD8-9BE5750A6672}"/>
-                </a:ext>
-                <a:ext uri="{C183D7F6-B498-43B3-948B-1728B52AA6E4}">
-                  <adec:decorative xmlns:adec="http://schemas.microsoft.com/office/drawing/2017/decorative" val="1"/>
-                </a:ext>
-              </a:extLst>
-            </p:cNvPr>
-            <p:cNvSpPr>
-              <a:spLocks/>
-            </p:cNvSpPr>
-            <p:nvPr>
-              <p:extLst>
-                <p:ext uri="{386F3935-93C4-4BCD-93E2-E3B085C9AB24}">
-                  <p16:designElem xmlns:p16="http://schemas.microsoft.com/office/powerpoint/2015/main" val="1"/>
-                </p:ext>
-              </p:extLst>
-            </p:nvPr>
-          </p:nvSpPr>
-          <p:spPr>
-            <a:xfrm>
-              <a:off x="8042147" y="453643"/>
-              <a:ext cx="3703320" cy="98554"/>
-            </a:xfrm>
-            <a:prstGeom prst="rect">
-              <a:avLst/>
-            </a:prstGeom>
-            <a:solidFill>
-              <a:schemeClr val="accent4"/>
-            </a:solidFill>
-            <a:ln>
-              <a:noFill/>
-            </a:ln>
-            <a:effectLst/>
-          </p:spPr>
-          <p:style>
-            <a:lnRef idx="1">
-              <a:schemeClr val="accent1"/>
-            </a:lnRef>
-            <a:fillRef idx="3">
-              <a:schemeClr val="accent1"/>
-            </a:fillRef>
-            <a:effectRef idx="2">
-              <a:schemeClr val="accent1"/>
-            </a:effectRef>
-            <a:fontRef idx="minor">
-              <a:schemeClr val="lt1"/>
-            </a:fontRef>
-          </p:style>
-          <p:txBody>
-            <a:bodyPr/>
-            <a:lstStyle/>
-            <a:p>
-              <a:endParaRPr lang="it-IT"/>
-            </a:p>
-          </p:txBody>
-        </p:sp>
-        <p:sp>
-          <p:nvSpPr>
-            <p:cNvPr id="17" name="Rettangolo 16">
-              <a:extLst>
-                <a:ext uri="{FF2B5EF4-FFF2-40B4-BE49-F238E27FC236}">
-                  <a16:creationId xmlns:a16="http://schemas.microsoft.com/office/drawing/2014/main" id="{221614E5-870B-4D5E-A43B-8FF7E5323484}"/>
-                </a:ext>
-                <a:ext uri="{C183D7F6-B498-43B3-948B-1728B52AA6E4}">
-                  <adec:decorative xmlns:adec="http://schemas.microsoft.com/office/drawing/2017/decorative" val="1"/>
-                </a:ext>
-              </a:extLst>
-            </p:cNvPr>
-            <p:cNvSpPr>
-              <a:spLocks/>
-            </p:cNvSpPr>
-            <p:nvPr>
-              <p:extLst>
-                <p:ext uri="{386F3935-93C4-4BCD-93E2-E3B085C9AB24}">
-                  <p16:designElem xmlns:p16="http://schemas.microsoft.com/office/powerpoint/2015/main" val="1"/>
-                </p:ext>
-              </p:extLst>
-            </p:nvPr>
-          </p:nvSpPr>
-          <p:spPr>
-            <a:xfrm>
-              <a:off x="4241830" y="457200"/>
-              <a:ext cx="3703320" cy="91440"/>
-            </a:xfrm>
-            <a:prstGeom prst="rect">
-              <a:avLst/>
-            </a:prstGeom>
-            <a:solidFill>
-              <a:schemeClr val="accent2"/>
-            </a:solidFill>
-            <a:ln>
-              <a:noFill/>
-            </a:ln>
-            <a:effectLst/>
-          </p:spPr>
-          <p:style>
-            <a:lnRef idx="1">
-              <a:schemeClr val="accent1"/>
-            </a:lnRef>
-            <a:fillRef idx="3">
-              <a:schemeClr val="accent1"/>
-            </a:fillRef>
-            <a:effectRef idx="2">
-              <a:schemeClr val="accent1"/>
-            </a:effectRef>
-            <a:fontRef idx="minor">
-              <a:schemeClr val="lt1"/>
-            </a:fontRef>
-          </p:style>
-          <p:txBody>
-            <a:bodyPr/>
-            <a:lstStyle/>
-            <a:p>
-              <a:endParaRPr lang="it-IT"/>
-            </a:p>
-          </p:txBody>
-        </p:sp>
-      </p:grpSp>
-      <p:sp>
-        <p:nvSpPr>
-          <p:cNvPr id="2" name="Titolo 1">
-            <a:extLst>
-              <a:ext uri="{FF2B5EF4-FFF2-40B4-BE49-F238E27FC236}">
-                <a16:creationId xmlns:a16="http://schemas.microsoft.com/office/drawing/2014/main" id="{0F87E73C-2B1A-4602-BFBE-CFE1E55D9B38}"/>
-              </a:ext>
-            </a:extLst>
-          </p:cNvPr>
-          <p:cNvSpPr>
-            <a:spLocks noGrp="1"/>
-          </p:cNvSpPr>
-          <p:nvPr>
-            <p:ph type="ctrTitle"/>
-          </p:nvPr>
-        </p:nvSpPr>
-        <p:spPr>
-          <a:xfrm>
-            <a:off x="8763746" y="2380889"/>
-            <a:ext cx="2260121" cy="810977"/>
-          </a:xfrm>
-        </p:spPr>
-        <p:txBody>
-          <a:bodyPr rtlCol="0">
-            <a:normAutofit/>
-          </a:bodyPr>
-          <a:lstStyle/>
-          <a:p>
-            <a:pPr rtl="0"/>
-            <a:r>
-              <a:rPr lang="it-IT" dirty="0">
-                <a:solidFill>
-                  <a:srgbClr val="FFFFFF"/>
-                </a:solidFill>
-              </a:rPr>
-              <a:t>thanks</a:t>
-            </a:r>
-          </a:p>
-        </p:txBody>
-      </p:sp>
-      <p:pic>
-        <p:nvPicPr>
-          <p:cNvPr id="5" name="Immagine 4" descr="Numeri digitali">
-            <a:extLst>
-              <a:ext uri="{FF2B5EF4-FFF2-40B4-BE49-F238E27FC236}">
-                <a16:creationId xmlns:a16="http://schemas.microsoft.com/office/drawing/2014/main" id="{A21EA617-6D48-425F-97A8-7FEC82C8F401}"/>
-              </a:ext>
-            </a:extLst>
-          </p:cNvPr>
-          <p:cNvPicPr>
-            <a:picLocks noChangeAspect="1"/>
-          </p:cNvPicPr>
-          <p:nvPr/>
-        </p:nvPicPr>
-        <p:blipFill rotWithShape="1">
-          <a:blip r:embed="rId3" cstate="screen">
-            <a:extLst>
-              <a:ext uri="{28A0092B-C50C-407E-A947-70E740481C1C}">
-                <a14:useLocalDpi xmlns:a14="http://schemas.microsoft.com/office/drawing/2010/main"/>
-              </a:ext>
-            </a:extLst>
-          </a:blip>
-          <a:srcRect l="2189" r="9642" b="1"/>
-          <a:stretch/>
-        </p:blipFill>
-        <p:spPr>
-          <a:xfrm>
-            <a:off x="446534" y="723899"/>
-            <a:ext cx="7498616" cy="5676901"/>
-          </a:xfrm>
-          <a:prstGeom prst="rect">
-            <a:avLst/>
-          </a:prstGeom>
-        </p:spPr>
-      </p:pic>
-    </p:spTree>
-    <p:extLst>
-      <p:ext uri="{BB962C8B-B14F-4D97-AF65-F5344CB8AC3E}">
-        <p14:creationId xmlns:p14="http://schemas.microsoft.com/office/powerpoint/2010/main" val="3501347425"/>
       </p:ext>
     </p:extLst>
   </p:cSld>
@@ -12437,6 +13283,1171 @@
 </p:sld>
 </file>
 
+<file path=ppt/slides/slide20.xml><?xml version="1.0" encoding="utf-8"?>
+<p:sld xmlns:a="http://schemas.openxmlformats.org/drawingml/2006/main" xmlns:r="http://schemas.openxmlformats.org/officeDocument/2006/relationships" xmlns:p="http://schemas.openxmlformats.org/presentationml/2006/main">
+  <p:cSld>
+    <p:spTree>
+      <p:nvGrpSpPr>
+        <p:cNvPr id="1" name=""/>
+        <p:cNvGrpSpPr/>
+        <p:nvPr/>
+      </p:nvGrpSpPr>
+      <p:grpSpPr>
+        <a:xfrm>
+          <a:off x="0" y="0"/>
+          <a:ext cx="0" cy="0"/>
+          <a:chOff x="0" y="0"/>
+          <a:chExt cx="0" cy="0"/>
+        </a:xfrm>
+      </p:grpSpPr>
+      <p:sp>
+        <p:nvSpPr>
+          <p:cNvPr id="2" name="Titolo 1">
+            <a:extLst>
+              <a:ext uri="{FF2B5EF4-FFF2-40B4-BE49-F238E27FC236}">
+                <a16:creationId xmlns:a16="http://schemas.microsoft.com/office/drawing/2014/main" id="{921633EB-7DCB-4DDC-80AF-C885A3EE1245}"/>
+              </a:ext>
+            </a:extLst>
+          </p:cNvPr>
+          <p:cNvSpPr>
+            <a:spLocks noGrp="1"/>
+          </p:cNvSpPr>
+          <p:nvPr>
+            <p:ph type="title"/>
+          </p:nvPr>
+        </p:nvSpPr>
+        <p:spPr>
+          <a:xfrm>
+            <a:off x="581193" y="729658"/>
+            <a:ext cx="11029616" cy="988332"/>
+          </a:xfrm>
+        </p:spPr>
+        <p:txBody>
+          <a:bodyPr rtlCol="0" anchor="b">
+            <a:normAutofit/>
+          </a:bodyPr>
+          <a:lstStyle/>
+          <a:p>
+            <a:pPr rtl="0"/>
+            <a:r>
+              <a:rPr lang="it-IT" dirty="0" err="1">
+                <a:latin typeface="Berlin Sans FB" panose="020E0602020502020306" pitchFamily="34" charset="0"/>
+              </a:rPr>
+              <a:t>Heuristic</a:t>
+            </a:r>
+            <a:r>
+              <a:rPr lang="it-IT" dirty="0">
+                <a:latin typeface="Berlin Sans FB" panose="020E0602020502020306" pitchFamily="34" charset="0"/>
+              </a:rPr>
+              <a:t> ii (TOP X) </a:t>
+            </a:r>
+            <a:r>
+              <a:rPr lang="it-IT" sz="1600" dirty="0">
+                <a:latin typeface="Berlin Sans FB" panose="020E0602020502020306" pitchFamily="34" charset="0"/>
+              </a:rPr>
+              <a:t>continue</a:t>
+            </a:r>
+          </a:p>
+        </p:txBody>
+      </p:sp>
+      <p:pic>
+        <p:nvPicPr>
+          <p:cNvPr id="3" name="Picture 2">
+            <a:extLst>
+              <a:ext uri="{FF2B5EF4-FFF2-40B4-BE49-F238E27FC236}">
+                <a16:creationId xmlns:a16="http://schemas.microsoft.com/office/drawing/2014/main" id="{3FFAFEDE-30C1-F2D7-A1BA-2FD0385FA5F8}"/>
+              </a:ext>
+            </a:extLst>
+          </p:cNvPr>
+          <p:cNvPicPr>
+            <a:picLocks noChangeAspect="1"/>
+          </p:cNvPicPr>
+          <p:nvPr/>
+        </p:nvPicPr>
+        <p:blipFill>
+          <a:blip r:embed="rId3"/>
+          <a:stretch>
+            <a:fillRect/>
+          </a:stretch>
+        </p:blipFill>
+        <p:spPr>
+          <a:xfrm>
+            <a:off x="1298583" y="2174592"/>
+            <a:ext cx="9883955" cy="4217154"/>
+          </a:xfrm>
+          <a:prstGeom prst="rect">
+            <a:avLst/>
+          </a:prstGeom>
+        </p:spPr>
+      </p:pic>
+    </p:spTree>
+    <p:extLst>
+      <p:ext uri="{BB962C8B-B14F-4D97-AF65-F5344CB8AC3E}">
+        <p14:creationId xmlns:p14="http://schemas.microsoft.com/office/powerpoint/2010/main" val="254546206"/>
+      </p:ext>
+    </p:extLst>
+  </p:cSld>
+  <p:clrMapOvr>
+    <a:masterClrMapping/>
+  </p:clrMapOvr>
+</p:sld>
+</file>
+
+<file path=ppt/slides/slide21.xml><?xml version="1.0" encoding="utf-8"?>
+<p:sld xmlns:a="http://schemas.openxmlformats.org/drawingml/2006/main" xmlns:r="http://schemas.openxmlformats.org/officeDocument/2006/relationships" xmlns:p="http://schemas.openxmlformats.org/presentationml/2006/main">
+  <p:cSld>
+    <p:spTree>
+      <p:nvGrpSpPr>
+        <p:cNvPr id="1" name=""/>
+        <p:cNvGrpSpPr/>
+        <p:nvPr/>
+      </p:nvGrpSpPr>
+      <p:grpSpPr>
+        <a:xfrm>
+          <a:off x="0" y="0"/>
+          <a:ext cx="0" cy="0"/>
+          <a:chOff x="0" y="0"/>
+          <a:chExt cx="0" cy="0"/>
+        </a:xfrm>
+      </p:grpSpPr>
+      <p:sp>
+        <p:nvSpPr>
+          <p:cNvPr id="2" name="Titolo 1">
+            <a:extLst>
+              <a:ext uri="{FF2B5EF4-FFF2-40B4-BE49-F238E27FC236}">
+                <a16:creationId xmlns:a16="http://schemas.microsoft.com/office/drawing/2014/main" id="{921633EB-7DCB-4DDC-80AF-C885A3EE1245}"/>
+              </a:ext>
+            </a:extLst>
+          </p:cNvPr>
+          <p:cNvSpPr>
+            <a:spLocks noGrp="1"/>
+          </p:cNvSpPr>
+          <p:nvPr>
+            <p:ph type="title"/>
+          </p:nvPr>
+        </p:nvSpPr>
+        <p:spPr>
+          <a:xfrm>
+            <a:off x="581193" y="729658"/>
+            <a:ext cx="11029616" cy="988332"/>
+          </a:xfrm>
+        </p:spPr>
+        <p:txBody>
+          <a:bodyPr rtlCol="0" anchor="b">
+            <a:normAutofit/>
+          </a:bodyPr>
+          <a:lstStyle/>
+          <a:p>
+            <a:pPr rtl="0"/>
+            <a:r>
+              <a:rPr lang="it-IT" dirty="0" err="1">
+                <a:latin typeface="Berlin Sans FB" panose="020E0602020502020306" pitchFamily="34" charset="0"/>
+              </a:rPr>
+              <a:t>heuristic</a:t>
+            </a:r>
+            <a:r>
+              <a:rPr lang="it-IT" dirty="0">
+                <a:latin typeface="Berlin Sans FB" panose="020E0602020502020306" pitchFamily="34" charset="0"/>
+              </a:rPr>
+              <a:t> iii (</a:t>
+            </a:r>
+            <a:r>
+              <a:rPr lang="it-IT" dirty="0" err="1">
+                <a:latin typeface="Berlin Sans FB" panose="020E0602020502020306" pitchFamily="34" charset="0"/>
+              </a:rPr>
+              <a:t>suppress</a:t>
+            </a:r>
+            <a:r>
+              <a:rPr lang="it-IT" dirty="0">
+                <a:latin typeface="Berlin Sans FB" panose="020E0602020502020306" pitchFamily="34" charset="0"/>
+              </a:rPr>
+              <a:t> </a:t>
+            </a:r>
+            <a:r>
+              <a:rPr lang="it-IT" dirty="0" err="1">
+                <a:latin typeface="Berlin Sans FB" panose="020E0602020502020306" pitchFamily="34" charset="0"/>
+              </a:rPr>
+              <a:t>all</a:t>
+            </a:r>
+            <a:r>
+              <a:rPr lang="it-IT" dirty="0">
+                <a:latin typeface="Berlin Sans FB" panose="020E0602020502020306" pitchFamily="34" charset="0"/>
+              </a:rPr>
+              <a:t>)</a:t>
+            </a:r>
+          </a:p>
+        </p:txBody>
+      </p:sp>
+      <p:pic>
+        <p:nvPicPr>
+          <p:cNvPr id="3" name="Picture 2">
+            <a:extLst>
+              <a:ext uri="{FF2B5EF4-FFF2-40B4-BE49-F238E27FC236}">
+                <a16:creationId xmlns:a16="http://schemas.microsoft.com/office/drawing/2014/main" id="{DE4FDC83-A716-4221-67A0-4220E5CE6D69}"/>
+              </a:ext>
+            </a:extLst>
+          </p:cNvPr>
+          <p:cNvPicPr>
+            <a:picLocks noChangeAspect="1"/>
+          </p:cNvPicPr>
+          <p:nvPr/>
+        </p:nvPicPr>
+        <p:blipFill>
+          <a:blip r:embed="rId3"/>
+          <a:stretch>
+            <a:fillRect/>
+          </a:stretch>
+        </p:blipFill>
+        <p:spPr>
+          <a:xfrm>
+            <a:off x="3802455" y="2665698"/>
+            <a:ext cx="4587089" cy="2729318"/>
+          </a:xfrm>
+          <a:prstGeom prst="rect">
+            <a:avLst/>
+          </a:prstGeom>
+        </p:spPr>
+      </p:pic>
+      <p:pic>
+        <p:nvPicPr>
+          <p:cNvPr id="4" name="Picture 3">
+            <a:extLst>
+              <a:ext uri="{FF2B5EF4-FFF2-40B4-BE49-F238E27FC236}">
+                <a16:creationId xmlns:a16="http://schemas.microsoft.com/office/drawing/2014/main" id="{EFC57289-E2DD-441E-8862-074089A68692}"/>
+              </a:ext>
+            </a:extLst>
+          </p:cNvPr>
+          <p:cNvPicPr>
+            <a:picLocks noChangeAspect="1"/>
+          </p:cNvPicPr>
+          <p:nvPr/>
+        </p:nvPicPr>
+        <p:blipFill>
+          <a:blip r:embed="rId4"/>
+          <a:stretch>
+            <a:fillRect/>
+          </a:stretch>
+        </p:blipFill>
+        <p:spPr>
+          <a:xfrm>
+            <a:off x="8562658" y="2447163"/>
+            <a:ext cx="3496145" cy="3122918"/>
+          </a:xfrm>
+          <a:prstGeom prst="rect">
+            <a:avLst/>
+          </a:prstGeom>
+        </p:spPr>
+      </p:pic>
+      <p:pic>
+        <p:nvPicPr>
+          <p:cNvPr id="6" name="Picture 5">
+            <a:extLst>
+              <a:ext uri="{FF2B5EF4-FFF2-40B4-BE49-F238E27FC236}">
+                <a16:creationId xmlns:a16="http://schemas.microsoft.com/office/drawing/2014/main" id="{3A9BFBBC-17BF-0263-4829-A5AF46EACE05}"/>
+              </a:ext>
+            </a:extLst>
+          </p:cNvPr>
+          <p:cNvPicPr>
+            <a:picLocks noChangeAspect="1"/>
+          </p:cNvPicPr>
+          <p:nvPr/>
+        </p:nvPicPr>
+        <p:blipFill>
+          <a:blip r:embed="rId5"/>
+          <a:stretch>
+            <a:fillRect/>
+          </a:stretch>
+        </p:blipFill>
+        <p:spPr>
+          <a:xfrm>
+            <a:off x="133196" y="2458625"/>
+            <a:ext cx="3496145" cy="3143464"/>
+          </a:xfrm>
+          <a:prstGeom prst="rect">
+            <a:avLst/>
+          </a:prstGeom>
+        </p:spPr>
+      </p:pic>
+    </p:spTree>
+    <p:extLst>
+      <p:ext uri="{BB962C8B-B14F-4D97-AF65-F5344CB8AC3E}">
+        <p14:creationId xmlns:p14="http://schemas.microsoft.com/office/powerpoint/2010/main" val="2981198568"/>
+      </p:ext>
+    </p:extLst>
+  </p:cSld>
+  <p:clrMapOvr>
+    <a:masterClrMapping/>
+  </p:clrMapOvr>
+</p:sld>
+</file>
+
+<file path=ppt/slides/slide22.xml><?xml version="1.0" encoding="utf-8"?>
+<p:sld xmlns:a="http://schemas.openxmlformats.org/drawingml/2006/main" xmlns:r="http://schemas.openxmlformats.org/officeDocument/2006/relationships" xmlns:p="http://schemas.openxmlformats.org/presentationml/2006/main">
+  <p:cSld>
+    <p:spTree>
+      <p:nvGrpSpPr>
+        <p:cNvPr id="1" name=""/>
+        <p:cNvGrpSpPr/>
+        <p:nvPr/>
+      </p:nvGrpSpPr>
+      <p:grpSpPr>
+        <a:xfrm>
+          <a:off x="0" y="0"/>
+          <a:ext cx="0" cy="0"/>
+          <a:chOff x="0" y="0"/>
+          <a:chExt cx="0" cy="0"/>
+        </a:xfrm>
+      </p:grpSpPr>
+      <p:sp>
+        <p:nvSpPr>
+          <p:cNvPr id="2" name="Titolo 1">
+            <a:extLst>
+              <a:ext uri="{FF2B5EF4-FFF2-40B4-BE49-F238E27FC236}">
+                <a16:creationId xmlns:a16="http://schemas.microsoft.com/office/drawing/2014/main" id="{921633EB-7DCB-4DDC-80AF-C885A3EE1245}"/>
+              </a:ext>
+            </a:extLst>
+          </p:cNvPr>
+          <p:cNvSpPr>
+            <a:spLocks noGrp="1"/>
+          </p:cNvSpPr>
+          <p:nvPr>
+            <p:ph type="title"/>
+          </p:nvPr>
+        </p:nvSpPr>
+        <p:spPr>
+          <a:xfrm>
+            <a:off x="581193" y="729658"/>
+            <a:ext cx="11029616" cy="988332"/>
+          </a:xfrm>
+        </p:spPr>
+        <p:txBody>
+          <a:bodyPr rtlCol="0" anchor="b">
+            <a:normAutofit/>
+          </a:bodyPr>
+          <a:lstStyle/>
+          <a:p>
+            <a:pPr rtl="0"/>
+            <a:r>
+              <a:rPr lang="it-IT" dirty="0">
+                <a:latin typeface="Berlin Sans FB" panose="020E0602020502020306" pitchFamily="34" charset="0"/>
+              </a:rPr>
+              <a:t>Utility </a:t>
+            </a:r>
+            <a:r>
+              <a:rPr lang="it-IT" dirty="0" err="1">
+                <a:latin typeface="Berlin Sans FB" panose="020E0602020502020306" pitchFamily="34" charset="0"/>
+              </a:rPr>
+              <a:t>loss</a:t>
+            </a:r>
+            <a:endParaRPr lang="it-IT" dirty="0">
+              <a:latin typeface="Berlin Sans FB" panose="020E0602020502020306" pitchFamily="34" charset="0"/>
+            </a:endParaRPr>
+          </a:p>
+        </p:txBody>
+      </p:sp>
+      <p:pic>
+        <p:nvPicPr>
+          <p:cNvPr id="4" name="Picture 3">
+            <a:extLst>
+              <a:ext uri="{FF2B5EF4-FFF2-40B4-BE49-F238E27FC236}">
+                <a16:creationId xmlns:a16="http://schemas.microsoft.com/office/drawing/2014/main" id="{B8B496B4-1CEF-1DB9-19C0-7440F712F8A1}"/>
+              </a:ext>
+            </a:extLst>
+          </p:cNvPr>
+          <p:cNvPicPr>
+            <a:picLocks noChangeAspect="1"/>
+          </p:cNvPicPr>
+          <p:nvPr/>
+        </p:nvPicPr>
+        <p:blipFill>
+          <a:blip r:embed="rId3"/>
+          <a:stretch>
+            <a:fillRect/>
+          </a:stretch>
+        </p:blipFill>
+        <p:spPr>
+          <a:xfrm>
+            <a:off x="5390010" y="2876990"/>
+            <a:ext cx="6825569" cy="2843987"/>
+          </a:xfrm>
+          <a:prstGeom prst="rect">
+            <a:avLst/>
+          </a:prstGeom>
+        </p:spPr>
+      </p:pic>
+      <p:pic>
+        <p:nvPicPr>
+          <p:cNvPr id="5" name="Picture 4">
+            <a:extLst>
+              <a:ext uri="{FF2B5EF4-FFF2-40B4-BE49-F238E27FC236}">
+                <a16:creationId xmlns:a16="http://schemas.microsoft.com/office/drawing/2014/main" id="{FFDBCF71-8750-0D5E-02EB-D32FAEE9164E}"/>
+              </a:ext>
+            </a:extLst>
+          </p:cNvPr>
+          <p:cNvPicPr>
+            <a:picLocks noChangeAspect="1"/>
+          </p:cNvPicPr>
+          <p:nvPr/>
+        </p:nvPicPr>
+        <p:blipFill>
+          <a:blip r:embed="rId4"/>
+          <a:stretch>
+            <a:fillRect/>
+          </a:stretch>
+        </p:blipFill>
+        <p:spPr>
+          <a:xfrm>
+            <a:off x="0" y="2876990"/>
+            <a:ext cx="5344281" cy="3019519"/>
+          </a:xfrm>
+          <a:prstGeom prst="rect">
+            <a:avLst/>
+          </a:prstGeom>
+        </p:spPr>
+      </p:pic>
+      <p:sp>
+        <p:nvSpPr>
+          <p:cNvPr id="6" name="TextBox 5">
+            <a:extLst>
+              <a:ext uri="{FF2B5EF4-FFF2-40B4-BE49-F238E27FC236}">
+                <a16:creationId xmlns:a16="http://schemas.microsoft.com/office/drawing/2014/main" id="{649DEF36-EE83-2994-3ADB-FD1FFB2BD1C7}"/>
+              </a:ext>
+            </a:extLst>
+          </p:cNvPr>
+          <p:cNvSpPr txBox="1"/>
+          <p:nvPr/>
+        </p:nvSpPr>
+        <p:spPr>
+          <a:xfrm>
+            <a:off x="1032095" y="2286807"/>
+            <a:ext cx="3587909" cy="369332"/>
+          </a:xfrm>
+          <a:prstGeom prst="rect">
+            <a:avLst/>
+          </a:prstGeom>
+          <a:noFill/>
+        </p:spPr>
+        <p:txBody>
+          <a:bodyPr wrap="square" rtlCol="0">
+            <a:spAutoFit/>
+          </a:bodyPr>
+          <a:lstStyle/>
+          <a:p>
+            <a:pPr algn="ctr"/>
+            <a:r>
+              <a:rPr lang="en-IT" b="1" dirty="0"/>
+              <a:t>Only_max, Half, Suppress_all</a:t>
+            </a:r>
+          </a:p>
+        </p:txBody>
+      </p:sp>
+      <p:sp>
+        <p:nvSpPr>
+          <p:cNvPr id="7" name="TextBox 6">
+            <a:extLst>
+              <a:ext uri="{FF2B5EF4-FFF2-40B4-BE49-F238E27FC236}">
+                <a16:creationId xmlns:a16="http://schemas.microsoft.com/office/drawing/2014/main" id="{E2AAA1A2-4BC6-0549-D938-D32BE0864E43}"/>
+              </a:ext>
+            </a:extLst>
+          </p:cNvPr>
+          <p:cNvSpPr txBox="1"/>
+          <p:nvPr/>
+        </p:nvSpPr>
+        <p:spPr>
+          <a:xfrm>
+            <a:off x="7205049" y="2270560"/>
+            <a:ext cx="3587909" cy="369332"/>
+          </a:xfrm>
+          <a:prstGeom prst="rect">
+            <a:avLst/>
+          </a:prstGeom>
+          <a:noFill/>
+        </p:spPr>
+        <p:txBody>
+          <a:bodyPr wrap="square" rtlCol="0">
+            <a:spAutoFit/>
+          </a:bodyPr>
+          <a:lstStyle/>
+          <a:p>
+            <a:pPr algn="ctr"/>
+            <a:r>
+              <a:rPr lang="en-IT" b="1" dirty="0"/>
+              <a:t>Top X</a:t>
+            </a:r>
+          </a:p>
+        </p:txBody>
+      </p:sp>
+    </p:spTree>
+    <p:extLst>
+      <p:ext uri="{BB962C8B-B14F-4D97-AF65-F5344CB8AC3E}">
+        <p14:creationId xmlns:p14="http://schemas.microsoft.com/office/powerpoint/2010/main" val="120598834"/>
+      </p:ext>
+    </p:extLst>
+  </p:cSld>
+  <p:clrMapOvr>
+    <a:masterClrMapping/>
+  </p:clrMapOvr>
+</p:sld>
+</file>
+
+<file path=ppt/slides/slide23.xml><?xml version="1.0" encoding="utf-8"?>
+<p:sld xmlns:a="http://schemas.openxmlformats.org/drawingml/2006/main" xmlns:r="http://schemas.openxmlformats.org/officeDocument/2006/relationships" xmlns:p="http://schemas.openxmlformats.org/presentationml/2006/main">
+  <p:cSld>
+    <p:spTree>
+      <p:nvGrpSpPr>
+        <p:cNvPr id="1" name=""/>
+        <p:cNvGrpSpPr/>
+        <p:nvPr/>
+      </p:nvGrpSpPr>
+      <p:grpSpPr>
+        <a:xfrm>
+          <a:off x="0" y="0"/>
+          <a:ext cx="0" cy="0"/>
+          <a:chOff x="0" y="0"/>
+          <a:chExt cx="0" cy="0"/>
+        </a:xfrm>
+      </p:grpSpPr>
+      <p:sp>
+        <p:nvSpPr>
+          <p:cNvPr id="2" name="Titolo 1">
+            <a:extLst>
+              <a:ext uri="{FF2B5EF4-FFF2-40B4-BE49-F238E27FC236}">
+                <a16:creationId xmlns:a16="http://schemas.microsoft.com/office/drawing/2014/main" id="{921633EB-7DCB-4DDC-80AF-C885A3EE1245}"/>
+              </a:ext>
+            </a:extLst>
+          </p:cNvPr>
+          <p:cNvSpPr>
+            <a:spLocks noGrp="1"/>
+          </p:cNvSpPr>
+          <p:nvPr>
+            <p:ph type="title"/>
+          </p:nvPr>
+        </p:nvSpPr>
+        <p:spPr>
+          <a:xfrm>
+            <a:off x="581193" y="729658"/>
+            <a:ext cx="11029616" cy="988332"/>
+          </a:xfrm>
+        </p:spPr>
+        <p:txBody>
+          <a:bodyPr rtlCol="0" anchor="b">
+            <a:normAutofit/>
+          </a:bodyPr>
+          <a:lstStyle/>
+          <a:p>
+            <a:pPr rtl="0"/>
+            <a:r>
+              <a:rPr lang="it-IT" dirty="0">
+                <a:latin typeface="Berlin Sans FB" panose="020E0602020502020306" pitchFamily="34" charset="0"/>
+              </a:rPr>
+              <a:t>Utility </a:t>
+            </a:r>
+            <a:r>
+              <a:rPr lang="it-IT" dirty="0" err="1">
+                <a:latin typeface="Berlin Sans FB" panose="020E0602020502020306" pitchFamily="34" charset="0"/>
+              </a:rPr>
+              <a:t>loss</a:t>
+            </a:r>
+            <a:endParaRPr lang="it-IT" dirty="0">
+              <a:latin typeface="Berlin Sans FB" panose="020E0602020502020306" pitchFamily="34" charset="0"/>
+            </a:endParaRPr>
+          </a:p>
+        </p:txBody>
+      </p:sp>
+      <p:pic>
+        <p:nvPicPr>
+          <p:cNvPr id="4" name="Picture 3">
+            <a:extLst>
+              <a:ext uri="{FF2B5EF4-FFF2-40B4-BE49-F238E27FC236}">
+                <a16:creationId xmlns:a16="http://schemas.microsoft.com/office/drawing/2014/main" id="{B8B496B4-1CEF-1DB9-19C0-7440F712F8A1}"/>
+              </a:ext>
+            </a:extLst>
+          </p:cNvPr>
+          <p:cNvPicPr>
+            <a:picLocks noChangeAspect="1"/>
+          </p:cNvPicPr>
+          <p:nvPr/>
+        </p:nvPicPr>
+        <p:blipFill>
+          <a:blip r:embed="rId3"/>
+          <a:stretch>
+            <a:fillRect/>
+          </a:stretch>
+        </p:blipFill>
+        <p:spPr>
+          <a:xfrm>
+            <a:off x="4366032" y="2632549"/>
+            <a:ext cx="7798810" cy="3249504"/>
+          </a:xfrm>
+          <a:prstGeom prst="rect">
+            <a:avLst/>
+          </a:prstGeom>
+        </p:spPr>
+      </p:pic>
+      <p:sp>
+        <p:nvSpPr>
+          <p:cNvPr id="6" name="TextBox 5">
+            <a:extLst>
+              <a:ext uri="{FF2B5EF4-FFF2-40B4-BE49-F238E27FC236}">
+                <a16:creationId xmlns:a16="http://schemas.microsoft.com/office/drawing/2014/main" id="{649DEF36-EE83-2994-3ADB-FD1FFB2BD1C7}"/>
+              </a:ext>
+            </a:extLst>
+          </p:cNvPr>
+          <p:cNvSpPr txBox="1"/>
+          <p:nvPr/>
+        </p:nvSpPr>
+        <p:spPr>
+          <a:xfrm>
+            <a:off x="439924" y="2308482"/>
+            <a:ext cx="3587909" cy="369332"/>
+          </a:xfrm>
+          <a:prstGeom prst="rect">
+            <a:avLst/>
+          </a:prstGeom>
+          <a:noFill/>
+        </p:spPr>
+        <p:txBody>
+          <a:bodyPr wrap="square" rtlCol="0">
+            <a:spAutoFit/>
+          </a:bodyPr>
+          <a:lstStyle/>
+          <a:p>
+            <a:pPr algn="ctr"/>
+            <a:r>
+              <a:rPr lang="en-IT" b="1" dirty="0"/>
+              <a:t>Only_max, Half, Suppress_all</a:t>
+            </a:r>
+          </a:p>
+        </p:txBody>
+      </p:sp>
+      <p:sp>
+        <p:nvSpPr>
+          <p:cNvPr id="7" name="TextBox 6">
+            <a:extLst>
+              <a:ext uri="{FF2B5EF4-FFF2-40B4-BE49-F238E27FC236}">
+                <a16:creationId xmlns:a16="http://schemas.microsoft.com/office/drawing/2014/main" id="{E2AAA1A2-4BC6-0549-D938-D32BE0864E43}"/>
+              </a:ext>
+            </a:extLst>
+          </p:cNvPr>
+          <p:cNvSpPr txBox="1"/>
+          <p:nvPr/>
+        </p:nvSpPr>
+        <p:spPr>
+          <a:xfrm>
+            <a:off x="6719743" y="2308482"/>
+            <a:ext cx="3587909" cy="369332"/>
+          </a:xfrm>
+          <a:prstGeom prst="rect">
+            <a:avLst/>
+          </a:prstGeom>
+          <a:noFill/>
+        </p:spPr>
+        <p:txBody>
+          <a:bodyPr wrap="square" rtlCol="0">
+            <a:spAutoFit/>
+          </a:bodyPr>
+          <a:lstStyle/>
+          <a:p>
+            <a:pPr algn="ctr"/>
+            <a:r>
+              <a:rPr lang="en-IT" b="1" dirty="0"/>
+              <a:t>Top X</a:t>
+            </a:r>
+          </a:p>
+        </p:txBody>
+      </p:sp>
+      <p:pic>
+        <p:nvPicPr>
+          <p:cNvPr id="3" name="Picture 2">
+            <a:extLst>
+              <a:ext uri="{FF2B5EF4-FFF2-40B4-BE49-F238E27FC236}">
+                <a16:creationId xmlns:a16="http://schemas.microsoft.com/office/drawing/2014/main" id="{93F469F7-F659-6449-793A-1F6E402A39B7}"/>
+              </a:ext>
+            </a:extLst>
+          </p:cNvPr>
+          <p:cNvPicPr>
+            <a:picLocks noChangeAspect="1"/>
+          </p:cNvPicPr>
+          <p:nvPr/>
+        </p:nvPicPr>
+        <p:blipFill>
+          <a:blip r:embed="rId4"/>
+          <a:stretch>
+            <a:fillRect/>
+          </a:stretch>
+        </p:blipFill>
+        <p:spPr>
+          <a:xfrm>
+            <a:off x="13645" y="2806451"/>
+            <a:ext cx="4135732" cy="3249504"/>
+          </a:xfrm>
+          <a:prstGeom prst="rect">
+            <a:avLst/>
+          </a:prstGeom>
+        </p:spPr>
+      </p:pic>
+    </p:spTree>
+    <p:extLst>
+      <p:ext uri="{BB962C8B-B14F-4D97-AF65-F5344CB8AC3E}">
+        <p14:creationId xmlns:p14="http://schemas.microsoft.com/office/powerpoint/2010/main" val="2729949744"/>
+      </p:ext>
+    </p:extLst>
+  </p:cSld>
+  <p:clrMapOvr>
+    <a:masterClrMapping/>
+  </p:clrMapOvr>
+</p:sld>
+</file>
+
+<file path=ppt/slides/slide24.xml><?xml version="1.0" encoding="utf-8"?>
+<p:sld xmlns:a="http://schemas.openxmlformats.org/drawingml/2006/main" xmlns:r="http://schemas.openxmlformats.org/officeDocument/2006/relationships" xmlns:p="http://schemas.openxmlformats.org/presentationml/2006/main">
+  <p:cSld>
+    <p:bg>
+      <p:bgPr>
+        <a:solidFill>
+          <a:schemeClr val="bg1"/>
+        </a:solidFill>
+        <a:effectLst/>
+      </p:bgPr>
+    </p:bg>
+    <p:spTree>
+      <p:nvGrpSpPr>
+        <p:cNvPr id="1" name=""/>
+        <p:cNvGrpSpPr/>
+        <p:nvPr/>
+      </p:nvGrpSpPr>
+      <p:grpSpPr>
+        <a:xfrm>
+          <a:off x="0" y="0"/>
+          <a:ext cx="0" cy="0"/>
+          <a:chOff x="0" y="0"/>
+          <a:chExt cx="0" cy="0"/>
+        </a:xfrm>
+      </p:grpSpPr>
+      <p:sp useBgFill="1">
+        <p:nvSpPr>
+          <p:cNvPr id="10" name="Rettangolo 9">
+            <a:extLst>
+              <a:ext uri="{FF2B5EF4-FFF2-40B4-BE49-F238E27FC236}">
+                <a16:creationId xmlns:a16="http://schemas.microsoft.com/office/drawing/2014/main" id="{379F11E2-8BA5-4C5C-AE7C-361E5EA011FF}"/>
+              </a:ext>
+              <a:ext uri="{C183D7F6-B498-43B3-948B-1728B52AA6E4}">
+                <adec:decorative xmlns:adec="http://schemas.microsoft.com/office/drawing/2017/decorative" val="1"/>
+              </a:ext>
+            </a:extLst>
+          </p:cNvPr>
+          <p:cNvSpPr>
+            <a:spLocks noChangeAspect="1"/>
+          </p:cNvSpPr>
+          <p:nvPr>
+            <p:extLst>
+              <p:ext uri="{386F3935-93C4-4BCD-93E2-E3B085C9AB24}">
+                <p16:designElem xmlns:p16="http://schemas.microsoft.com/office/powerpoint/2015/main" val="1"/>
+              </p:ext>
+            </p:extLst>
+          </p:nvPr>
+        </p:nvSpPr>
+        <p:spPr>
+          <a:xfrm>
+            <a:off x="0" y="1"/>
+            <a:ext cx="12191999" cy="6858000"/>
+          </a:xfrm>
+          <a:prstGeom prst="rect">
+            <a:avLst/>
+          </a:prstGeom>
+          <a:ln>
+            <a:noFill/>
+          </a:ln>
+        </p:spPr>
+        <p:style>
+          <a:lnRef idx="2">
+            <a:schemeClr val="accent1">
+              <a:shade val="50000"/>
+            </a:schemeClr>
+          </a:lnRef>
+          <a:fillRef idx="1">
+            <a:schemeClr val="accent1"/>
+          </a:fillRef>
+          <a:effectRef idx="0">
+            <a:schemeClr val="accent1"/>
+          </a:effectRef>
+          <a:fontRef idx="minor">
+            <a:schemeClr val="lt1"/>
+          </a:fontRef>
+        </p:style>
+        <p:txBody>
+          <a:bodyPr rtlCol="0" anchor="ctr"/>
+          <a:lstStyle/>
+          <a:p>
+            <a:pPr algn="ctr" rtl="0"/>
+            <a:endParaRPr lang="it-IT"/>
+          </a:p>
+        </p:txBody>
+      </p:sp>
+      <p:sp>
+        <p:nvSpPr>
+          <p:cNvPr id="12" name="Rettangolo 11">
+            <a:extLst>
+              <a:ext uri="{FF2B5EF4-FFF2-40B4-BE49-F238E27FC236}">
+                <a16:creationId xmlns:a16="http://schemas.microsoft.com/office/drawing/2014/main" id="{7C00E1DA-EC7C-40FC-95E3-11FDCD2E4291}"/>
+              </a:ext>
+              <a:ext uri="{C183D7F6-B498-43B3-948B-1728B52AA6E4}">
+                <adec:decorative xmlns:adec="http://schemas.microsoft.com/office/drawing/2017/decorative" val="1"/>
+              </a:ext>
+            </a:extLst>
+          </p:cNvPr>
+          <p:cNvSpPr>
+            <a:spLocks noChangeAspect="1"/>
+          </p:cNvSpPr>
+          <p:nvPr>
+            <p:extLst>
+              <p:ext uri="{386F3935-93C4-4BCD-93E2-E3B085C9AB24}">
+                <p16:designElem xmlns:p16="http://schemas.microsoft.com/office/powerpoint/2015/main" val="1"/>
+              </p:ext>
+            </p:extLst>
+          </p:nvPr>
+        </p:nvSpPr>
+        <p:spPr>
+          <a:xfrm>
+            <a:off x="8042147" y="723899"/>
+            <a:ext cx="3703320" cy="5666666"/>
+          </a:xfrm>
+          <a:prstGeom prst="rect">
+            <a:avLst/>
+          </a:prstGeom>
+          <a:solidFill>
+            <a:schemeClr val="accent1"/>
+          </a:solidFill>
+          <a:ln>
+            <a:noFill/>
+          </a:ln>
+          <a:effectLst/>
+        </p:spPr>
+        <p:style>
+          <a:lnRef idx="1">
+            <a:schemeClr val="accent1"/>
+          </a:lnRef>
+          <a:fillRef idx="3">
+            <a:schemeClr val="accent1"/>
+          </a:fillRef>
+          <a:effectRef idx="2">
+            <a:schemeClr val="accent1"/>
+          </a:effectRef>
+          <a:fontRef idx="minor">
+            <a:schemeClr val="lt1"/>
+          </a:fontRef>
+        </p:style>
+        <p:txBody>
+          <a:bodyPr/>
+          <a:lstStyle/>
+          <a:p>
+            <a:endParaRPr lang="it-IT"/>
+          </a:p>
+        </p:txBody>
+      </p:sp>
+      <p:grpSp>
+        <p:nvGrpSpPr>
+          <p:cNvPr id="14" name="Gruppo 13">
+            <a:extLst>
+              <a:ext uri="{FF2B5EF4-FFF2-40B4-BE49-F238E27FC236}">
+                <a16:creationId xmlns:a16="http://schemas.microsoft.com/office/drawing/2014/main" id="{9A421166-2996-41A7-B094-AE5316F347DD}"/>
+              </a:ext>
+              <a:ext uri="{C183D7F6-B498-43B3-948B-1728B52AA6E4}">
+                <adec:decorative xmlns:adec="http://schemas.microsoft.com/office/drawing/2017/decorative" val="1"/>
+              </a:ext>
+            </a:extLst>
+          </p:cNvPr>
+          <p:cNvGrpSpPr>
+            <a:grpSpLocks noChangeAspect="1"/>
+          </p:cNvGrpSpPr>
+          <p:nvPr>
+            <p:extLst>
+              <p:ext uri="{386F3935-93C4-4BCD-93E2-E3B085C9AB24}">
+                <p16:designElem xmlns:p16="http://schemas.microsoft.com/office/powerpoint/2015/main" val="1"/>
+              </p:ext>
+            </p:extLst>
+          </p:nvPr>
+        </p:nvGrpSpPr>
+        <p:grpSpPr>
+          <a:xfrm>
+            <a:off x="446534" y="453643"/>
+            <a:ext cx="11298933" cy="98554"/>
+            <a:chOff x="446534" y="453643"/>
+            <a:chExt cx="11298933" cy="98554"/>
+          </a:xfrm>
+        </p:grpSpPr>
+        <p:sp>
+          <p:nvSpPr>
+            <p:cNvPr id="15" name="Rettangolo 14">
+              <a:extLst>
+                <a:ext uri="{FF2B5EF4-FFF2-40B4-BE49-F238E27FC236}">
+                  <a16:creationId xmlns:a16="http://schemas.microsoft.com/office/drawing/2014/main" id="{FDBB1B92-A3EB-43E4-8FAB-D20E8ED14CEF}"/>
+                </a:ext>
+                <a:ext uri="{C183D7F6-B498-43B3-948B-1728B52AA6E4}">
+                  <adec:decorative xmlns:adec="http://schemas.microsoft.com/office/drawing/2017/decorative" val="1"/>
+                </a:ext>
+              </a:extLst>
+            </p:cNvPr>
+            <p:cNvSpPr>
+              <a:spLocks/>
+            </p:cNvSpPr>
+            <p:nvPr>
+              <p:extLst>
+                <p:ext uri="{386F3935-93C4-4BCD-93E2-E3B085C9AB24}">
+                  <p16:designElem xmlns:p16="http://schemas.microsoft.com/office/powerpoint/2015/main" val="1"/>
+                </p:ext>
+              </p:extLst>
+            </p:nvPr>
+          </p:nvSpPr>
+          <p:spPr>
+            <a:xfrm>
+              <a:off x="446534" y="457200"/>
+              <a:ext cx="3703320" cy="94997"/>
+            </a:xfrm>
+            <a:prstGeom prst="rect">
+              <a:avLst/>
+            </a:prstGeom>
+            <a:solidFill>
+              <a:schemeClr val="accent1"/>
+            </a:solidFill>
+            <a:ln>
+              <a:noFill/>
+            </a:ln>
+            <a:effectLst/>
+          </p:spPr>
+          <p:style>
+            <a:lnRef idx="1">
+              <a:schemeClr val="accent1"/>
+            </a:lnRef>
+            <a:fillRef idx="3">
+              <a:schemeClr val="accent1"/>
+            </a:fillRef>
+            <a:effectRef idx="2">
+              <a:schemeClr val="accent1"/>
+            </a:effectRef>
+            <a:fontRef idx="minor">
+              <a:schemeClr val="lt1"/>
+            </a:fontRef>
+          </p:style>
+          <p:txBody>
+            <a:bodyPr/>
+            <a:lstStyle/>
+            <a:p>
+              <a:endParaRPr lang="it-IT"/>
+            </a:p>
+          </p:txBody>
+        </p:sp>
+        <p:sp>
+          <p:nvSpPr>
+            <p:cNvPr id="16" name="Rettangolo 15">
+              <a:extLst>
+                <a:ext uri="{FF2B5EF4-FFF2-40B4-BE49-F238E27FC236}">
+                  <a16:creationId xmlns:a16="http://schemas.microsoft.com/office/drawing/2014/main" id="{3F3972F4-FE7E-48EA-AAD8-9BE5750A6672}"/>
+                </a:ext>
+                <a:ext uri="{C183D7F6-B498-43B3-948B-1728B52AA6E4}">
+                  <adec:decorative xmlns:adec="http://schemas.microsoft.com/office/drawing/2017/decorative" val="1"/>
+                </a:ext>
+              </a:extLst>
+            </p:cNvPr>
+            <p:cNvSpPr>
+              <a:spLocks/>
+            </p:cNvSpPr>
+            <p:nvPr>
+              <p:extLst>
+                <p:ext uri="{386F3935-93C4-4BCD-93E2-E3B085C9AB24}">
+                  <p16:designElem xmlns:p16="http://schemas.microsoft.com/office/powerpoint/2015/main" val="1"/>
+                </p:ext>
+              </p:extLst>
+            </p:nvPr>
+          </p:nvSpPr>
+          <p:spPr>
+            <a:xfrm>
+              <a:off x="8042147" y="453643"/>
+              <a:ext cx="3703320" cy="98554"/>
+            </a:xfrm>
+            <a:prstGeom prst="rect">
+              <a:avLst/>
+            </a:prstGeom>
+            <a:solidFill>
+              <a:schemeClr val="accent4"/>
+            </a:solidFill>
+            <a:ln>
+              <a:noFill/>
+            </a:ln>
+            <a:effectLst/>
+          </p:spPr>
+          <p:style>
+            <a:lnRef idx="1">
+              <a:schemeClr val="accent1"/>
+            </a:lnRef>
+            <a:fillRef idx="3">
+              <a:schemeClr val="accent1"/>
+            </a:fillRef>
+            <a:effectRef idx="2">
+              <a:schemeClr val="accent1"/>
+            </a:effectRef>
+            <a:fontRef idx="minor">
+              <a:schemeClr val="lt1"/>
+            </a:fontRef>
+          </p:style>
+          <p:txBody>
+            <a:bodyPr/>
+            <a:lstStyle/>
+            <a:p>
+              <a:endParaRPr lang="it-IT"/>
+            </a:p>
+          </p:txBody>
+        </p:sp>
+        <p:sp>
+          <p:nvSpPr>
+            <p:cNvPr id="17" name="Rettangolo 16">
+              <a:extLst>
+                <a:ext uri="{FF2B5EF4-FFF2-40B4-BE49-F238E27FC236}">
+                  <a16:creationId xmlns:a16="http://schemas.microsoft.com/office/drawing/2014/main" id="{221614E5-870B-4D5E-A43B-8FF7E5323484}"/>
+                </a:ext>
+                <a:ext uri="{C183D7F6-B498-43B3-948B-1728B52AA6E4}">
+                  <adec:decorative xmlns:adec="http://schemas.microsoft.com/office/drawing/2017/decorative" val="1"/>
+                </a:ext>
+              </a:extLst>
+            </p:cNvPr>
+            <p:cNvSpPr>
+              <a:spLocks/>
+            </p:cNvSpPr>
+            <p:nvPr>
+              <p:extLst>
+                <p:ext uri="{386F3935-93C4-4BCD-93E2-E3B085C9AB24}">
+                  <p16:designElem xmlns:p16="http://schemas.microsoft.com/office/powerpoint/2015/main" val="1"/>
+                </p:ext>
+              </p:extLst>
+            </p:nvPr>
+          </p:nvSpPr>
+          <p:spPr>
+            <a:xfrm>
+              <a:off x="4241830" y="457200"/>
+              <a:ext cx="3703320" cy="91440"/>
+            </a:xfrm>
+            <a:prstGeom prst="rect">
+              <a:avLst/>
+            </a:prstGeom>
+            <a:solidFill>
+              <a:schemeClr val="accent2"/>
+            </a:solidFill>
+            <a:ln>
+              <a:noFill/>
+            </a:ln>
+            <a:effectLst/>
+          </p:spPr>
+          <p:style>
+            <a:lnRef idx="1">
+              <a:schemeClr val="accent1"/>
+            </a:lnRef>
+            <a:fillRef idx="3">
+              <a:schemeClr val="accent1"/>
+            </a:fillRef>
+            <a:effectRef idx="2">
+              <a:schemeClr val="accent1"/>
+            </a:effectRef>
+            <a:fontRef idx="minor">
+              <a:schemeClr val="lt1"/>
+            </a:fontRef>
+          </p:style>
+          <p:txBody>
+            <a:bodyPr/>
+            <a:lstStyle/>
+            <a:p>
+              <a:endParaRPr lang="it-IT"/>
+            </a:p>
+          </p:txBody>
+        </p:sp>
+      </p:grpSp>
+      <p:sp>
+        <p:nvSpPr>
+          <p:cNvPr id="2" name="Titolo 1">
+            <a:extLst>
+              <a:ext uri="{FF2B5EF4-FFF2-40B4-BE49-F238E27FC236}">
+                <a16:creationId xmlns:a16="http://schemas.microsoft.com/office/drawing/2014/main" id="{0F87E73C-2B1A-4602-BFBE-CFE1E55D9B38}"/>
+              </a:ext>
+            </a:extLst>
+          </p:cNvPr>
+          <p:cNvSpPr>
+            <a:spLocks noGrp="1"/>
+          </p:cNvSpPr>
+          <p:nvPr>
+            <p:ph type="ctrTitle"/>
+          </p:nvPr>
+        </p:nvSpPr>
+        <p:spPr>
+          <a:xfrm>
+            <a:off x="8763746" y="2380889"/>
+            <a:ext cx="2260121" cy="810977"/>
+          </a:xfrm>
+        </p:spPr>
+        <p:txBody>
+          <a:bodyPr rtlCol="0">
+            <a:normAutofit/>
+          </a:bodyPr>
+          <a:lstStyle/>
+          <a:p>
+            <a:pPr rtl="0"/>
+            <a:r>
+              <a:rPr lang="it-IT" dirty="0">
+                <a:solidFill>
+                  <a:srgbClr val="FFFFFF"/>
+                </a:solidFill>
+              </a:rPr>
+              <a:t>thanks</a:t>
+            </a:r>
+          </a:p>
+        </p:txBody>
+      </p:sp>
+      <p:pic>
+        <p:nvPicPr>
+          <p:cNvPr id="5" name="Immagine 4" descr="Numeri digitali">
+            <a:extLst>
+              <a:ext uri="{FF2B5EF4-FFF2-40B4-BE49-F238E27FC236}">
+                <a16:creationId xmlns:a16="http://schemas.microsoft.com/office/drawing/2014/main" id="{A21EA617-6D48-425F-97A8-7FEC82C8F401}"/>
+              </a:ext>
+            </a:extLst>
+          </p:cNvPr>
+          <p:cNvPicPr>
+            <a:picLocks noChangeAspect="1"/>
+          </p:cNvPicPr>
+          <p:nvPr/>
+        </p:nvPicPr>
+        <p:blipFill rotWithShape="1">
+          <a:blip r:embed="rId3" cstate="screen">
+            <a:extLst>
+              <a:ext uri="{28A0092B-C50C-407E-A947-70E740481C1C}">
+                <a14:useLocalDpi xmlns:a14="http://schemas.microsoft.com/office/drawing/2010/main"/>
+              </a:ext>
+            </a:extLst>
+          </a:blip>
+          <a:srcRect l="2189" r="9642" b="1"/>
+          <a:stretch/>
+        </p:blipFill>
+        <p:spPr>
+          <a:xfrm>
+            <a:off x="446534" y="723899"/>
+            <a:ext cx="7498616" cy="5676901"/>
+          </a:xfrm>
+          <a:prstGeom prst="rect">
+            <a:avLst/>
+          </a:prstGeom>
+        </p:spPr>
+      </p:pic>
+    </p:spTree>
+    <p:extLst>
+      <p:ext uri="{BB962C8B-B14F-4D97-AF65-F5344CB8AC3E}">
+        <p14:creationId xmlns:p14="http://schemas.microsoft.com/office/powerpoint/2010/main" val="3501347425"/>
+      </p:ext>
+    </p:extLst>
+  </p:cSld>
+  <p:clrMapOvr>
+    <a:masterClrMapping/>
+  </p:clrMapOvr>
+</p:sld>
+</file>
+
 <file path=ppt/slides/slide3.xml><?xml version="1.0" encoding="utf-8"?>
 <p:sld xmlns:a="http://schemas.openxmlformats.org/drawingml/2006/main" xmlns:r="http://schemas.openxmlformats.org/officeDocument/2006/relationships" xmlns:p="http://schemas.openxmlformats.org/presentationml/2006/main">
   <p:cSld>
@@ -12454,373 +14465,97 @@
           <a:chExt cx="0" cy="0"/>
         </a:xfrm>
       </p:grpSpPr>
-      <p:sp>
-        <p:nvSpPr>
-          <p:cNvPr id="2" name="Titolo 1">
+      <p:pic>
+        <p:nvPicPr>
+          <p:cNvPr id="4" name="Segnaposto contenuto 4" descr="Numeri digitali">
             <a:extLst>
               <a:ext uri="{FF2B5EF4-FFF2-40B4-BE49-F238E27FC236}">
-                <a16:creationId xmlns:a16="http://schemas.microsoft.com/office/drawing/2014/main" id="{5B040558-A365-4CCE-92FA-5A48CD98F9C9}"/>
+                <a16:creationId xmlns:a16="http://schemas.microsoft.com/office/drawing/2014/main" id="{D61423D5-43B6-0FFB-3C1F-2DDB99215B16}"/>
               </a:ext>
             </a:extLst>
           </p:cNvPr>
-          <p:cNvSpPr>
-            <a:spLocks noGrp="1"/>
-          </p:cNvSpPr>
+          <p:cNvPicPr>
+            <a:picLocks noGrp="1" noChangeAspect="1"/>
+          </p:cNvPicPr>
           <p:nvPr>
-            <p:ph type="title"/>
+            <p:ph type="pic" idx="1"/>
           </p:nvPr>
-        </p:nvSpPr>
+        </p:nvPicPr>
+        <p:blipFill rotWithShape="1">
+          <a:blip r:embed="rId2" cstate="screen">
+            <a:extLst>
+              <a:ext uri="{28A0092B-C50C-407E-A947-70E740481C1C}">
+                <a14:useLocalDpi xmlns:a14="http://schemas.microsoft.com/office/drawing/2010/main"/>
+              </a:ext>
+            </a:extLst>
+          </a:blip>
+          <a:srcRect t="6561" b="9169"/>
+          <a:stretch/>
+        </p:blipFill>
         <p:spPr>
           <a:xfrm>
-            <a:off x="581192" y="702156"/>
-            <a:ext cx="11029616" cy="1013800"/>
-          </a:xfrm>
-        </p:spPr>
-        <p:txBody>
-          <a:bodyPr rtlCol="0" anchor="b">
-            <a:normAutofit/>
-          </a:bodyPr>
-          <a:lstStyle/>
-          <a:p>
-            <a:pPr rtl="0"/>
-            <a:r>
-              <a:rPr lang="it-IT" dirty="0">
-                <a:latin typeface="Berlin Sans FB" panose="020E0602020502020306" pitchFamily="34" charset="0"/>
-              </a:rPr>
-              <a:t>The </a:t>
-            </a:r>
-            <a:r>
-              <a:rPr lang="it-IT" dirty="0" err="1">
-                <a:latin typeface="Berlin Sans FB" panose="020E0602020502020306" pitchFamily="34" charset="0"/>
-              </a:rPr>
-              <a:t>Issue</a:t>
-            </a:r>
-            <a:endParaRPr lang="it-IT" dirty="0">
-              <a:latin typeface="Berlin Sans FB" panose="020E0602020502020306" pitchFamily="34" charset="0"/>
-            </a:endParaRPr>
-          </a:p>
-        </p:txBody>
-      </p:sp>
-      <p:sp>
-        <p:nvSpPr>
-          <p:cNvPr id="3" name="CasellaDiTesto 2">
-            <a:extLst>
-              <a:ext uri="{FF2B5EF4-FFF2-40B4-BE49-F238E27FC236}">
-                <a16:creationId xmlns:a16="http://schemas.microsoft.com/office/drawing/2014/main" id="{AD1DDE8B-1AED-E708-0583-8189E3AC1EE3}"/>
-              </a:ext>
-            </a:extLst>
-          </p:cNvPr>
-          <p:cNvSpPr txBox="1"/>
-          <p:nvPr/>
-        </p:nvSpPr>
-        <p:spPr>
-          <a:xfrm>
-            <a:off x="1512498" y="2664444"/>
-            <a:ext cx="9046234" cy="2923877"/>
+            <a:off x="20" y="10"/>
+            <a:ext cx="12191980" cy="6857990"/>
           </a:xfrm>
           <a:prstGeom prst="rect">
             <a:avLst/>
           </a:prstGeom>
           <a:noFill/>
         </p:spPr>
+      </p:pic>
+      <p:sp>
+        <p:nvSpPr>
+          <p:cNvPr id="5" name="Rectangle 4">
+            <a:extLst>
+              <a:ext uri="{FF2B5EF4-FFF2-40B4-BE49-F238E27FC236}">
+                <a16:creationId xmlns:a16="http://schemas.microsoft.com/office/drawing/2014/main" id="{5196091C-8FA8-6DAB-3768-E5BA818B2D3C}"/>
+              </a:ext>
+            </a:extLst>
+          </p:cNvPr>
+          <p:cNvSpPr/>
+          <p:nvPr/>
+        </p:nvSpPr>
+        <p:spPr>
+          <a:xfrm>
+            <a:off x="451092" y="779927"/>
+            <a:ext cx="11237843" cy="5683200"/>
+          </a:xfrm>
+          <a:prstGeom prst="rect">
+            <a:avLst/>
+          </a:prstGeom>
+        </p:spPr>
+        <p:style>
+          <a:lnRef idx="2">
+            <a:schemeClr val="accent1">
+              <a:shade val="50000"/>
+            </a:schemeClr>
+          </a:lnRef>
+          <a:fillRef idx="1">
+            <a:schemeClr val="accent1"/>
+          </a:fillRef>
+          <a:effectRef idx="0">
+            <a:schemeClr val="accent1"/>
+          </a:effectRef>
+          <a:fontRef idx="minor">
+            <a:schemeClr val="lt1"/>
+          </a:fontRef>
+        </p:style>
         <p:txBody>
-          <a:bodyPr wrap="square" rtlCol="0">
-            <a:spAutoFit/>
-          </a:bodyPr>
+          <a:bodyPr rtlCol="0" anchor="ctr"/>
           <a:lstStyle/>
           <a:p>
             <a:pPr algn="ctr"/>
             <a:r>
-              <a:rPr lang="it-IT" sz="2300" b="1" i="1" dirty="0"/>
-              <a:t>By Paper (Example_1):</a:t>
-            </a:r>
-          </a:p>
-          <a:p>
-            <a:pPr algn="ctr"/>
-            <a:r>
-              <a:rPr lang="it-IT" sz="2300" dirty="0"/>
-              <a:t>AOL </a:t>
-            </a:r>
-            <a:r>
-              <a:rPr lang="it-IT" sz="2300" dirty="0" err="1"/>
-              <a:t>has</a:t>
-            </a:r>
-            <a:r>
-              <a:rPr lang="it-IT" sz="2300" dirty="0"/>
-              <a:t> </a:t>
-            </a:r>
-            <a:r>
-              <a:rPr lang="it-IT" sz="2300" dirty="0" err="1"/>
-              <a:t>recently</a:t>
-            </a:r>
-            <a:r>
-              <a:rPr lang="it-IT" sz="2300" dirty="0"/>
-              <a:t> made </a:t>
-            </a:r>
-            <a:r>
-              <a:rPr lang="it-IT" sz="2300" dirty="0" err="1"/>
-              <a:t>available</a:t>
-            </a:r>
-            <a:r>
-              <a:rPr lang="it-IT" sz="2300" dirty="0"/>
-              <a:t> a query logs database to the public, </a:t>
-            </a:r>
-            <a:r>
-              <a:rPr lang="it-IT" sz="2300" dirty="0" err="1"/>
-              <a:t>primarily</a:t>
-            </a:r>
-            <a:r>
-              <a:rPr lang="it-IT" sz="2300" dirty="0"/>
-              <a:t> for </a:t>
-            </a:r>
-            <a:r>
-              <a:rPr lang="it-IT" sz="2300" dirty="0" err="1"/>
-              <a:t>research</a:t>
-            </a:r>
-            <a:r>
-              <a:rPr lang="it-IT" sz="2300" dirty="0"/>
-              <a:t> </a:t>
-            </a:r>
-            <a:r>
-              <a:rPr lang="it-IT" sz="2300" dirty="0" err="1"/>
-              <a:t>purposes</a:t>
-            </a:r>
-            <a:r>
-              <a:rPr lang="it-IT" sz="2300" dirty="0"/>
-              <a:t>. </a:t>
-            </a:r>
-            <a:r>
-              <a:rPr lang="it-IT" sz="2300" dirty="0" err="1"/>
-              <a:t>Nevertheless</a:t>
-            </a:r>
-            <a:r>
-              <a:rPr lang="it-IT" sz="2300" dirty="0"/>
-              <a:t>, </a:t>
-            </a:r>
-            <a:r>
-              <a:rPr lang="it-IT" sz="2300" dirty="0" err="1"/>
-              <a:t>through</a:t>
-            </a:r>
-            <a:r>
-              <a:rPr lang="it-IT" sz="2300" dirty="0"/>
-              <a:t> the </a:t>
-            </a:r>
-            <a:r>
-              <a:rPr lang="it-IT" sz="2300" dirty="0" err="1"/>
-              <a:t>analysis</a:t>
-            </a:r>
-            <a:r>
-              <a:rPr lang="it-IT" sz="2300" dirty="0"/>
-              <a:t> of </a:t>
-            </a:r>
-            <a:r>
-              <a:rPr lang="it-IT" sz="2300" dirty="0" err="1"/>
-              <a:t>search</a:t>
-            </a:r>
-            <a:r>
-              <a:rPr lang="it-IT" sz="2300" dirty="0"/>
-              <a:t> items, the user </a:t>
-            </a:r>
-            <a:r>
-              <a:rPr lang="it-IT" sz="2300" dirty="0" err="1"/>
-              <a:t>identified</a:t>
-            </a:r>
-            <a:r>
-              <a:rPr lang="it-IT" sz="2300" dirty="0"/>
-              <a:t> </a:t>
-            </a:r>
-            <a:r>
-              <a:rPr lang="it-IT" sz="2300" dirty="0" err="1"/>
-              <a:t>as</a:t>
-            </a:r>
-            <a:r>
-              <a:rPr lang="it-IT" sz="2300" dirty="0"/>
-              <a:t> No. 4417749 </a:t>
-            </a:r>
-            <a:r>
-              <a:rPr lang="it-IT" sz="2300" dirty="0" err="1"/>
-              <a:t>was</a:t>
-            </a:r>
-            <a:r>
-              <a:rPr lang="it-IT" sz="2300" dirty="0"/>
-              <a:t> </a:t>
-            </a:r>
-            <a:r>
-              <a:rPr lang="it-IT" sz="2300" dirty="0" err="1"/>
-              <a:t>successfully</a:t>
-            </a:r>
-            <a:r>
-              <a:rPr lang="it-IT" sz="2300" dirty="0"/>
-              <a:t> </a:t>
-            </a:r>
-            <a:r>
-              <a:rPr lang="it-IT" sz="2300" dirty="0" err="1"/>
-              <a:t>linked</a:t>
-            </a:r>
-            <a:r>
-              <a:rPr lang="it-IT" sz="2300" dirty="0"/>
-              <a:t> to Thelma Arnold, a 62-year-old </a:t>
-            </a:r>
-            <a:r>
-              <a:rPr lang="it-IT" sz="2300" dirty="0" err="1"/>
-              <a:t>widow</a:t>
-            </a:r>
-            <a:r>
-              <a:rPr lang="it-IT" sz="2300" dirty="0"/>
-              <a:t> </a:t>
-            </a:r>
-            <a:r>
-              <a:rPr lang="it-IT" sz="2300" dirty="0" err="1"/>
-              <a:t>residing</a:t>
-            </a:r>
-            <a:r>
-              <a:rPr lang="it-IT" sz="2300" dirty="0"/>
-              <a:t> in </a:t>
-            </a:r>
-            <a:r>
-              <a:rPr lang="it-IT" sz="2300" dirty="0" err="1"/>
-              <a:t>Lilburn</a:t>
-            </a:r>
-            <a:r>
-              <a:rPr lang="it-IT" sz="2300" dirty="0"/>
-              <a:t>. </a:t>
-            </a:r>
-            <a:r>
-              <a:rPr lang="it-IT" sz="2300" dirty="0" err="1"/>
-              <a:t>This</a:t>
-            </a:r>
-            <a:r>
-              <a:rPr lang="it-IT" sz="2300" dirty="0"/>
-              <a:t> </a:t>
-            </a:r>
-            <a:r>
-              <a:rPr lang="it-IT" sz="2300" dirty="0" err="1"/>
-              <a:t>exemple</a:t>
-            </a:r>
-            <a:r>
-              <a:rPr lang="it-IT" sz="2300" dirty="0"/>
-              <a:t> show </a:t>
-            </a:r>
-            <a:r>
-              <a:rPr lang="it-IT" sz="2300" dirty="0" err="1"/>
-              <a:t>that</a:t>
-            </a:r>
-            <a:r>
-              <a:rPr lang="it-IT" sz="2300" dirty="0"/>
-              <a:t> </a:t>
-            </a:r>
-            <a:r>
-              <a:rPr lang="it-IT" sz="2300" dirty="0" err="1"/>
-              <a:t>even</a:t>
-            </a:r>
-            <a:r>
-              <a:rPr lang="it-IT" sz="2300" dirty="0"/>
-              <a:t> </a:t>
-            </a:r>
-            <a:r>
-              <a:rPr lang="it-IT" sz="2300" dirty="0" err="1"/>
-              <a:t>when</a:t>
-            </a:r>
-            <a:r>
-              <a:rPr lang="it-IT" sz="2300" dirty="0"/>
-              <a:t> queries </a:t>
-            </a:r>
-            <a:r>
-              <a:rPr lang="it-IT" sz="2300" dirty="0" err="1"/>
-              <a:t>lack</a:t>
-            </a:r>
-            <a:r>
-              <a:rPr lang="it-IT" sz="2300" dirty="0"/>
-              <a:t> of </a:t>
-            </a:r>
-            <a:r>
-              <a:rPr lang="it-IT" sz="2300" dirty="0" err="1"/>
-              <a:t>specific</a:t>
-            </a:r>
-            <a:r>
-              <a:rPr lang="it-IT" sz="2300" dirty="0"/>
-              <a:t> </a:t>
-            </a:r>
-            <a:r>
-              <a:rPr lang="it-IT" sz="2300" dirty="0" err="1"/>
-              <a:t>address</a:t>
-            </a:r>
-            <a:r>
-              <a:rPr lang="it-IT" sz="2300" dirty="0"/>
-              <a:t> or name information, </a:t>
-            </a:r>
-            <a:r>
-              <a:rPr lang="it-IT" sz="2300" dirty="0" err="1"/>
-              <a:t>it</a:t>
-            </a:r>
-            <a:r>
-              <a:rPr lang="it-IT" sz="2300" dirty="0"/>
-              <a:t> </a:t>
-            </a:r>
-            <a:r>
-              <a:rPr lang="it-IT" sz="2300" dirty="0" err="1"/>
-              <a:t>remains</a:t>
-            </a:r>
-            <a:r>
-              <a:rPr lang="it-IT" sz="2300" dirty="0"/>
-              <a:t> </a:t>
-            </a:r>
-            <a:r>
-              <a:rPr lang="it-IT" sz="2300" dirty="0" err="1"/>
-              <a:t>possible</a:t>
-            </a:r>
-            <a:r>
-              <a:rPr lang="it-IT" sz="2300" dirty="0"/>
-              <a:t> to re-</a:t>
-            </a:r>
-            <a:r>
-              <a:rPr lang="it-IT" sz="2300" dirty="0" err="1"/>
-              <a:t>identify</a:t>
-            </a:r>
-            <a:r>
-              <a:rPr lang="it-IT" sz="2300" dirty="0"/>
-              <a:t> a user, </a:t>
-            </a:r>
-            <a:r>
-              <a:rPr lang="it-IT" sz="2300" dirty="0" err="1"/>
-              <a:t>based</a:t>
-            </a:r>
-            <a:r>
-              <a:rPr lang="it-IT" sz="2300" dirty="0"/>
-              <a:t> on </a:t>
-            </a:r>
-            <a:r>
-              <a:rPr lang="it-IT" sz="2300" dirty="0" err="1"/>
-              <a:t>distincitve</a:t>
-            </a:r>
-            <a:r>
-              <a:rPr lang="it-IT" sz="2300" dirty="0"/>
-              <a:t> </a:t>
-            </a:r>
-            <a:r>
-              <a:rPr lang="it-IT" sz="2300" dirty="0" err="1"/>
-              <a:t>combinations</a:t>
-            </a:r>
-            <a:r>
-              <a:rPr lang="it-IT" sz="2300" dirty="0"/>
-              <a:t> of query </a:t>
-            </a:r>
-            <a:r>
-              <a:rPr lang="it-IT" sz="2300" dirty="0" err="1"/>
-              <a:t>terms</a:t>
-            </a:r>
-            <a:r>
-              <a:rPr lang="it-IT" sz="2300" dirty="0"/>
-              <a:t>.</a:t>
-            </a:r>
-            <a:endParaRPr lang="it-IT" sz="2200" dirty="0"/>
+              <a:rPr lang="en-IT" sz="7200" dirty="0"/>
+              <a:t>HKP COHERENCE</a:t>
+            </a:r>
           </a:p>
         </p:txBody>
       </p:sp>
     </p:spTree>
     <p:extLst>
       <p:ext uri="{BB962C8B-B14F-4D97-AF65-F5344CB8AC3E}">
-        <p14:creationId xmlns:p14="http://schemas.microsoft.com/office/powerpoint/2010/main" val="1703342593"/>
+        <p14:creationId xmlns:p14="http://schemas.microsoft.com/office/powerpoint/2010/main" val="187895764"/>
       </p:ext>
     </p:extLst>
   </p:cSld>
@@ -12852,6 +14587,399 @@
           <p:cNvPr id="2" name="Titolo 1">
             <a:extLst>
               <a:ext uri="{FF2B5EF4-FFF2-40B4-BE49-F238E27FC236}">
+                <a16:creationId xmlns:a16="http://schemas.microsoft.com/office/drawing/2014/main" id="{5B040558-A365-4CCE-92FA-5A48CD98F9C9}"/>
+              </a:ext>
+            </a:extLst>
+          </p:cNvPr>
+          <p:cNvSpPr>
+            <a:spLocks noGrp="1"/>
+          </p:cNvSpPr>
+          <p:nvPr>
+            <p:ph type="title"/>
+          </p:nvPr>
+        </p:nvSpPr>
+        <p:spPr>
+          <a:xfrm>
+            <a:off x="581192" y="702156"/>
+            <a:ext cx="11029616" cy="1013800"/>
+          </a:xfrm>
+        </p:spPr>
+        <p:txBody>
+          <a:bodyPr rtlCol="0" anchor="b">
+            <a:normAutofit/>
+          </a:bodyPr>
+          <a:lstStyle/>
+          <a:p>
+            <a:pPr rtl="0"/>
+            <a:r>
+              <a:rPr lang="it-IT" dirty="0">
+                <a:latin typeface="Berlin Sans FB" panose="020E0602020502020306" pitchFamily="34" charset="0"/>
+              </a:rPr>
+              <a:t>The </a:t>
+            </a:r>
+            <a:r>
+              <a:rPr lang="it-IT" dirty="0" err="1">
+                <a:latin typeface="Berlin Sans FB" panose="020E0602020502020306" pitchFamily="34" charset="0"/>
+              </a:rPr>
+              <a:t>Issue</a:t>
+            </a:r>
+            <a:endParaRPr lang="it-IT" dirty="0">
+              <a:latin typeface="Berlin Sans FB" panose="020E0602020502020306" pitchFamily="34" charset="0"/>
+            </a:endParaRPr>
+          </a:p>
+        </p:txBody>
+      </p:sp>
+      <p:sp>
+        <p:nvSpPr>
+          <p:cNvPr id="3" name="CasellaDiTesto 2">
+            <a:extLst>
+              <a:ext uri="{FF2B5EF4-FFF2-40B4-BE49-F238E27FC236}">
+                <a16:creationId xmlns:a16="http://schemas.microsoft.com/office/drawing/2014/main" id="{AD1DDE8B-1AED-E708-0583-8189E3AC1EE3}"/>
+              </a:ext>
+            </a:extLst>
+          </p:cNvPr>
+          <p:cNvSpPr txBox="1"/>
+          <p:nvPr/>
+        </p:nvSpPr>
+        <p:spPr>
+          <a:xfrm>
+            <a:off x="1512498" y="2664444"/>
+            <a:ext cx="9046234" cy="2923877"/>
+          </a:xfrm>
+          <a:prstGeom prst="rect">
+            <a:avLst/>
+          </a:prstGeom>
+          <a:noFill/>
+        </p:spPr>
+        <p:txBody>
+          <a:bodyPr wrap="square" rtlCol="0">
+            <a:spAutoFit/>
+          </a:bodyPr>
+          <a:lstStyle/>
+          <a:p>
+            <a:pPr algn="ctr"/>
+            <a:r>
+              <a:rPr lang="it-IT" sz="2300" b="1" i="1" dirty="0"/>
+              <a:t>By Paper (Example_1):</a:t>
+            </a:r>
+          </a:p>
+          <a:p>
+            <a:pPr algn="ctr"/>
+            <a:r>
+              <a:rPr lang="it-IT" sz="2300" dirty="0"/>
+              <a:t>AOL </a:t>
+            </a:r>
+            <a:r>
+              <a:rPr lang="it-IT" sz="2300" dirty="0" err="1"/>
+              <a:t>has</a:t>
+            </a:r>
+            <a:r>
+              <a:rPr lang="it-IT" sz="2300" dirty="0"/>
+              <a:t> </a:t>
+            </a:r>
+            <a:r>
+              <a:rPr lang="it-IT" sz="2300" dirty="0" err="1"/>
+              <a:t>recently</a:t>
+            </a:r>
+            <a:r>
+              <a:rPr lang="it-IT" sz="2300" dirty="0"/>
+              <a:t> made </a:t>
+            </a:r>
+            <a:r>
+              <a:rPr lang="it-IT" sz="2300" dirty="0" err="1"/>
+              <a:t>available</a:t>
+            </a:r>
+            <a:r>
+              <a:rPr lang="it-IT" sz="2300" dirty="0"/>
+              <a:t> a query logs database to the public, </a:t>
+            </a:r>
+            <a:r>
+              <a:rPr lang="it-IT" sz="2300" dirty="0" err="1"/>
+              <a:t>primarily</a:t>
+            </a:r>
+            <a:r>
+              <a:rPr lang="it-IT" sz="2300" dirty="0"/>
+              <a:t> for </a:t>
+            </a:r>
+            <a:r>
+              <a:rPr lang="it-IT" sz="2300" dirty="0" err="1"/>
+              <a:t>research</a:t>
+            </a:r>
+            <a:r>
+              <a:rPr lang="it-IT" sz="2300" dirty="0"/>
+              <a:t> </a:t>
+            </a:r>
+            <a:r>
+              <a:rPr lang="it-IT" sz="2300" dirty="0" err="1"/>
+              <a:t>purposes</a:t>
+            </a:r>
+            <a:r>
+              <a:rPr lang="it-IT" sz="2300" dirty="0"/>
+              <a:t>. </a:t>
+            </a:r>
+            <a:r>
+              <a:rPr lang="it-IT" sz="2300" dirty="0" err="1"/>
+              <a:t>Nevertheless</a:t>
+            </a:r>
+            <a:r>
+              <a:rPr lang="it-IT" sz="2300" dirty="0"/>
+              <a:t>, </a:t>
+            </a:r>
+            <a:r>
+              <a:rPr lang="it-IT" sz="2300" dirty="0" err="1"/>
+              <a:t>through</a:t>
+            </a:r>
+            <a:r>
+              <a:rPr lang="it-IT" sz="2300" dirty="0"/>
+              <a:t> the </a:t>
+            </a:r>
+            <a:r>
+              <a:rPr lang="it-IT" sz="2300" dirty="0" err="1"/>
+              <a:t>analysis</a:t>
+            </a:r>
+            <a:r>
+              <a:rPr lang="it-IT" sz="2300" dirty="0"/>
+              <a:t> of </a:t>
+            </a:r>
+            <a:r>
+              <a:rPr lang="it-IT" sz="2300" dirty="0" err="1"/>
+              <a:t>search</a:t>
+            </a:r>
+            <a:r>
+              <a:rPr lang="it-IT" sz="2300" dirty="0"/>
+              <a:t> items, the user </a:t>
+            </a:r>
+            <a:r>
+              <a:rPr lang="it-IT" sz="2300" dirty="0" err="1"/>
+              <a:t>identified</a:t>
+            </a:r>
+            <a:r>
+              <a:rPr lang="it-IT" sz="2300" dirty="0"/>
+              <a:t> </a:t>
+            </a:r>
+            <a:r>
+              <a:rPr lang="it-IT" sz="2300" dirty="0" err="1"/>
+              <a:t>as</a:t>
+            </a:r>
+            <a:r>
+              <a:rPr lang="it-IT" sz="2300" dirty="0"/>
+              <a:t> No. 4417749 </a:t>
+            </a:r>
+            <a:r>
+              <a:rPr lang="it-IT" sz="2300" dirty="0" err="1"/>
+              <a:t>was</a:t>
+            </a:r>
+            <a:r>
+              <a:rPr lang="it-IT" sz="2300" dirty="0"/>
+              <a:t> </a:t>
+            </a:r>
+            <a:r>
+              <a:rPr lang="it-IT" sz="2300" dirty="0" err="1"/>
+              <a:t>successfully</a:t>
+            </a:r>
+            <a:r>
+              <a:rPr lang="it-IT" sz="2300" dirty="0"/>
+              <a:t> </a:t>
+            </a:r>
+            <a:r>
+              <a:rPr lang="it-IT" sz="2300" dirty="0" err="1"/>
+              <a:t>linked</a:t>
+            </a:r>
+            <a:r>
+              <a:rPr lang="it-IT" sz="2300" dirty="0"/>
+              <a:t> to Thelma Arnold, a 62-year-old </a:t>
+            </a:r>
+            <a:r>
+              <a:rPr lang="it-IT" sz="2300" dirty="0" err="1"/>
+              <a:t>widow</a:t>
+            </a:r>
+            <a:r>
+              <a:rPr lang="it-IT" sz="2300" dirty="0"/>
+              <a:t> </a:t>
+            </a:r>
+            <a:r>
+              <a:rPr lang="it-IT" sz="2300" dirty="0" err="1"/>
+              <a:t>residing</a:t>
+            </a:r>
+            <a:r>
+              <a:rPr lang="it-IT" sz="2300" dirty="0"/>
+              <a:t> in </a:t>
+            </a:r>
+            <a:r>
+              <a:rPr lang="it-IT" sz="2300" dirty="0" err="1"/>
+              <a:t>Lilburn</a:t>
+            </a:r>
+            <a:r>
+              <a:rPr lang="it-IT" sz="2300" dirty="0"/>
+              <a:t>. </a:t>
+            </a:r>
+            <a:r>
+              <a:rPr lang="it-IT" sz="2300" dirty="0" err="1"/>
+              <a:t>This</a:t>
+            </a:r>
+            <a:r>
+              <a:rPr lang="it-IT" sz="2300" dirty="0"/>
+              <a:t> </a:t>
+            </a:r>
+            <a:r>
+              <a:rPr lang="it-IT" sz="2300" dirty="0" err="1"/>
+              <a:t>exemple</a:t>
+            </a:r>
+            <a:r>
+              <a:rPr lang="it-IT" sz="2300" dirty="0"/>
+              <a:t> show </a:t>
+            </a:r>
+            <a:r>
+              <a:rPr lang="it-IT" sz="2300" dirty="0" err="1"/>
+              <a:t>that</a:t>
+            </a:r>
+            <a:r>
+              <a:rPr lang="it-IT" sz="2300" dirty="0"/>
+              <a:t> </a:t>
+            </a:r>
+            <a:r>
+              <a:rPr lang="it-IT" sz="2300" dirty="0" err="1"/>
+              <a:t>even</a:t>
+            </a:r>
+            <a:r>
+              <a:rPr lang="it-IT" sz="2300" dirty="0"/>
+              <a:t> </a:t>
+            </a:r>
+            <a:r>
+              <a:rPr lang="it-IT" sz="2300" dirty="0" err="1"/>
+              <a:t>when</a:t>
+            </a:r>
+            <a:r>
+              <a:rPr lang="it-IT" sz="2300" dirty="0"/>
+              <a:t> queries </a:t>
+            </a:r>
+            <a:r>
+              <a:rPr lang="it-IT" sz="2300" dirty="0" err="1"/>
+              <a:t>lack</a:t>
+            </a:r>
+            <a:r>
+              <a:rPr lang="it-IT" sz="2300" dirty="0"/>
+              <a:t> of </a:t>
+            </a:r>
+            <a:r>
+              <a:rPr lang="it-IT" sz="2300" dirty="0" err="1"/>
+              <a:t>specific</a:t>
+            </a:r>
+            <a:r>
+              <a:rPr lang="it-IT" sz="2300" dirty="0"/>
+              <a:t> </a:t>
+            </a:r>
+            <a:r>
+              <a:rPr lang="it-IT" sz="2300" dirty="0" err="1"/>
+              <a:t>address</a:t>
+            </a:r>
+            <a:r>
+              <a:rPr lang="it-IT" sz="2300" dirty="0"/>
+              <a:t> or name information, </a:t>
+            </a:r>
+            <a:r>
+              <a:rPr lang="it-IT" sz="2300" dirty="0" err="1"/>
+              <a:t>it</a:t>
+            </a:r>
+            <a:r>
+              <a:rPr lang="it-IT" sz="2300" dirty="0"/>
+              <a:t> </a:t>
+            </a:r>
+            <a:r>
+              <a:rPr lang="it-IT" sz="2300" dirty="0" err="1"/>
+              <a:t>remains</a:t>
+            </a:r>
+            <a:r>
+              <a:rPr lang="it-IT" sz="2300" dirty="0"/>
+              <a:t> </a:t>
+            </a:r>
+            <a:r>
+              <a:rPr lang="it-IT" sz="2300" dirty="0" err="1"/>
+              <a:t>possible</a:t>
+            </a:r>
+            <a:r>
+              <a:rPr lang="it-IT" sz="2300" dirty="0"/>
+              <a:t> to re-</a:t>
+            </a:r>
+            <a:r>
+              <a:rPr lang="it-IT" sz="2300" dirty="0" err="1"/>
+              <a:t>identify</a:t>
+            </a:r>
+            <a:r>
+              <a:rPr lang="it-IT" sz="2300" dirty="0"/>
+              <a:t> a user, </a:t>
+            </a:r>
+            <a:r>
+              <a:rPr lang="it-IT" sz="2300" dirty="0" err="1"/>
+              <a:t>based</a:t>
+            </a:r>
+            <a:r>
+              <a:rPr lang="it-IT" sz="2300" dirty="0"/>
+              <a:t> on </a:t>
+            </a:r>
+            <a:r>
+              <a:rPr lang="it-IT" sz="2300" dirty="0" err="1"/>
+              <a:t>distincitve</a:t>
+            </a:r>
+            <a:r>
+              <a:rPr lang="it-IT" sz="2300" dirty="0"/>
+              <a:t> </a:t>
+            </a:r>
+            <a:r>
+              <a:rPr lang="it-IT" sz="2300" dirty="0" err="1"/>
+              <a:t>combinations</a:t>
+            </a:r>
+            <a:r>
+              <a:rPr lang="it-IT" sz="2300" dirty="0"/>
+              <a:t> of query </a:t>
+            </a:r>
+            <a:r>
+              <a:rPr lang="it-IT" sz="2300" dirty="0" err="1"/>
+              <a:t>terms</a:t>
+            </a:r>
+            <a:r>
+              <a:rPr lang="it-IT" sz="2300" dirty="0"/>
+              <a:t>.</a:t>
+            </a:r>
+            <a:endParaRPr lang="it-IT" sz="2200" dirty="0"/>
+          </a:p>
+        </p:txBody>
+      </p:sp>
+    </p:spTree>
+    <p:extLst>
+      <p:ext uri="{BB962C8B-B14F-4D97-AF65-F5344CB8AC3E}">
+        <p14:creationId xmlns:p14="http://schemas.microsoft.com/office/powerpoint/2010/main" val="1703342593"/>
+      </p:ext>
+    </p:extLst>
+  </p:cSld>
+  <p:clrMapOvr>
+    <a:masterClrMapping/>
+  </p:clrMapOvr>
+</p:sld>
+</file>
+
+<file path=ppt/slides/slide5.xml><?xml version="1.0" encoding="utf-8"?>
+<p:sld xmlns:a="http://schemas.openxmlformats.org/drawingml/2006/main" xmlns:r="http://schemas.openxmlformats.org/officeDocument/2006/relationships" xmlns:p="http://schemas.openxmlformats.org/presentationml/2006/main">
+  <p:cSld>
+    <p:spTree>
+      <p:nvGrpSpPr>
+        <p:cNvPr id="1" name=""/>
+        <p:cNvGrpSpPr/>
+        <p:nvPr/>
+      </p:nvGrpSpPr>
+      <p:grpSpPr>
+        <a:xfrm>
+          <a:off x="0" y="0"/>
+          <a:ext cx="0" cy="0"/>
+          <a:chOff x="0" y="0"/>
+          <a:chExt cx="0" cy="0"/>
+        </a:xfrm>
+      </p:grpSpPr>
+      <p:sp>
+        <p:nvSpPr>
+          <p:cNvPr id="2" name="Titolo 1">
+            <a:extLst>
+              <a:ext uri="{FF2B5EF4-FFF2-40B4-BE49-F238E27FC236}">
                 <a16:creationId xmlns:a16="http://schemas.microsoft.com/office/drawing/2014/main" id="{921633EB-7DCB-4DDC-80AF-C885A3EE1245}"/>
               </a:ext>
             </a:extLst>
@@ -12997,7 +15125,7 @@
 </p:sld>
 </file>
 
-<file path=ppt/slides/slide5.xml><?xml version="1.0" encoding="utf-8"?>
+<file path=ppt/slides/slide6.xml><?xml version="1.0" encoding="utf-8"?>
 <p:sld xmlns:a="http://schemas.openxmlformats.org/drawingml/2006/main" xmlns:r="http://schemas.openxmlformats.org/officeDocument/2006/relationships" xmlns:p="http://schemas.openxmlformats.org/presentationml/2006/main">
   <p:cSld>
     <p:spTree>
@@ -13136,7 +15264,7 @@
 </p:sld>
 </file>
 
-<file path=ppt/slides/slide6.xml><?xml version="1.0" encoding="utf-8"?>
+<file path=ppt/slides/slide7.xml><?xml version="1.0" encoding="utf-8"?>
 <p:sld xmlns:a="http://schemas.openxmlformats.org/drawingml/2006/main" xmlns:r="http://schemas.openxmlformats.org/officeDocument/2006/relationships" xmlns:p="http://schemas.openxmlformats.org/presentationml/2006/main">
   <p:cSld>
     <p:spTree>
@@ -13451,7 +15579,7 @@
 </p:sld>
 </file>
 
-<file path=ppt/slides/slide7.xml><?xml version="1.0" encoding="utf-8"?>
+<file path=ppt/slides/slide8.xml><?xml version="1.0" encoding="utf-8"?>
 <p:sld xmlns:a="http://schemas.openxmlformats.org/drawingml/2006/main" xmlns:r="http://schemas.openxmlformats.org/officeDocument/2006/relationships" xmlns:p="http://schemas.openxmlformats.org/presentationml/2006/main">
   <p:cSld>
     <p:spTree>
@@ -13763,438 +15891,6 @@
 </p:sld>
 </file>
 
-<file path=ppt/slides/slide8.xml><?xml version="1.0" encoding="utf-8"?>
-<p:sld xmlns:a="http://schemas.openxmlformats.org/drawingml/2006/main" xmlns:r="http://schemas.openxmlformats.org/officeDocument/2006/relationships" xmlns:p="http://schemas.openxmlformats.org/presentationml/2006/main">
-  <p:cSld>
-    <p:spTree>
-      <p:nvGrpSpPr>
-        <p:cNvPr id="1" name=""/>
-        <p:cNvGrpSpPr/>
-        <p:nvPr/>
-      </p:nvGrpSpPr>
-      <p:grpSpPr>
-        <a:xfrm>
-          <a:off x="0" y="0"/>
-          <a:ext cx="0" cy="0"/>
-          <a:chOff x="0" y="0"/>
-          <a:chExt cx="0" cy="0"/>
-        </a:xfrm>
-      </p:grpSpPr>
-      <p:sp>
-        <p:nvSpPr>
-          <p:cNvPr id="2" name="Titolo 1">
-            <a:extLst>
-              <a:ext uri="{FF2B5EF4-FFF2-40B4-BE49-F238E27FC236}">
-                <a16:creationId xmlns:a16="http://schemas.microsoft.com/office/drawing/2014/main" id="{921633EB-7DCB-4DDC-80AF-C885A3EE1245}"/>
-              </a:ext>
-            </a:extLst>
-          </p:cNvPr>
-          <p:cNvSpPr>
-            <a:spLocks noGrp="1"/>
-          </p:cNvSpPr>
-          <p:nvPr>
-            <p:ph type="title"/>
-          </p:nvPr>
-        </p:nvSpPr>
-        <p:spPr>
-          <a:xfrm>
-            <a:off x="581193" y="729658"/>
-            <a:ext cx="11029616" cy="988332"/>
-          </a:xfrm>
-        </p:spPr>
-        <p:txBody>
-          <a:bodyPr rtlCol="0" anchor="b">
-            <a:normAutofit/>
-          </a:bodyPr>
-          <a:lstStyle/>
-          <a:p>
-            <a:pPr rtl="0"/>
-            <a:r>
-              <a:rPr lang="it-IT" dirty="0" err="1">
-                <a:latin typeface="Berlin Sans FB" panose="020E0602020502020306" pitchFamily="34" charset="0"/>
-              </a:rPr>
-              <a:t>eliminating</a:t>
-            </a:r>
-            <a:r>
-              <a:rPr lang="it-IT" dirty="0">
-                <a:latin typeface="Berlin Sans FB" panose="020E0602020502020306" pitchFamily="34" charset="0"/>
-              </a:rPr>
-              <a:t> </a:t>
-            </a:r>
-            <a:r>
-              <a:rPr lang="it-IT" dirty="0" err="1">
-                <a:latin typeface="Berlin Sans FB" panose="020E0602020502020306" pitchFamily="34" charset="0"/>
-              </a:rPr>
-              <a:t>minimal</a:t>
-            </a:r>
-            <a:r>
-              <a:rPr lang="it-IT" dirty="0">
-                <a:latin typeface="Berlin Sans FB" panose="020E0602020502020306" pitchFamily="34" charset="0"/>
-              </a:rPr>
-              <a:t> </a:t>
-            </a:r>
-            <a:r>
-              <a:rPr lang="it-IT" dirty="0" err="1">
-                <a:latin typeface="Berlin Sans FB" panose="020E0602020502020306" pitchFamily="34" charset="0"/>
-              </a:rPr>
-              <a:t>moles</a:t>
-            </a:r>
-            <a:endParaRPr lang="it-IT" dirty="0">
-              <a:latin typeface="Berlin Sans FB" panose="020E0602020502020306" pitchFamily="34" charset="0"/>
-            </a:endParaRPr>
-          </a:p>
-        </p:txBody>
-      </p:sp>
-      <p:sp>
-        <p:nvSpPr>
-          <p:cNvPr id="3" name="TextBox 2">
-            <a:extLst>
-              <a:ext uri="{FF2B5EF4-FFF2-40B4-BE49-F238E27FC236}">
-                <a16:creationId xmlns:a16="http://schemas.microsoft.com/office/drawing/2014/main" id="{A280681A-505C-5942-DBAD-F4A3860666F8}"/>
-              </a:ext>
-            </a:extLst>
-          </p:cNvPr>
-          <p:cNvSpPr txBox="1"/>
-          <p:nvPr/>
-        </p:nvSpPr>
-        <p:spPr>
-          <a:xfrm>
-            <a:off x="3971676" y="2068030"/>
-            <a:ext cx="4248648" cy="461665"/>
-          </a:xfrm>
-          <a:prstGeom prst="rect">
-            <a:avLst/>
-          </a:prstGeom>
-          <a:noFill/>
-        </p:spPr>
-        <p:txBody>
-          <a:bodyPr wrap="square" rtlCol="0">
-            <a:spAutoFit/>
-          </a:bodyPr>
-          <a:lstStyle/>
-          <a:p>
-            <a:r>
-              <a:rPr lang="it-IT" sz="2400" dirty="0" err="1">
-                <a:latin typeface="Berlin Sans FB" panose="020E0602020502020306" pitchFamily="34" charset="77"/>
-              </a:rPr>
-              <a:t>Four</a:t>
-            </a:r>
-            <a:r>
-              <a:rPr lang="en-IT" sz="2400" dirty="0">
-                <a:latin typeface="Berlin Sans FB" panose="020E0602020502020306" pitchFamily="34" charset="77"/>
-              </a:rPr>
-              <a:t> different heuristic</a:t>
-            </a:r>
-            <a:r>
-              <a:rPr lang="it-IT" sz="2400" dirty="0" err="1">
-                <a:latin typeface="Berlin Sans FB" panose="020E0602020502020306" pitchFamily="34" charset="77"/>
-              </a:rPr>
-              <a:t>s</a:t>
-            </a:r>
-            <a:r>
-              <a:rPr lang="en-IT" sz="2400" dirty="0">
-                <a:latin typeface="Berlin Sans FB" panose="020E0602020502020306" pitchFamily="34" charset="77"/>
-              </a:rPr>
-              <a:t>:</a:t>
-            </a:r>
-          </a:p>
-        </p:txBody>
-      </p:sp>
-      <p:sp>
-        <p:nvSpPr>
-          <p:cNvPr id="5" name="TextBox 4">
-            <a:extLst>
-              <a:ext uri="{FF2B5EF4-FFF2-40B4-BE49-F238E27FC236}">
-                <a16:creationId xmlns:a16="http://schemas.microsoft.com/office/drawing/2014/main" id="{F269BA9F-4290-AC33-6382-6F5C4E59D7A7}"/>
-              </a:ext>
-            </a:extLst>
-          </p:cNvPr>
-          <p:cNvSpPr txBox="1"/>
-          <p:nvPr/>
-        </p:nvSpPr>
-        <p:spPr>
-          <a:xfrm>
-            <a:off x="134497" y="3554975"/>
-            <a:ext cx="2727297" cy="2862322"/>
-          </a:xfrm>
-          <a:prstGeom prst="rect">
-            <a:avLst/>
-          </a:prstGeom>
-          <a:noFill/>
-        </p:spPr>
-        <p:txBody>
-          <a:bodyPr wrap="square" rtlCol="0">
-            <a:spAutoFit/>
-          </a:bodyPr>
-          <a:lstStyle/>
-          <a:p>
-            <a:pPr algn="ctr"/>
-            <a:r>
-              <a:rPr lang="en-GB" b="1" dirty="0"/>
-              <a:t>Paper approach:</a:t>
-            </a:r>
-          </a:p>
-          <a:p>
-            <a:r>
-              <a:rPr lang="en-GB" dirty="0"/>
-              <a:t>Remove each time the element with the highest MM/IL ratio and repeat this operation until the dataset is anonymized.</a:t>
-            </a:r>
-          </a:p>
-          <a:p>
-            <a:endParaRPr lang="en-GB" dirty="0"/>
-          </a:p>
-          <a:p>
-            <a:r>
-              <a:rPr lang="en-GB" dirty="0"/>
-              <a:t>Pro: optimal solution</a:t>
-            </a:r>
-          </a:p>
-          <a:p>
-            <a:r>
-              <a:rPr lang="en-GB" dirty="0"/>
-              <a:t>Cons: high computational burden</a:t>
-            </a:r>
-            <a:endParaRPr lang="en-IT" dirty="0"/>
-          </a:p>
-        </p:txBody>
-      </p:sp>
-      <p:sp>
-        <p:nvSpPr>
-          <p:cNvPr id="7" name="TextBox 6">
-            <a:extLst>
-              <a:ext uri="{FF2B5EF4-FFF2-40B4-BE49-F238E27FC236}">
-                <a16:creationId xmlns:a16="http://schemas.microsoft.com/office/drawing/2014/main" id="{0BBE2EF8-F52D-A30C-3C7F-1AADBC548E5D}"/>
-              </a:ext>
-            </a:extLst>
-          </p:cNvPr>
-          <p:cNvSpPr txBox="1"/>
-          <p:nvPr/>
-        </p:nvSpPr>
-        <p:spPr>
-          <a:xfrm>
-            <a:off x="2472192" y="2529695"/>
-            <a:ext cx="7247615" cy="923330"/>
-          </a:xfrm>
-          <a:prstGeom prst="rect">
-            <a:avLst/>
-          </a:prstGeom>
-          <a:noFill/>
-        </p:spPr>
-        <p:txBody>
-          <a:bodyPr wrap="square" rtlCol="0">
-            <a:spAutoFit/>
-          </a:bodyPr>
-          <a:lstStyle/>
-          <a:p>
-            <a:r>
-              <a:rPr lang="en-IT" dirty="0"/>
-              <a:t>Let’s define:</a:t>
-            </a:r>
-          </a:p>
-          <a:p>
-            <a:pPr marL="285750" indent="-285750">
-              <a:buFont typeface="Arial" panose="020B0604020202020204" pitchFamily="34" charset="0"/>
-              <a:buChar char="•"/>
-            </a:pPr>
-            <a:r>
-              <a:rPr lang="en-IT" i="1" dirty="0"/>
-              <a:t>MM</a:t>
-            </a:r>
-            <a:r>
-              <a:rPr lang="en-IT" dirty="0"/>
-              <a:t> as the number of times an element appears in a minimal mole</a:t>
-            </a:r>
-          </a:p>
-          <a:p>
-            <a:pPr marL="285750" indent="-285750">
-              <a:buFont typeface="Arial" panose="020B0604020202020204" pitchFamily="34" charset="0"/>
-              <a:buChar char="•"/>
-            </a:pPr>
-            <a:r>
-              <a:rPr lang="en-IT" i="1" dirty="0"/>
-              <a:t>IL</a:t>
-            </a:r>
-            <a:r>
-              <a:rPr lang="en-IT" dirty="0"/>
-              <a:t> as the information lost by eliminating it</a:t>
-            </a:r>
-          </a:p>
-        </p:txBody>
-      </p:sp>
-      <p:sp>
-        <p:nvSpPr>
-          <p:cNvPr id="8" name="TextBox 7">
-            <a:extLst>
-              <a:ext uri="{FF2B5EF4-FFF2-40B4-BE49-F238E27FC236}">
-                <a16:creationId xmlns:a16="http://schemas.microsoft.com/office/drawing/2014/main" id="{28BE7400-72F4-E382-6A73-36E27FC0973F}"/>
-              </a:ext>
-            </a:extLst>
-          </p:cNvPr>
-          <p:cNvSpPr txBox="1"/>
-          <p:nvPr/>
-        </p:nvSpPr>
-        <p:spPr>
-          <a:xfrm>
-            <a:off x="3276513" y="3554975"/>
-            <a:ext cx="2727297" cy="3139321"/>
-          </a:xfrm>
-          <a:prstGeom prst="rect">
-            <a:avLst/>
-          </a:prstGeom>
-          <a:noFill/>
-        </p:spPr>
-        <p:txBody>
-          <a:bodyPr wrap="square" rtlCol="0">
-            <a:spAutoFit/>
-          </a:bodyPr>
-          <a:lstStyle/>
-          <a:p>
-            <a:pPr algn="ctr"/>
-            <a:r>
-              <a:rPr lang="en-GB" b="1" dirty="0"/>
-              <a:t>Half: </a:t>
-            </a:r>
-          </a:p>
-          <a:p>
-            <a:r>
-              <a:rPr lang="en-GB" dirty="0"/>
-              <a:t>Remove each time half of the public elements with the highest MM/IL ratio and continue this process until complete anonymization is achieved.</a:t>
-            </a:r>
-          </a:p>
-          <a:p>
-            <a:endParaRPr lang="en-GB" dirty="0"/>
-          </a:p>
-          <a:p>
-            <a:r>
-              <a:rPr lang="en-GB" dirty="0"/>
-              <a:t>Pros: High execution speed</a:t>
-            </a:r>
-          </a:p>
-          <a:p>
-            <a:r>
-              <a:rPr lang="en-GB" dirty="0"/>
-              <a:t>Cons: Overshooting information loss</a:t>
-            </a:r>
-            <a:endParaRPr lang="en-IT" dirty="0"/>
-          </a:p>
-        </p:txBody>
-      </p:sp>
-      <p:sp>
-        <p:nvSpPr>
-          <p:cNvPr id="9" name="TextBox 8">
-            <a:extLst>
-              <a:ext uri="{FF2B5EF4-FFF2-40B4-BE49-F238E27FC236}">
-                <a16:creationId xmlns:a16="http://schemas.microsoft.com/office/drawing/2014/main" id="{1973444E-6FFD-890E-FE8C-327F089157E0}"/>
-              </a:ext>
-            </a:extLst>
-          </p:cNvPr>
-          <p:cNvSpPr txBox="1"/>
-          <p:nvPr/>
-        </p:nvSpPr>
-        <p:spPr>
-          <a:xfrm>
-            <a:off x="6418529" y="3545656"/>
-            <a:ext cx="2727297" cy="3139321"/>
-          </a:xfrm>
-          <a:prstGeom prst="rect">
-            <a:avLst/>
-          </a:prstGeom>
-          <a:noFill/>
-        </p:spPr>
-        <p:txBody>
-          <a:bodyPr wrap="square" rtlCol="0">
-            <a:spAutoFit/>
-          </a:bodyPr>
-          <a:lstStyle/>
-          <a:p>
-            <a:pPr algn="ctr"/>
-            <a:r>
-              <a:rPr lang="en-GB" b="1" dirty="0"/>
-              <a:t>Top X:</a:t>
-            </a:r>
-          </a:p>
-          <a:p>
-            <a:r>
-              <a:rPr lang="en-GB" dirty="0"/>
-              <a:t>Remove each time the top X public elements with the highest MM/IL ratio and continue this operation until the dataset is fully anonymized.</a:t>
-            </a:r>
-          </a:p>
-          <a:p>
-            <a:endParaRPr lang="en-GB" dirty="0"/>
-          </a:p>
-          <a:p>
-            <a:r>
-              <a:rPr lang="en-GB" dirty="0"/>
-              <a:t>Execution speed and overshooting information loss can be adjusted at will.</a:t>
-            </a:r>
-            <a:endParaRPr lang="en-IT" dirty="0"/>
-          </a:p>
-        </p:txBody>
-      </p:sp>
-      <p:sp>
-        <p:nvSpPr>
-          <p:cNvPr id="4" name="TextBox 8">
-            <a:extLst>
-              <a:ext uri="{FF2B5EF4-FFF2-40B4-BE49-F238E27FC236}">
-                <a16:creationId xmlns:a16="http://schemas.microsoft.com/office/drawing/2014/main" id="{A13F815A-DF20-F5A8-D90A-4BF0A386B691}"/>
-              </a:ext>
-            </a:extLst>
-          </p:cNvPr>
-          <p:cNvSpPr txBox="1"/>
-          <p:nvPr/>
-        </p:nvSpPr>
-        <p:spPr>
-          <a:xfrm>
-            <a:off x="9560545" y="3554976"/>
-            <a:ext cx="2727297" cy="3139321"/>
-          </a:xfrm>
-          <a:prstGeom prst="rect">
-            <a:avLst/>
-          </a:prstGeom>
-          <a:noFill/>
-        </p:spPr>
-        <p:txBody>
-          <a:bodyPr wrap="square" rtlCol="0">
-            <a:spAutoFit/>
-          </a:bodyPr>
-          <a:lstStyle/>
-          <a:p>
-            <a:pPr algn="ctr"/>
-            <a:r>
-              <a:rPr lang="en-GB" b="1" dirty="0"/>
-              <a:t>Suppress all:</a:t>
-            </a:r>
-          </a:p>
-          <a:p>
-            <a:r>
-              <a:rPr lang="en-GB" dirty="0"/>
-              <a:t>Remove all the public items contained in a minimal mole.</a:t>
-            </a:r>
-          </a:p>
-          <a:p>
-            <a:endParaRPr lang="en-GB" dirty="0"/>
-          </a:p>
-          <a:p>
-            <a:r>
-              <a:rPr lang="en-GB" dirty="0"/>
-              <a:t>This operation anonymizes the dataset in a single iteration, making the execution speed dependent solely on the number of minimal moles. </a:t>
-            </a:r>
-          </a:p>
-        </p:txBody>
-      </p:sp>
-    </p:spTree>
-    <p:extLst>
-      <p:ext uri="{BB962C8B-B14F-4D97-AF65-F5344CB8AC3E}">
-        <p14:creationId xmlns:p14="http://schemas.microsoft.com/office/powerpoint/2010/main" val="1853275220"/>
-      </p:ext>
-    </p:extLst>
-  </p:cSld>
-  <p:clrMapOvr>
-    <a:masterClrMapping/>
-  </p:clrMapOvr>
-</p:sld>
-</file>
-
 <file path=ppt/slides/slide9.xml><?xml version="1.0" encoding="utf-8"?>
 <p:sld xmlns:a="http://schemas.openxmlformats.org/drawingml/2006/main" xmlns:r="http://schemas.openxmlformats.org/officeDocument/2006/relationships" xmlns:p="http://schemas.openxmlformats.org/presentationml/2006/main">
   <p:cSld>
@@ -14242,16 +15938,10 @@
           <a:p>
             <a:pPr rtl="0"/>
             <a:r>
-              <a:rPr lang="it-IT" dirty="0">
-                <a:latin typeface="Berlin Sans FB" panose="020E0602020502020306" pitchFamily="34" charset="0"/>
-              </a:rPr>
-              <a:t>Performance </a:t>
-            </a:r>
-            <a:r>
               <a:rPr lang="it-IT" dirty="0" err="1">
                 <a:latin typeface="Berlin Sans FB" panose="020E0602020502020306" pitchFamily="34" charset="0"/>
               </a:rPr>
-              <a:t>analysis</a:t>
+              <a:t>eliminating</a:t>
             </a:r>
             <a:r>
               <a:rPr lang="it-IT" dirty="0">
@@ -14263,7 +15953,19 @@
               <a:rPr lang="it-IT" dirty="0" err="1">
                 <a:latin typeface="Berlin Sans FB" panose="020E0602020502020306" pitchFamily="34" charset="0"/>
               </a:rPr>
-              <a:t>summary</a:t>
+              <a:t>minimal</a:t>
+            </a:r>
+            <a:r>
+              <a:rPr lang="it-IT" dirty="0">
+                <a:latin typeface="Berlin Sans FB" panose="020E0602020502020306" pitchFamily="34" charset="0"/>
+              </a:rPr>
+              <a:t> </a:t>
+            </a:r>
+            <a:r>
+              <a:rPr lang="it-IT" dirty="0" err="1">
+                <a:latin typeface="Berlin Sans FB" panose="020E0602020502020306" pitchFamily="34" charset="0"/>
+              </a:rPr>
+              <a:t>moles</a:t>
             </a:r>
             <a:endParaRPr lang="it-IT" dirty="0">
               <a:latin typeface="Berlin Sans FB" panose="020E0602020502020306" pitchFamily="34" charset="0"/>
@@ -14273,10 +15975,10 @@
       </p:sp>
       <p:sp>
         <p:nvSpPr>
-          <p:cNvPr id="5" name="TextBox 4">
+          <p:cNvPr id="3" name="TextBox 2">
             <a:extLst>
               <a:ext uri="{FF2B5EF4-FFF2-40B4-BE49-F238E27FC236}">
-                <a16:creationId xmlns:a16="http://schemas.microsoft.com/office/drawing/2014/main" id="{F697420F-18AE-88DA-ACAA-F806B3D53EF9}"/>
+                <a16:creationId xmlns:a16="http://schemas.microsoft.com/office/drawing/2014/main" id="{A280681A-505C-5942-DBAD-F4A3860666F8}"/>
               </a:ext>
             </a:extLst>
           </p:cNvPr>
@@ -14285,8 +15987,8 @@
         </p:nvSpPr>
         <p:spPr>
           <a:xfrm>
-            <a:off x="1327866" y="2435023"/>
-            <a:ext cx="2425148" cy="2585323"/>
+            <a:off x="3971676" y="2068030"/>
+            <a:ext cx="4248648" cy="461665"/>
           </a:xfrm>
           <a:prstGeom prst="rect">
             <a:avLst/>
@@ -14299,29 +16001,39 @@
           </a:bodyPr>
           <a:lstStyle/>
           <a:p>
-            <a:pPr algn="ctr"/>
-            <a:r>
-              <a:rPr lang="en-IT" b="1" dirty="0"/>
-              <a:t>Dataset</a:t>
-            </a:r>
-          </a:p>
-          <a:p>
-            <a:endParaRPr lang="en-IT" dirty="0"/>
-          </a:p>
-          <a:p>
-            <a:r>
-              <a:rPr lang="en-IT" dirty="0"/>
-              <a:t>The dataset used for performance analysis consists of 1000 rows, with 6 columns for public elements and 24 columns for private elements.</a:t>
+            <a:r>
+              <a:rPr lang="it-IT" sz="2400" dirty="0" err="1">
+                <a:latin typeface="Berlin Sans FB" panose="020E0602020502020306" pitchFamily="34" charset="77"/>
+              </a:rPr>
+              <a:t>Four</a:t>
+            </a:r>
+            <a:r>
+              <a:rPr lang="en-IT" sz="2400" dirty="0">
+                <a:latin typeface="Berlin Sans FB" panose="020E0602020502020306" pitchFamily="34" charset="77"/>
+              </a:rPr>
+              <a:t> different heuristic</a:t>
+            </a:r>
+            <a:r>
+              <a:rPr lang="it-IT" sz="2400" dirty="0" err="1">
+                <a:latin typeface="Berlin Sans FB" panose="020E0602020502020306" pitchFamily="34" charset="77"/>
+              </a:rPr>
+              <a:t>s</a:t>
+            </a:r>
+            <a:r>
+              <a:rPr lang="en-IT" sz="2400" dirty="0">
+                <a:latin typeface="Berlin Sans FB" panose="020E0602020502020306" pitchFamily="34" charset="77"/>
+              </a:rPr>
+              <a:t>:</a:t>
             </a:r>
           </a:p>
         </p:txBody>
       </p:sp>
       <p:sp>
         <p:nvSpPr>
-          <p:cNvPr id="6" name="TextBox 5">
+          <p:cNvPr id="5" name="TextBox 4">
             <a:extLst>
               <a:ext uri="{FF2B5EF4-FFF2-40B4-BE49-F238E27FC236}">
-                <a16:creationId xmlns:a16="http://schemas.microsoft.com/office/drawing/2014/main" id="{AE2D75B2-A088-EACC-97E0-6231382625EC}"/>
+                <a16:creationId xmlns:a16="http://schemas.microsoft.com/office/drawing/2014/main" id="{F269BA9F-4290-AC33-6382-6F5C4E59D7A7}"/>
               </a:ext>
             </a:extLst>
           </p:cNvPr>
@@ -14330,8 +16042,8 @@
         </p:nvSpPr>
         <p:spPr>
           <a:xfrm>
-            <a:off x="4711146" y="2435023"/>
-            <a:ext cx="2425148" cy="3693319"/>
+            <a:off x="134497" y="3554975"/>
+            <a:ext cx="2727297" cy="2862322"/>
           </a:xfrm>
           <a:prstGeom prst="rect">
             <a:avLst/>
@@ -14346,58 +16058,31 @@
           <a:p>
             <a:pPr algn="ctr"/>
             <a:r>
-              <a:rPr lang="en-IT" b="1" dirty="0"/>
-              <a:t>Interest</a:t>
-            </a:r>
-          </a:p>
-          <a:p>
+              <a:rPr lang="en-GB" b="1" dirty="0"/>
+              <a:t>Paper approach:</a:t>
+            </a:r>
+          </a:p>
+          <a:p>
+            <a:r>
+              <a:rPr lang="en-GB" dirty="0"/>
+              <a:t>Remove each time the element with the highest MM/IL ratio and repeat this operation until the dataset is anonymized.</a:t>
+            </a:r>
+          </a:p>
+          <a:p>
+            <a:endParaRPr lang="en-GB" dirty="0"/>
+          </a:p>
+          <a:p>
+            <a:r>
+              <a:rPr lang="en-GB" dirty="0"/>
+              <a:t>Pro: optimal solution</a:t>
+            </a:r>
+          </a:p>
+          <a:p>
+            <a:r>
+              <a:rPr lang="en-GB" dirty="0"/>
+              <a:t>Cons: high computational burden</a:t>
+            </a:r>
             <a:endParaRPr lang="en-IT" dirty="0"/>
-          </a:p>
-          <a:p>
-            <a:r>
-              <a:rPr lang="en-IT" dirty="0"/>
-              <a:t>Our objective was to assess the efficiency by varying h, k and p, using four different approaches for minimal moles elimination:</a:t>
-            </a:r>
-          </a:p>
-          <a:p>
-            <a:pPr marL="285750" indent="-285750">
-              <a:buFont typeface="Arial" panose="020B0604020202020204" pitchFamily="34" charset="0"/>
-              <a:buChar char="•"/>
-            </a:pPr>
-            <a:r>
-              <a:rPr lang="en-IT" dirty="0"/>
-              <a:t>One at a time</a:t>
-            </a:r>
-          </a:p>
-          <a:p>
-            <a:pPr marL="285750" indent="-285750">
-              <a:buFont typeface="Arial" panose="020B0604020202020204" pitchFamily="34" charset="0"/>
-              <a:buChar char="•"/>
-            </a:pPr>
-            <a:r>
-              <a:rPr lang="en-IT" dirty="0"/>
-              <a:t>Half of them</a:t>
-            </a:r>
-          </a:p>
-          <a:p>
-            <a:pPr marL="285750" indent="-285750">
-              <a:buFont typeface="Arial" panose="020B0604020202020204" pitchFamily="34" charset="0"/>
-              <a:buChar char="•"/>
-            </a:pPr>
-            <a:r>
-              <a:rPr lang="en-IT" dirty="0"/>
-              <a:t>All of them</a:t>
-            </a:r>
-          </a:p>
-          <a:p>
-            <a:pPr marL="285750" indent="-285750">
-              <a:buFont typeface="Arial" panose="020B0604020202020204" pitchFamily="34" charset="0"/>
-              <a:buChar char="•"/>
-            </a:pPr>
-            <a:r>
-              <a:rPr lang="en-IT" dirty="0"/>
-              <a:t>Only the first 10-15-20-25</a:t>
-            </a:r>
           </a:p>
         </p:txBody>
       </p:sp>
@@ -14406,7 +16091,7 @@
           <p:cNvPr id="7" name="TextBox 6">
             <a:extLst>
               <a:ext uri="{FF2B5EF4-FFF2-40B4-BE49-F238E27FC236}">
-                <a16:creationId xmlns:a16="http://schemas.microsoft.com/office/drawing/2014/main" id="{103674EC-4116-20E6-96B3-3ED43611354B}"/>
+                <a16:creationId xmlns:a16="http://schemas.microsoft.com/office/drawing/2014/main" id="{0BBE2EF8-F52D-A30C-3C7F-1AADBC548E5D}"/>
               </a:ext>
             </a:extLst>
           </p:cNvPr>
@@ -14415,8 +16100,8 @@
         </p:nvSpPr>
         <p:spPr>
           <a:xfrm>
-            <a:off x="8094426" y="2435023"/>
-            <a:ext cx="2425148" cy="3416320"/>
+            <a:off x="2472192" y="2529695"/>
+            <a:ext cx="7247615" cy="923330"/>
           </a:xfrm>
           <a:prstGeom prst="rect">
             <a:avLst/>
@@ -14429,19 +16114,198 @@
           </a:bodyPr>
           <a:lstStyle/>
           <a:p>
+            <a:r>
+              <a:rPr lang="en-IT" dirty="0"/>
+              <a:t>Let’s define:</a:t>
+            </a:r>
+          </a:p>
+          <a:p>
+            <a:pPr marL="285750" indent="-285750">
+              <a:buFont typeface="Arial" panose="020B0604020202020204" pitchFamily="34" charset="0"/>
+              <a:buChar char="•"/>
+            </a:pPr>
+            <a:r>
+              <a:rPr lang="en-IT" i="1" dirty="0"/>
+              <a:t>MM</a:t>
+            </a:r>
+            <a:r>
+              <a:rPr lang="en-IT" dirty="0"/>
+              <a:t> as the number of times an element appears in a minimal mole</a:t>
+            </a:r>
+          </a:p>
+          <a:p>
+            <a:pPr marL="285750" indent="-285750">
+              <a:buFont typeface="Arial" panose="020B0604020202020204" pitchFamily="34" charset="0"/>
+              <a:buChar char="•"/>
+            </a:pPr>
+            <a:r>
+              <a:rPr lang="en-IT" i="1" dirty="0"/>
+              <a:t>IL</a:t>
+            </a:r>
+            <a:r>
+              <a:rPr lang="en-IT" dirty="0"/>
+              <a:t> as the information lost by eliminating it</a:t>
+            </a:r>
+          </a:p>
+        </p:txBody>
+      </p:sp>
+      <p:sp>
+        <p:nvSpPr>
+          <p:cNvPr id="8" name="TextBox 7">
+            <a:extLst>
+              <a:ext uri="{FF2B5EF4-FFF2-40B4-BE49-F238E27FC236}">
+                <a16:creationId xmlns:a16="http://schemas.microsoft.com/office/drawing/2014/main" id="{28BE7400-72F4-E382-6A73-36E27FC0973F}"/>
+              </a:ext>
+            </a:extLst>
+          </p:cNvPr>
+          <p:cNvSpPr txBox="1"/>
+          <p:nvPr/>
+        </p:nvSpPr>
+        <p:spPr>
+          <a:xfrm>
+            <a:off x="3276513" y="3554975"/>
+            <a:ext cx="2727297" cy="3139321"/>
+          </a:xfrm>
+          <a:prstGeom prst="rect">
+            <a:avLst/>
+          </a:prstGeom>
+          <a:noFill/>
+        </p:spPr>
+        <p:txBody>
+          <a:bodyPr wrap="square" rtlCol="0">
+            <a:spAutoFit/>
+          </a:bodyPr>
+          <a:lstStyle/>
+          <a:p>
             <a:pPr algn="ctr"/>
             <a:r>
-              <a:rPr lang="en-IT" b="1" dirty="0"/>
-              <a:t>Method</a:t>
-            </a:r>
-          </a:p>
-          <a:p>
+              <a:rPr lang="en-GB" b="1" dirty="0"/>
+              <a:t>Half: </a:t>
+            </a:r>
+          </a:p>
+          <a:p>
+            <a:r>
+              <a:rPr lang="en-GB" dirty="0"/>
+              <a:t>Remove each time half of the public elements with the highest MM/IL ratio and continue this process until complete anonymization is achieved.</a:t>
+            </a:r>
+          </a:p>
+          <a:p>
+            <a:endParaRPr lang="en-GB" dirty="0"/>
+          </a:p>
+          <a:p>
+            <a:r>
+              <a:rPr lang="en-GB" dirty="0"/>
+              <a:t>Pros: High execution speed</a:t>
+            </a:r>
+          </a:p>
+          <a:p>
+            <a:r>
+              <a:rPr lang="en-GB" dirty="0"/>
+              <a:t>Cons: Overshooting information loss</a:t>
+            </a:r>
             <a:endParaRPr lang="en-IT" dirty="0"/>
           </a:p>
-          <a:p>
-            <a:r>
-              <a:rPr lang="en-IT" dirty="0"/>
-              <a:t>We employed a Python notebook to execute the script with diverse heuristic and of h, k and p values, saving the performance data. Subsequently, we used these results to generate statistics and visual representations</a:t>
+        </p:txBody>
+      </p:sp>
+      <p:sp>
+        <p:nvSpPr>
+          <p:cNvPr id="9" name="TextBox 8">
+            <a:extLst>
+              <a:ext uri="{FF2B5EF4-FFF2-40B4-BE49-F238E27FC236}">
+                <a16:creationId xmlns:a16="http://schemas.microsoft.com/office/drawing/2014/main" id="{1973444E-6FFD-890E-FE8C-327F089157E0}"/>
+              </a:ext>
+            </a:extLst>
+          </p:cNvPr>
+          <p:cNvSpPr txBox="1"/>
+          <p:nvPr/>
+        </p:nvSpPr>
+        <p:spPr>
+          <a:xfrm>
+            <a:off x="6418529" y="3545656"/>
+            <a:ext cx="2727297" cy="3139321"/>
+          </a:xfrm>
+          <a:prstGeom prst="rect">
+            <a:avLst/>
+          </a:prstGeom>
+          <a:noFill/>
+        </p:spPr>
+        <p:txBody>
+          <a:bodyPr wrap="square" rtlCol="0">
+            <a:spAutoFit/>
+          </a:bodyPr>
+          <a:lstStyle/>
+          <a:p>
+            <a:pPr algn="ctr"/>
+            <a:r>
+              <a:rPr lang="en-GB" b="1" dirty="0"/>
+              <a:t>Top X:</a:t>
+            </a:r>
+          </a:p>
+          <a:p>
+            <a:r>
+              <a:rPr lang="en-GB" dirty="0"/>
+              <a:t>Remove each time the top X public elements with the highest MM/IL ratio and continue this operation until the dataset is fully anonymized.</a:t>
+            </a:r>
+          </a:p>
+          <a:p>
+            <a:endParaRPr lang="en-GB" dirty="0"/>
+          </a:p>
+          <a:p>
+            <a:r>
+              <a:rPr lang="en-GB" dirty="0"/>
+              <a:t>Execution speed and overshooting information loss can be adjusted at will.</a:t>
+            </a:r>
+            <a:endParaRPr lang="en-IT" dirty="0"/>
+          </a:p>
+        </p:txBody>
+      </p:sp>
+      <p:sp>
+        <p:nvSpPr>
+          <p:cNvPr id="4" name="TextBox 8">
+            <a:extLst>
+              <a:ext uri="{FF2B5EF4-FFF2-40B4-BE49-F238E27FC236}">
+                <a16:creationId xmlns:a16="http://schemas.microsoft.com/office/drawing/2014/main" id="{A13F815A-DF20-F5A8-D90A-4BF0A386B691}"/>
+              </a:ext>
+            </a:extLst>
+          </p:cNvPr>
+          <p:cNvSpPr txBox="1"/>
+          <p:nvPr/>
+        </p:nvSpPr>
+        <p:spPr>
+          <a:xfrm>
+            <a:off x="9560545" y="3554976"/>
+            <a:ext cx="2727297" cy="3139321"/>
+          </a:xfrm>
+          <a:prstGeom prst="rect">
+            <a:avLst/>
+          </a:prstGeom>
+          <a:noFill/>
+        </p:spPr>
+        <p:txBody>
+          <a:bodyPr wrap="square" rtlCol="0">
+            <a:spAutoFit/>
+          </a:bodyPr>
+          <a:lstStyle/>
+          <a:p>
+            <a:pPr algn="ctr"/>
+            <a:r>
+              <a:rPr lang="en-GB" b="1" dirty="0"/>
+              <a:t>Suppress all:</a:t>
+            </a:r>
+          </a:p>
+          <a:p>
+            <a:r>
+              <a:rPr lang="en-GB" dirty="0"/>
+              <a:t>Remove all the public items contained in a minimal mole.</a:t>
+            </a:r>
+          </a:p>
+          <a:p>
+            <a:endParaRPr lang="en-GB" dirty="0"/>
+          </a:p>
+          <a:p>
+            <a:r>
+              <a:rPr lang="en-GB" dirty="0"/>
+              <a:t>This operation anonymizes the dataset in a single iteration, making the execution speed dependent solely on the number of minimal moles. </a:t>
             </a:r>
           </a:p>
         </p:txBody>
@@ -14449,7 +16313,7 @@
     </p:spTree>
     <p:extLst>
       <p:ext uri="{BB962C8B-B14F-4D97-AF65-F5344CB8AC3E}">
-        <p14:creationId xmlns:p14="http://schemas.microsoft.com/office/powerpoint/2010/main" val="516741644"/>
+        <p14:creationId xmlns:p14="http://schemas.microsoft.com/office/powerpoint/2010/main" val="1853275220"/>
       </p:ext>
     </p:extLst>
   </p:cSld>

--- a/Data Protection & Privacy.pptx
+++ b/Data Protection & Privacy.pptx
@@ -5,10 +5,10 @@
     <p:sldMasterId id="2147483672" r:id="rId1"/>
   </p:sldMasterIdLst>
   <p:notesMasterIdLst>
-    <p:notesMasterId r:id="rId26"/>
+    <p:notesMasterId r:id="rId25"/>
   </p:notesMasterIdLst>
   <p:handoutMasterIdLst>
-    <p:handoutMasterId r:id="rId27"/>
+    <p:handoutMasterId r:id="rId26"/>
   </p:handoutMasterIdLst>
   <p:sldIdLst>
     <p:sldId id="256" r:id="rId2"/>
@@ -23,18 +23,17 @@
     <p:sldId id="276" r:id="rId11"/>
     <p:sldId id="280" r:id="rId12"/>
     <p:sldId id="281" r:id="rId13"/>
-    <p:sldId id="282" r:id="rId14"/>
-    <p:sldId id="283" r:id="rId15"/>
-    <p:sldId id="277" r:id="rId16"/>
-    <p:sldId id="264" r:id="rId17"/>
-    <p:sldId id="265" r:id="rId18"/>
-    <p:sldId id="267" r:id="rId19"/>
-    <p:sldId id="269" r:id="rId20"/>
-    <p:sldId id="272" r:id="rId21"/>
-    <p:sldId id="270" r:id="rId22"/>
-    <p:sldId id="271" r:id="rId23"/>
-    <p:sldId id="273" r:id="rId24"/>
-    <p:sldId id="260" r:id="rId25"/>
+    <p:sldId id="283" r:id="rId14"/>
+    <p:sldId id="277" r:id="rId15"/>
+    <p:sldId id="264" r:id="rId16"/>
+    <p:sldId id="265" r:id="rId17"/>
+    <p:sldId id="267" r:id="rId18"/>
+    <p:sldId id="269" r:id="rId19"/>
+    <p:sldId id="272" r:id="rId20"/>
+    <p:sldId id="270" r:id="rId21"/>
+    <p:sldId id="271" r:id="rId22"/>
+    <p:sldId id="273" r:id="rId23"/>
+    <p:sldId id="260" r:id="rId24"/>
   </p:sldIdLst>
   <p:sldSz cx="12192000" cy="6858000"/>
   <p:notesSz cx="6858000" cy="9144000"/>
@@ -4738,7 +4737,7 @@
     </p:spTree>
     <p:extLst>
       <p:ext uri="{BB962C8B-B14F-4D97-AF65-F5344CB8AC3E}">
-        <p14:creationId xmlns:p14="http://schemas.microsoft.com/office/powerpoint/2010/main" val="1589208842"/>
+        <p14:creationId xmlns:p14="http://schemas.microsoft.com/office/powerpoint/2010/main" val="2019263183"/>
       </p:ext>
     </p:extLst>
   </p:cSld>
@@ -4814,7 +4813,7 @@
             <a:pPr rtl="0"/>
             <a:fld id="{C6B3AB32-59DF-41F1-9618-EDFBF5049629}" type="slidenum">
               <a:rPr lang="it-IT" smtClean="0"/>
-              <a:t>14</a:t>
+              <a:t>15</a:t>
             </a:fld>
             <a:endParaRPr lang="it-IT"/>
           </a:p>
@@ -4823,7 +4822,7 @@
     </p:spTree>
     <p:extLst>
       <p:ext uri="{BB962C8B-B14F-4D97-AF65-F5344CB8AC3E}">
-        <p14:creationId xmlns:p14="http://schemas.microsoft.com/office/powerpoint/2010/main" val="2019263183"/>
+        <p14:creationId xmlns:p14="http://schemas.microsoft.com/office/powerpoint/2010/main" val="2846014371"/>
       </p:ext>
     </p:extLst>
   </p:cSld>
@@ -4908,7 +4907,7 @@
     </p:spTree>
     <p:extLst>
       <p:ext uri="{BB962C8B-B14F-4D97-AF65-F5344CB8AC3E}">
-        <p14:creationId xmlns:p14="http://schemas.microsoft.com/office/powerpoint/2010/main" val="2846014371"/>
+        <p14:creationId xmlns:p14="http://schemas.microsoft.com/office/powerpoint/2010/main" val="2887122870"/>
       </p:ext>
     </p:extLst>
   </p:cSld>
@@ -4993,7 +4992,7 @@
     </p:spTree>
     <p:extLst>
       <p:ext uri="{BB962C8B-B14F-4D97-AF65-F5344CB8AC3E}">
-        <p14:creationId xmlns:p14="http://schemas.microsoft.com/office/powerpoint/2010/main" val="2887122870"/>
+        <p14:creationId xmlns:p14="http://schemas.microsoft.com/office/powerpoint/2010/main" val="4260324980"/>
       </p:ext>
     </p:extLst>
   </p:cSld>
@@ -5078,7 +5077,7 @@
     </p:spTree>
     <p:extLst>
       <p:ext uri="{BB962C8B-B14F-4D97-AF65-F5344CB8AC3E}">
-        <p14:creationId xmlns:p14="http://schemas.microsoft.com/office/powerpoint/2010/main" val="4260324980"/>
+        <p14:creationId xmlns:p14="http://schemas.microsoft.com/office/powerpoint/2010/main" val="1840079373"/>
       </p:ext>
     </p:extLst>
   </p:cSld>
@@ -5163,7 +5162,7 @@
     </p:spTree>
     <p:extLst>
       <p:ext uri="{BB962C8B-B14F-4D97-AF65-F5344CB8AC3E}">
-        <p14:creationId xmlns:p14="http://schemas.microsoft.com/office/powerpoint/2010/main" val="1840079373"/>
+        <p14:creationId xmlns:p14="http://schemas.microsoft.com/office/powerpoint/2010/main" val="1383731871"/>
       </p:ext>
     </p:extLst>
   </p:cSld>
@@ -5248,7 +5247,7 @@
     </p:spTree>
     <p:extLst>
       <p:ext uri="{BB962C8B-B14F-4D97-AF65-F5344CB8AC3E}">
-        <p14:creationId xmlns:p14="http://schemas.microsoft.com/office/powerpoint/2010/main" val="1383731871"/>
+        <p14:creationId xmlns:p14="http://schemas.microsoft.com/office/powerpoint/2010/main" val="2756237790"/>
       </p:ext>
     </p:extLst>
   </p:cSld>
@@ -5333,7 +5332,7 @@
     </p:spTree>
     <p:extLst>
       <p:ext uri="{BB962C8B-B14F-4D97-AF65-F5344CB8AC3E}">
-        <p14:creationId xmlns:p14="http://schemas.microsoft.com/office/powerpoint/2010/main" val="2756237790"/>
+        <p14:creationId xmlns:p14="http://schemas.microsoft.com/office/powerpoint/2010/main" val="3357230225"/>
       </p:ext>
     </p:extLst>
   </p:cSld>
@@ -5418,7 +5417,7 @@
     </p:spTree>
     <p:extLst>
       <p:ext uri="{BB962C8B-B14F-4D97-AF65-F5344CB8AC3E}">
-        <p14:creationId xmlns:p14="http://schemas.microsoft.com/office/powerpoint/2010/main" val="3357230225"/>
+        <p14:creationId xmlns:p14="http://schemas.microsoft.com/office/powerpoint/2010/main" val="733612479"/>
       </p:ext>
     </p:extLst>
   </p:cSld>
@@ -5555,10 +5554,11 @@
         </p:nvSpPr>
         <p:spPr/>
         <p:txBody>
-          <a:bodyPr/>
+          <a:bodyPr rtlCol="0"/>
           <a:lstStyle/>
           <a:p>
-            <a:endParaRPr lang="it-IT" dirty="0"/>
+            <a:pPr rtl="0"/>
+            <a:endParaRPr lang="it-IT"/>
           </a:p>
         </p:txBody>
       </p:sp>
@@ -5574,99 +5574,13 @@
         </p:nvSpPr>
         <p:spPr/>
         <p:txBody>
-          <a:bodyPr/>
+          <a:bodyPr rtlCol="0"/>
           <a:lstStyle/>
           <a:p>
             <a:pPr rtl="0"/>
             <a:fld id="{C6B3AB32-59DF-41F1-9618-EDFBF5049629}" type="slidenum">
               <a:rPr lang="it-IT" smtClean="0"/>
               <a:t>23</a:t>
-            </a:fld>
-            <a:endParaRPr lang="it-IT"/>
-          </a:p>
-        </p:txBody>
-      </p:sp>
-    </p:spTree>
-    <p:extLst>
-      <p:ext uri="{BB962C8B-B14F-4D97-AF65-F5344CB8AC3E}">
-        <p14:creationId xmlns:p14="http://schemas.microsoft.com/office/powerpoint/2010/main" val="733612479"/>
-      </p:ext>
-    </p:extLst>
-  </p:cSld>
-  <p:clrMapOvr>
-    <a:masterClrMapping/>
-  </p:clrMapOvr>
-</p:notes>
-</file>
-
-<file path=ppt/notesSlides/notesSlide21.xml><?xml version="1.0" encoding="utf-8"?>
-<p:notes xmlns:a="http://schemas.openxmlformats.org/drawingml/2006/main" xmlns:r="http://schemas.openxmlformats.org/officeDocument/2006/relationships" xmlns:p="http://schemas.openxmlformats.org/presentationml/2006/main">
-  <p:cSld>
-    <p:spTree>
-      <p:nvGrpSpPr>
-        <p:cNvPr id="1" name=""/>
-        <p:cNvGrpSpPr/>
-        <p:nvPr/>
-      </p:nvGrpSpPr>
-      <p:grpSpPr>
-        <a:xfrm>
-          <a:off x="0" y="0"/>
-          <a:ext cx="0" cy="0"/>
-          <a:chOff x="0" y="0"/>
-          <a:chExt cx="0" cy="0"/>
-        </a:xfrm>
-      </p:grpSpPr>
-      <p:sp>
-        <p:nvSpPr>
-          <p:cNvPr id="2" name="Segnaposto immagine diapositiva 1"/>
-          <p:cNvSpPr>
-            <a:spLocks noGrp="1" noRot="1" noChangeAspect="1"/>
-          </p:cNvSpPr>
-          <p:nvPr>
-            <p:ph type="sldImg"/>
-          </p:nvPr>
-        </p:nvSpPr>
-        <p:spPr/>
-      </p:sp>
-      <p:sp>
-        <p:nvSpPr>
-          <p:cNvPr id="3" name="Segnaposto note 2"/>
-          <p:cNvSpPr>
-            <a:spLocks noGrp="1"/>
-          </p:cNvSpPr>
-          <p:nvPr>
-            <p:ph type="body" idx="1"/>
-          </p:nvPr>
-        </p:nvSpPr>
-        <p:spPr/>
-        <p:txBody>
-          <a:bodyPr rtlCol="0"/>
-          <a:lstStyle/>
-          <a:p>
-            <a:pPr rtl="0"/>
-            <a:endParaRPr lang="it-IT"/>
-          </a:p>
-        </p:txBody>
-      </p:sp>
-      <p:sp>
-        <p:nvSpPr>
-          <p:cNvPr id="4" name="Segnaposto numero diapositiva 3"/>
-          <p:cNvSpPr>
-            <a:spLocks noGrp="1"/>
-          </p:cNvSpPr>
-          <p:nvPr>
-            <p:ph type="sldNum" sz="quarter" idx="5"/>
-          </p:nvPr>
-        </p:nvSpPr>
-        <p:spPr/>
-        <p:txBody>
-          <a:bodyPr rtlCol="0"/>
-          <a:lstStyle/>
-          <a:p>
-            <a:pPr rtl="0"/>
-            <a:fld id="{C6B3AB32-59DF-41F1-9618-EDFBF5049629}" type="slidenum">
-              <a:rPr lang="it-IT" smtClean="0"/>
-              <a:t>24</a:t>
             </a:fld>
             <a:endParaRPr lang="it-IT"/>
           </a:p>
@@ -11308,328 +11222,6 @@
         </p:nvSpPr>
         <p:spPr>
           <a:xfrm>
-            <a:off x="825519" y="1930345"/>
-            <a:ext cx="10785290" cy="923330"/>
-          </a:xfrm>
-          <a:prstGeom prst="rect">
-            <a:avLst/>
-          </a:prstGeom>
-          <a:noFill/>
-        </p:spPr>
-        <p:txBody>
-          <a:bodyPr wrap="square" rtlCol="0">
-            <a:spAutoFit/>
-          </a:bodyPr>
-          <a:lstStyle/>
-          <a:p>
-            <a:r>
-              <a:rPr lang="en-GB" dirty="0">
-                <a:effectLst/>
-                <a:latin typeface="Berlin Sans FB" panose="020E0602020502020306" pitchFamily="34" charset="77"/>
-              </a:rPr>
-              <a:t>The 'Suppress MM' function computes the MM/IL ratio and arranges the elements in descending order of this ratio. It then invokes the 'm' method to suppress the moles. In the main program, this function is iteratively called until no more minimal moles remain in the dataset, and corresponding logs and prints are generated.</a:t>
-            </a:r>
-          </a:p>
-        </p:txBody>
-      </p:sp>
-      <p:pic>
-        <p:nvPicPr>
-          <p:cNvPr id="5" name="Picture 4" descr="A screen shot of a computer code&#10;&#10;Description automatically generated">
-            <a:extLst>
-              <a:ext uri="{FF2B5EF4-FFF2-40B4-BE49-F238E27FC236}">
-                <a16:creationId xmlns:a16="http://schemas.microsoft.com/office/drawing/2014/main" id="{04E4936B-4C76-CDEF-6A4E-BB9766C10D2D}"/>
-              </a:ext>
-            </a:extLst>
-          </p:cNvPr>
-          <p:cNvPicPr>
-            <a:picLocks noChangeAspect="1"/>
-          </p:cNvPicPr>
-          <p:nvPr/>
-        </p:nvPicPr>
-        <p:blipFill rotWithShape="1">
-          <a:blip r:embed="rId3"/>
-          <a:srcRect l="1893" r="1787" b="9297"/>
-          <a:stretch/>
-        </p:blipFill>
-        <p:spPr>
-          <a:xfrm>
-            <a:off x="226242" y="3744263"/>
-            <a:ext cx="5712644" cy="2522727"/>
-          </a:xfrm>
-          <a:prstGeom prst="roundRect">
-            <a:avLst>
-              <a:gd name="adj" fmla="val 16667"/>
-            </a:avLst>
-          </a:prstGeom>
-          <a:ln>
-            <a:noFill/>
-          </a:ln>
-          <a:effectLst>
-            <a:outerShdw blurRad="76200" dist="38100" dir="7800000" algn="tl" rotWithShape="0">
-              <a:srgbClr val="000000">
-                <a:alpha val="40000"/>
-              </a:srgbClr>
-            </a:outerShdw>
-          </a:effectLst>
-          <a:scene3d>
-            <a:camera prst="orthographicFront"/>
-            <a:lightRig rig="contrasting" dir="t">
-              <a:rot lat="0" lon="0" rev="4200000"/>
-            </a:lightRig>
-          </a:scene3d>
-          <a:sp3d prstMaterial="plastic">
-            <a:bevelT w="381000" h="114300" prst="relaxedInset"/>
-            <a:contourClr>
-              <a:srgbClr val="969696"/>
-            </a:contourClr>
-          </a:sp3d>
-        </p:spPr>
-      </p:pic>
-      <p:pic>
-        <p:nvPicPr>
-          <p:cNvPr id="7" name="Picture 6" descr="A computer screen with text&#10;&#10;Description automatically generated">
-            <a:extLst>
-              <a:ext uri="{FF2B5EF4-FFF2-40B4-BE49-F238E27FC236}">
-                <a16:creationId xmlns:a16="http://schemas.microsoft.com/office/drawing/2014/main" id="{F758F867-397C-6618-E328-23D2C0229910}"/>
-              </a:ext>
-            </a:extLst>
-          </p:cNvPr>
-          <p:cNvPicPr>
-            <a:picLocks noChangeAspect="1"/>
-          </p:cNvPicPr>
-          <p:nvPr/>
-        </p:nvPicPr>
-        <p:blipFill rotWithShape="1">
-          <a:blip r:embed="rId4"/>
-          <a:srcRect l="1960" r="2739"/>
-          <a:stretch/>
-        </p:blipFill>
-        <p:spPr>
-          <a:xfrm>
-            <a:off x="6715029" y="3519727"/>
-            <a:ext cx="5143891" cy="2971800"/>
-          </a:xfrm>
-          <a:prstGeom prst="roundRect">
-            <a:avLst>
-              <a:gd name="adj" fmla="val 16667"/>
-            </a:avLst>
-          </a:prstGeom>
-          <a:ln>
-            <a:noFill/>
-          </a:ln>
-          <a:effectLst>
-            <a:outerShdw blurRad="76200" dist="38100" dir="7800000" algn="tl" rotWithShape="0">
-              <a:srgbClr val="000000">
-                <a:alpha val="40000"/>
-              </a:srgbClr>
-            </a:outerShdw>
-          </a:effectLst>
-          <a:scene3d>
-            <a:camera prst="orthographicFront"/>
-            <a:lightRig rig="contrasting" dir="t">
-              <a:rot lat="0" lon="0" rev="4200000"/>
-            </a:lightRig>
-          </a:scene3d>
-          <a:sp3d prstMaterial="plastic">
-            <a:bevelT w="381000" h="114300" prst="relaxedInset"/>
-            <a:contourClr>
-              <a:srgbClr val="969696"/>
-            </a:contourClr>
-          </a:sp3d>
-        </p:spPr>
-      </p:pic>
-      <p:sp>
-        <p:nvSpPr>
-          <p:cNvPr id="11" name="TextBox 10">
-            <a:extLst>
-              <a:ext uri="{FF2B5EF4-FFF2-40B4-BE49-F238E27FC236}">
-                <a16:creationId xmlns:a16="http://schemas.microsoft.com/office/drawing/2014/main" id="{1F03138C-DFB4-971B-9C6B-444001AB8E44}"/>
-              </a:ext>
-            </a:extLst>
-          </p:cNvPr>
-          <p:cNvSpPr txBox="1"/>
-          <p:nvPr/>
-        </p:nvSpPr>
-        <p:spPr>
-          <a:xfrm>
-            <a:off x="2347274" y="3335061"/>
-            <a:ext cx="1913641" cy="369332"/>
-          </a:xfrm>
-          <a:prstGeom prst="rect">
-            <a:avLst/>
-          </a:prstGeom>
-          <a:noFill/>
-        </p:spPr>
-        <p:txBody>
-          <a:bodyPr wrap="square" rtlCol="0">
-            <a:spAutoFit/>
-          </a:bodyPr>
-          <a:lstStyle/>
-          <a:p>
-            <a:r>
-              <a:rPr lang="en-GB" b="1" dirty="0">
-                <a:latin typeface="Berlin Sans FB" panose="020E0602020502020306" pitchFamily="34" charset="77"/>
-              </a:rPr>
-              <a:t>H</a:t>
-            </a:r>
-            <a:r>
-              <a:rPr lang="en-IT" b="1" dirty="0">
-                <a:latin typeface="Berlin Sans FB" panose="020E0602020502020306" pitchFamily="34" charset="77"/>
-              </a:rPr>
-              <a:t>kp.class</a:t>
-            </a:r>
-          </a:p>
-        </p:txBody>
-      </p:sp>
-      <p:sp>
-        <p:nvSpPr>
-          <p:cNvPr id="12" name="TextBox 11">
-            <a:extLst>
-              <a:ext uri="{FF2B5EF4-FFF2-40B4-BE49-F238E27FC236}">
-                <a16:creationId xmlns:a16="http://schemas.microsoft.com/office/drawing/2014/main" id="{FE07C78A-750E-70D0-FB28-6236B97E4211}"/>
-              </a:ext>
-            </a:extLst>
-          </p:cNvPr>
-          <p:cNvSpPr txBox="1"/>
-          <p:nvPr/>
-        </p:nvSpPr>
-        <p:spPr>
-          <a:xfrm>
-            <a:off x="8759071" y="3155539"/>
-            <a:ext cx="1913641" cy="369332"/>
-          </a:xfrm>
-          <a:prstGeom prst="rect">
-            <a:avLst/>
-          </a:prstGeom>
-          <a:noFill/>
-        </p:spPr>
-        <p:txBody>
-          <a:bodyPr wrap="square" rtlCol="0">
-            <a:spAutoFit/>
-          </a:bodyPr>
-          <a:lstStyle/>
-          <a:p>
-            <a:r>
-              <a:rPr lang="it-IT" b="1" dirty="0" err="1">
-                <a:latin typeface="Berlin Sans FB" panose="020E0602020502020306" pitchFamily="34" charset="77"/>
-              </a:rPr>
-              <a:t>Main.py</a:t>
-            </a:r>
-            <a:endParaRPr lang="en-IT" b="1" dirty="0">
-              <a:latin typeface="Berlin Sans FB" panose="020E0602020502020306" pitchFamily="34" charset="77"/>
-            </a:endParaRPr>
-          </a:p>
-        </p:txBody>
-      </p:sp>
-    </p:spTree>
-    <p:extLst>
-      <p:ext uri="{BB962C8B-B14F-4D97-AF65-F5344CB8AC3E}">
-        <p14:creationId xmlns:p14="http://schemas.microsoft.com/office/powerpoint/2010/main" val="3747038118"/>
-      </p:ext>
-    </p:extLst>
-  </p:cSld>
-  <p:clrMapOvr>
-    <a:masterClrMapping/>
-  </p:clrMapOvr>
-</p:sld>
-</file>
-
-<file path=ppt/slides/slide14.xml><?xml version="1.0" encoding="utf-8"?>
-<p:sld xmlns:a="http://schemas.openxmlformats.org/drawingml/2006/main" xmlns:r="http://schemas.openxmlformats.org/officeDocument/2006/relationships" xmlns:p="http://schemas.openxmlformats.org/presentationml/2006/main">
-  <p:cSld>
-    <p:spTree>
-      <p:nvGrpSpPr>
-        <p:cNvPr id="1" name=""/>
-        <p:cNvGrpSpPr/>
-        <p:nvPr/>
-      </p:nvGrpSpPr>
-      <p:grpSpPr>
-        <a:xfrm>
-          <a:off x="0" y="0"/>
-          <a:ext cx="0" cy="0"/>
-          <a:chOff x="0" y="0"/>
-          <a:chExt cx="0" cy="0"/>
-        </a:xfrm>
-      </p:grpSpPr>
-      <p:sp>
-        <p:nvSpPr>
-          <p:cNvPr id="2" name="Titolo 1">
-            <a:extLst>
-              <a:ext uri="{FF2B5EF4-FFF2-40B4-BE49-F238E27FC236}">
-                <a16:creationId xmlns:a16="http://schemas.microsoft.com/office/drawing/2014/main" id="{921633EB-7DCB-4DDC-80AF-C885A3EE1245}"/>
-              </a:ext>
-            </a:extLst>
-          </p:cNvPr>
-          <p:cNvSpPr>
-            <a:spLocks noGrp="1"/>
-          </p:cNvSpPr>
-          <p:nvPr>
-            <p:ph type="title"/>
-          </p:nvPr>
-        </p:nvSpPr>
-        <p:spPr>
-          <a:xfrm>
-            <a:off x="581193" y="729658"/>
-            <a:ext cx="11029616" cy="988332"/>
-          </a:xfrm>
-        </p:spPr>
-        <p:txBody>
-          <a:bodyPr rtlCol="0" anchor="b">
-            <a:normAutofit/>
-          </a:bodyPr>
-          <a:lstStyle/>
-          <a:p>
-            <a:pPr rtl="0"/>
-            <a:r>
-              <a:rPr lang="it-IT" dirty="0" err="1">
-                <a:latin typeface="Berlin Sans FB" panose="020E0602020502020306" pitchFamily="34" charset="0"/>
-              </a:rPr>
-              <a:t>Suppress</a:t>
-            </a:r>
-            <a:r>
-              <a:rPr lang="it-IT" dirty="0">
-                <a:latin typeface="Berlin Sans FB" panose="020E0602020502020306" pitchFamily="34" charset="0"/>
-              </a:rPr>
-              <a:t> </a:t>
-            </a:r>
-            <a:r>
-              <a:rPr lang="it-IT" dirty="0" err="1">
-                <a:latin typeface="Berlin Sans FB" panose="020E0602020502020306" pitchFamily="34" charset="0"/>
-              </a:rPr>
-              <a:t>minimal</a:t>
-            </a:r>
-            <a:r>
-              <a:rPr lang="it-IT" dirty="0">
-                <a:latin typeface="Berlin Sans FB" panose="020E0602020502020306" pitchFamily="34" charset="0"/>
-              </a:rPr>
-              <a:t> </a:t>
-            </a:r>
-            <a:r>
-              <a:rPr lang="it-IT" dirty="0" err="1">
-                <a:latin typeface="Berlin Sans FB" panose="020E0602020502020306" pitchFamily="34" charset="0"/>
-              </a:rPr>
-              <a:t>moles</a:t>
-            </a:r>
-            <a:endParaRPr lang="it-IT" dirty="0">
-              <a:latin typeface="Berlin Sans FB" panose="020E0602020502020306" pitchFamily="34" charset="0"/>
-            </a:endParaRPr>
-          </a:p>
-        </p:txBody>
-      </p:sp>
-      <p:sp>
-        <p:nvSpPr>
-          <p:cNvPr id="8" name="TextBox 7">
-            <a:extLst>
-              <a:ext uri="{FF2B5EF4-FFF2-40B4-BE49-F238E27FC236}">
-                <a16:creationId xmlns:a16="http://schemas.microsoft.com/office/drawing/2014/main" id="{BC566EA7-B4A7-5EE4-853A-DD69764D763B}"/>
-              </a:ext>
-            </a:extLst>
-          </p:cNvPr>
-          <p:cNvSpPr txBox="1"/>
-          <p:nvPr/>
-        </p:nvSpPr>
-        <p:spPr>
-          <a:xfrm>
             <a:off x="7390615" y="1931691"/>
             <a:ext cx="4305805" cy="1754326"/>
           </a:xfrm>
@@ -11842,7 +11434,7 @@
 </p:sld>
 </file>
 
-<file path=ppt/slides/slide15.xml><?xml version="1.0" encoding="utf-8"?>
+<file path=ppt/slides/slide14.xml><?xml version="1.0" encoding="utf-8"?>
 <p:sld xmlns:a="http://schemas.openxmlformats.org/drawingml/2006/main" xmlns:r="http://schemas.openxmlformats.org/officeDocument/2006/relationships" xmlns:p="http://schemas.openxmlformats.org/presentationml/2006/main">
   <p:cSld>
     <p:spTree>
@@ -11959,7 +11551,7 @@
 </p:sld>
 </file>
 
-<file path=ppt/slides/slide16.xml><?xml version="1.0" encoding="utf-8"?>
+<file path=ppt/slides/slide15.xml><?xml version="1.0" encoding="utf-8"?>
 <p:sld xmlns:a="http://schemas.openxmlformats.org/drawingml/2006/main" xmlns:r="http://schemas.openxmlformats.org/officeDocument/2006/relationships" xmlns:p="http://schemas.openxmlformats.org/presentationml/2006/main">
   <p:cSld>
     <p:spTree>
@@ -12223,7 +11815,7 @@
 </p:sld>
 </file>
 
-<file path=ppt/slides/slide17.xml><?xml version="1.0" encoding="utf-8"?>
+<file path=ppt/slides/slide16.xml><?xml version="1.0" encoding="utf-8"?>
 <p:sld xmlns:a="http://schemas.openxmlformats.org/drawingml/2006/main" xmlns:r="http://schemas.openxmlformats.org/officeDocument/2006/relationships" xmlns:p="http://schemas.openxmlformats.org/presentationml/2006/main">
   <p:cSld>
     <p:spTree>
@@ -12405,7 +11997,7 @@
 </p:sld>
 </file>
 
-<file path=ppt/slides/slide18.xml><?xml version="1.0" encoding="utf-8"?>
+<file path=ppt/slides/slide17.xml><?xml version="1.0" encoding="utf-8"?>
 <p:sld xmlns:a="http://schemas.openxmlformats.org/drawingml/2006/main" xmlns:r="http://schemas.openxmlformats.org/officeDocument/2006/relationships" xmlns:p="http://schemas.openxmlformats.org/presentationml/2006/main">
   <p:cSld>
     <p:spTree>
@@ -12613,7 +12205,7 @@
 </p:sld>
 </file>
 
-<file path=ppt/slides/slide19.xml><?xml version="1.0" encoding="utf-8"?>
+<file path=ppt/slides/slide18.xml><?xml version="1.0" encoding="utf-8"?>
 <p:sld xmlns:a="http://schemas.openxmlformats.org/drawingml/2006/main" xmlns:r="http://schemas.openxmlformats.org/officeDocument/2006/relationships" xmlns:p="http://schemas.openxmlformats.org/presentationml/2006/main">
   <p:cSld>
     <p:spTree>
@@ -12768,6 +12360,116 @@
     <p:extLst>
       <p:ext uri="{BB962C8B-B14F-4D97-AF65-F5344CB8AC3E}">
         <p14:creationId xmlns:p14="http://schemas.microsoft.com/office/powerpoint/2010/main" val="1435791885"/>
+      </p:ext>
+    </p:extLst>
+  </p:cSld>
+  <p:clrMapOvr>
+    <a:masterClrMapping/>
+  </p:clrMapOvr>
+</p:sld>
+</file>
+
+<file path=ppt/slides/slide19.xml><?xml version="1.0" encoding="utf-8"?>
+<p:sld xmlns:a="http://schemas.openxmlformats.org/drawingml/2006/main" xmlns:r="http://schemas.openxmlformats.org/officeDocument/2006/relationships" xmlns:p="http://schemas.openxmlformats.org/presentationml/2006/main">
+  <p:cSld>
+    <p:spTree>
+      <p:nvGrpSpPr>
+        <p:cNvPr id="1" name=""/>
+        <p:cNvGrpSpPr/>
+        <p:nvPr/>
+      </p:nvGrpSpPr>
+      <p:grpSpPr>
+        <a:xfrm>
+          <a:off x="0" y="0"/>
+          <a:ext cx="0" cy="0"/>
+          <a:chOff x="0" y="0"/>
+          <a:chExt cx="0" cy="0"/>
+        </a:xfrm>
+      </p:grpSpPr>
+      <p:sp>
+        <p:nvSpPr>
+          <p:cNvPr id="2" name="Titolo 1">
+            <a:extLst>
+              <a:ext uri="{FF2B5EF4-FFF2-40B4-BE49-F238E27FC236}">
+                <a16:creationId xmlns:a16="http://schemas.microsoft.com/office/drawing/2014/main" id="{921633EB-7DCB-4DDC-80AF-C885A3EE1245}"/>
+              </a:ext>
+            </a:extLst>
+          </p:cNvPr>
+          <p:cNvSpPr>
+            <a:spLocks noGrp="1"/>
+          </p:cNvSpPr>
+          <p:nvPr>
+            <p:ph type="title"/>
+          </p:nvPr>
+        </p:nvSpPr>
+        <p:spPr>
+          <a:xfrm>
+            <a:off x="581193" y="729658"/>
+            <a:ext cx="11029616" cy="988332"/>
+          </a:xfrm>
+        </p:spPr>
+        <p:txBody>
+          <a:bodyPr rtlCol="0" anchor="b">
+            <a:normAutofit/>
+          </a:bodyPr>
+          <a:lstStyle/>
+          <a:p>
+            <a:pPr rtl="0"/>
+            <a:r>
+              <a:rPr lang="it-IT" dirty="0" err="1">
+                <a:latin typeface="Berlin Sans FB" panose="020E0602020502020306" pitchFamily="34" charset="0"/>
+              </a:rPr>
+              <a:t>Heuristic</a:t>
+            </a:r>
+            <a:r>
+              <a:rPr lang="it-IT" dirty="0">
+                <a:latin typeface="Berlin Sans FB" panose="020E0602020502020306" pitchFamily="34" charset="0"/>
+              </a:rPr>
+              <a:t> ii (TOP X) </a:t>
+            </a:r>
+            <a:r>
+              <a:rPr lang="it-IT" sz="1600" dirty="0">
+                <a:latin typeface="Berlin Sans FB" panose="020E0602020502020306" pitchFamily="34" charset="0"/>
+              </a:rPr>
+              <a:t>continue</a:t>
+            </a:r>
+          </a:p>
+        </p:txBody>
+      </p:sp>
+      <p:pic>
+        <p:nvPicPr>
+          <p:cNvPr id="3" name="Picture 2">
+            <a:extLst>
+              <a:ext uri="{FF2B5EF4-FFF2-40B4-BE49-F238E27FC236}">
+                <a16:creationId xmlns:a16="http://schemas.microsoft.com/office/drawing/2014/main" id="{3FFAFEDE-30C1-F2D7-A1BA-2FD0385FA5F8}"/>
+              </a:ext>
+            </a:extLst>
+          </p:cNvPr>
+          <p:cNvPicPr>
+            <a:picLocks noChangeAspect="1"/>
+          </p:cNvPicPr>
+          <p:nvPr/>
+        </p:nvPicPr>
+        <p:blipFill>
+          <a:blip r:embed="rId3"/>
+          <a:stretch>
+            <a:fillRect/>
+          </a:stretch>
+        </p:blipFill>
+        <p:spPr>
+          <a:xfrm>
+            <a:off x="1298583" y="2174592"/>
+            <a:ext cx="9883955" cy="4217154"/>
+          </a:xfrm>
+          <a:prstGeom prst="rect">
+            <a:avLst/>
+          </a:prstGeom>
+        </p:spPr>
+      </p:pic>
+    </p:spTree>
+    <p:extLst>
+      <p:ext uri="{BB962C8B-B14F-4D97-AF65-F5344CB8AC3E}">
+        <p14:creationId xmlns:p14="http://schemas.microsoft.com/office/powerpoint/2010/main" val="254546206"/>
       </p:ext>
     </p:extLst>
   </p:cSld>
@@ -13333,116 +13035,6 @@
               <a:rPr lang="it-IT" dirty="0" err="1">
                 <a:latin typeface="Berlin Sans FB" panose="020E0602020502020306" pitchFamily="34" charset="0"/>
               </a:rPr>
-              <a:t>Heuristic</a:t>
-            </a:r>
-            <a:r>
-              <a:rPr lang="it-IT" dirty="0">
-                <a:latin typeface="Berlin Sans FB" panose="020E0602020502020306" pitchFamily="34" charset="0"/>
-              </a:rPr>
-              <a:t> ii (TOP X) </a:t>
-            </a:r>
-            <a:r>
-              <a:rPr lang="it-IT" sz="1600" dirty="0">
-                <a:latin typeface="Berlin Sans FB" panose="020E0602020502020306" pitchFamily="34" charset="0"/>
-              </a:rPr>
-              <a:t>continue</a:t>
-            </a:r>
-          </a:p>
-        </p:txBody>
-      </p:sp>
-      <p:pic>
-        <p:nvPicPr>
-          <p:cNvPr id="3" name="Picture 2">
-            <a:extLst>
-              <a:ext uri="{FF2B5EF4-FFF2-40B4-BE49-F238E27FC236}">
-                <a16:creationId xmlns:a16="http://schemas.microsoft.com/office/drawing/2014/main" id="{3FFAFEDE-30C1-F2D7-A1BA-2FD0385FA5F8}"/>
-              </a:ext>
-            </a:extLst>
-          </p:cNvPr>
-          <p:cNvPicPr>
-            <a:picLocks noChangeAspect="1"/>
-          </p:cNvPicPr>
-          <p:nvPr/>
-        </p:nvPicPr>
-        <p:blipFill>
-          <a:blip r:embed="rId3"/>
-          <a:stretch>
-            <a:fillRect/>
-          </a:stretch>
-        </p:blipFill>
-        <p:spPr>
-          <a:xfrm>
-            <a:off x="1298583" y="2174592"/>
-            <a:ext cx="9883955" cy="4217154"/>
-          </a:xfrm>
-          <a:prstGeom prst="rect">
-            <a:avLst/>
-          </a:prstGeom>
-        </p:spPr>
-      </p:pic>
-    </p:spTree>
-    <p:extLst>
-      <p:ext uri="{BB962C8B-B14F-4D97-AF65-F5344CB8AC3E}">
-        <p14:creationId xmlns:p14="http://schemas.microsoft.com/office/powerpoint/2010/main" val="254546206"/>
-      </p:ext>
-    </p:extLst>
-  </p:cSld>
-  <p:clrMapOvr>
-    <a:masterClrMapping/>
-  </p:clrMapOvr>
-</p:sld>
-</file>
-
-<file path=ppt/slides/slide21.xml><?xml version="1.0" encoding="utf-8"?>
-<p:sld xmlns:a="http://schemas.openxmlformats.org/drawingml/2006/main" xmlns:r="http://schemas.openxmlformats.org/officeDocument/2006/relationships" xmlns:p="http://schemas.openxmlformats.org/presentationml/2006/main">
-  <p:cSld>
-    <p:spTree>
-      <p:nvGrpSpPr>
-        <p:cNvPr id="1" name=""/>
-        <p:cNvGrpSpPr/>
-        <p:nvPr/>
-      </p:nvGrpSpPr>
-      <p:grpSpPr>
-        <a:xfrm>
-          <a:off x="0" y="0"/>
-          <a:ext cx="0" cy="0"/>
-          <a:chOff x="0" y="0"/>
-          <a:chExt cx="0" cy="0"/>
-        </a:xfrm>
-      </p:grpSpPr>
-      <p:sp>
-        <p:nvSpPr>
-          <p:cNvPr id="2" name="Titolo 1">
-            <a:extLst>
-              <a:ext uri="{FF2B5EF4-FFF2-40B4-BE49-F238E27FC236}">
-                <a16:creationId xmlns:a16="http://schemas.microsoft.com/office/drawing/2014/main" id="{921633EB-7DCB-4DDC-80AF-C885A3EE1245}"/>
-              </a:ext>
-            </a:extLst>
-          </p:cNvPr>
-          <p:cNvSpPr>
-            <a:spLocks noGrp="1"/>
-          </p:cNvSpPr>
-          <p:nvPr>
-            <p:ph type="title"/>
-          </p:nvPr>
-        </p:nvSpPr>
-        <p:spPr>
-          <a:xfrm>
-            <a:off x="581193" y="729658"/>
-            <a:ext cx="11029616" cy="988332"/>
-          </a:xfrm>
-        </p:spPr>
-        <p:txBody>
-          <a:bodyPr rtlCol="0" anchor="b">
-            <a:normAutofit/>
-          </a:bodyPr>
-          <a:lstStyle/>
-          <a:p>
-            <a:pPr rtl="0"/>
-            <a:r>
-              <a:rPr lang="it-IT" dirty="0" err="1">
-                <a:latin typeface="Berlin Sans FB" panose="020E0602020502020306" pitchFamily="34" charset="0"/>
-              </a:rPr>
               <a:t>heuristic</a:t>
             </a:r>
             <a:r>
@@ -13581,7 +13173,7 @@
 </p:sld>
 </file>
 
-<file path=ppt/slides/slide22.xml><?xml version="1.0" encoding="utf-8"?>
+<file path=ppt/slides/slide21.xml><?xml version="1.0" encoding="utf-8"?>
 <p:sld xmlns:a="http://schemas.openxmlformats.org/drawingml/2006/main" xmlns:r="http://schemas.openxmlformats.org/officeDocument/2006/relationships" xmlns:p="http://schemas.openxmlformats.org/presentationml/2006/main">
   <p:cSld>
     <p:spTree>
@@ -13790,7 +13382,7 @@
 </p:sld>
 </file>
 
-<file path=ppt/slides/slide23.xml><?xml version="1.0" encoding="utf-8"?>
+<file path=ppt/slides/slide22.xml><?xml version="1.0" encoding="utf-8"?>
 <p:sld xmlns:a="http://schemas.openxmlformats.org/drawingml/2006/main" xmlns:r="http://schemas.openxmlformats.org/officeDocument/2006/relationships" xmlns:p="http://schemas.openxmlformats.org/presentationml/2006/main">
   <p:cSld>
     <p:spTree>
@@ -13999,7 +13591,7 @@
 </p:sld>
 </file>
 
-<file path=ppt/slides/slide24.xml><?xml version="1.0" encoding="utf-8"?>
+<file path=ppt/slides/slide23.xml><?xml version="1.0" encoding="utf-8"?>
 <p:sld xmlns:a="http://schemas.openxmlformats.org/drawingml/2006/main" xmlns:r="http://schemas.openxmlformats.org/officeDocument/2006/relationships" xmlns:p="http://schemas.openxmlformats.org/presentationml/2006/main">
   <p:cSld>
     <p:bg>

--- a/Data Protection & Privacy.pptx
+++ b/Data Protection & Privacy.pptx
@@ -5,10 +5,10 @@
     <p:sldMasterId id="2147483672" r:id="rId1"/>
   </p:sldMasterIdLst>
   <p:notesMasterIdLst>
-    <p:notesMasterId r:id="rId25"/>
+    <p:notesMasterId r:id="rId24"/>
   </p:notesMasterIdLst>
   <p:handoutMasterIdLst>
-    <p:handoutMasterId r:id="rId26"/>
+    <p:handoutMasterId r:id="rId25"/>
   </p:handoutMasterIdLst>
   <p:sldIdLst>
     <p:sldId id="256" r:id="rId2"/>
@@ -31,9 +31,8 @@
     <p:sldId id="269" r:id="rId19"/>
     <p:sldId id="272" r:id="rId20"/>
     <p:sldId id="270" r:id="rId21"/>
-    <p:sldId id="271" r:id="rId22"/>
-    <p:sldId id="273" r:id="rId23"/>
-    <p:sldId id="260" r:id="rId24"/>
+    <p:sldId id="273" r:id="rId22"/>
+    <p:sldId id="260" r:id="rId23"/>
   </p:sldIdLst>
   <p:sldSz cx="12192000" cy="6858000"/>
   <p:notesSz cx="6858000" cy="9144000"/>
@@ -5332,7 +5331,7 @@
     </p:spTree>
     <p:extLst>
       <p:ext uri="{BB962C8B-B14F-4D97-AF65-F5344CB8AC3E}">
-        <p14:creationId xmlns:p14="http://schemas.microsoft.com/office/powerpoint/2010/main" val="3357230225"/>
+        <p14:creationId xmlns:p14="http://schemas.microsoft.com/office/powerpoint/2010/main" val="733612479"/>
       </p:ext>
     </p:extLst>
   </p:cSld>
@@ -5383,10 +5382,11 @@
         </p:nvSpPr>
         <p:spPr/>
         <p:txBody>
-          <a:bodyPr/>
+          <a:bodyPr rtlCol="0"/>
           <a:lstStyle/>
           <a:p>
-            <a:endParaRPr lang="it-IT" dirty="0"/>
+            <a:pPr rtl="0"/>
+            <a:endParaRPr lang="it-IT"/>
           </a:p>
         </p:txBody>
       </p:sp>
@@ -5402,7 +5402,7 @@
         </p:nvSpPr>
         <p:spPr/>
         <p:txBody>
-          <a:bodyPr/>
+          <a:bodyPr rtlCol="0"/>
           <a:lstStyle/>
           <a:p>
             <a:pPr rtl="0"/>
@@ -5417,7 +5417,7 @@
     </p:spTree>
     <p:extLst>
       <p:ext uri="{BB962C8B-B14F-4D97-AF65-F5344CB8AC3E}">
-        <p14:creationId xmlns:p14="http://schemas.microsoft.com/office/powerpoint/2010/main" val="733612479"/>
+        <p14:creationId xmlns:p14="http://schemas.microsoft.com/office/powerpoint/2010/main" val="1046714131"/>
       </p:ext>
     </p:extLst>
   </p:cSld>
@@ -5504,92 +5504,6 @@
     <p:extLst>
       <p:ext uri="{BB962C8B-B14F-4D97-AF65-F5344CB8AC3E}">
         <p14:creationId xmlns:p14="http://schemas.microsoft.com/office/powerpoint/2010/main" val="3505115597"/>
-      </p:ext>
-    </p:extLst>
-  </p:cSld>
-  <p:clrMapOvr>
-    <a:masterClrMapping/>
-  </p:clrMapOvr>
-</p:notes>
-</file>
-
-<file path=ppt/notesSlides/notesSlide20.xml><?xml version="1.0" encoding="utf-8"?>
-<p:notes xmlns:a="http://schemas.openxmlformats.org/drawingml/2006/main" xmlns:r="http://schemas.openxmlformats.org/officeDocument/2006/relationships" xmlns:p="http://schemas.openxmlformats.org/presentationml/2006/main">
-  <p:cSld>
-    <p:spTree>
-      <p:nvGrpSpPr>
-        <p:cNvPr id="1" name=""/>
-        <p:cNvGrpSpPr/>
-        <p:nvPr/>
-      </p:nvGrpSpPr>
-      <p:grpSpPr>
-        <a:xfrm>
-          <a:off x="0" y="0"/>
-          <a:ext cx="0" cy="0"/>
-          <a:chOff x="0" y="0"/>
-          <a:chExt cx="0" cy="0"/>
-        </a:xfrm>
-      </p:grpSpPr>
-      <p:sp>
-        <p:nvSpPr>
-          <p:cNvPr id="2" name="Segnaposto immagine diapositiva 1"/>
-          <p:cNvSpPr>
-            <a:spLocks noGrp="1" noRot="1" noChangeAspect="1"/>
-          </p:cNvSpPr>
-          <p:nvPr>
-            <p:ph type="sldImg"/>
-          </p:nvPr>
-        </p:nvSpPr>
-        <p:spPr/>
-      </p:sp>
-      <p:sp>
-        <p:nvSpPr>
-          <p:cNvPr id="3" name="Segnaposto note 2"/>
-          <p:cNvSpPr>
-            <a:spLocks noGrp="1"/>
-          </p:cNvSpPr>
-          <p:nvPr>
-            <p:ph type="body" idx="1"/>
-          </p:nvPr>
-        </p:nvSpPr>
-        <p:spPr/>
-        <p:txBody>
-          <a:bodyPr rtlCol="0"/>
-          <a:lstStyle/>
-          <a:p>
-            <a:pPr rtl="0"/>
-            <a:endParaRPr lang="it-IT"/>
-          </a:p>
-        </p:txBody>
-      </p:sp>
-      <p:sp>
-        <p:nvSpPr>
-          <p:cNvPr id="4" name="Segnaposto numero diapositiva 3"/>
-          <p:cNvSpPr>
-            <a:spLocks noGrp="1"/>
-          </p:cNvSpPr>
-          <p:nvPr>
-            <p:ph type="sldNum" sz="quarter" idx="5"/>
-          </p:nvPr>
-        </p:nvSpPr>
-        <p:spPr/>
-        <p:txBody>
-          <a:bodyPr rtlCol="0"/>
-          <a:lstStyle/>
-          <a:p>
-            <a:pPr rtl="0"/>
-            <a:fld id="{C6B3AB32-59DF-41F1-9618-EDFBF5049629}" type="slidenum">
-              <a:rPr lang="it-IT" smtClean="0"/>
-              <a:t>23</a:t>
-            </a:fld>
-            <a:endParaRPr lang="it-IT"/>
-          </a:p>
-        </p:txBody>
-      </p:sp>
-    </p:spTree>
-    <p:extLst>
-      <p:ext uri="{BB962C8B-B14F-4D97-AF65-F5344CB8AC3E}">
-        <p14:creationId xmlns:p14="http://schemas.microsoft.com/office/powerpoint/2010/main" val="1046714131"/>
       </p:ext>
     </p:extLst>
   </p:cSld>
@@ -11047,7 +10961,7 @@
                 <a:effectLst/>
                 <a:latin typeface="Berlin Sans FB" panose="020E0602020502020306" pitchFamily="34" charset="77"/>
               </a:rPr>
-              <a:t>"This function is invoked after 'eliminate_size1_moles' to compute all the minimal moles. It returns three essential elements:</a:t>
+              <a:t>This function is invoked after 'eliminate_size1_moles' to compute all the minimal moles. It returns three essential elements:</a:t>
             </a:r>
           </a:p>
           <a:p>
@@ -11105,7 +11019,7 @@
                 <a:effectLst/>
                 <a:latin typeface="Berlin Sans FB" panose="020E0602020502020306" pitchFamily="34" charset="77"/>
               </a:rPr>
-              <a:t>M: Represents all the minimal moles within the dataset."</a:t>
+              <a:t>M: Represents all the minimal moles within the dataset.</a:t>
             </a:r>
             <a:endParaRPr lang="en-IT" sz="2200" dirty="0">
               <a:latin typeface="Berlin Sans FB" panose="020E0602020502020306" pitchFamily="34" charset="77"/>
@@ -11641,8 +11555,8 @@
         </p:nvSpPr>
         <p:spPr>
           <a:xfrm>
-            <a:off x="1327866" y="2435023"/>
-            <a:ext cx="2425148" cy="2585323"/>
+            <a:off x="1224171" y="2712022"/>
+            <a:ext cx="2425148" cy="2308324"/>
           </a:xfrm>
           <a:prstGeom prst="rect">
             <a:avLst/>
@@ -11658,13 +11572,12 @@
             <a:pPr algn="ctr"/>
             <a:r>
               <a:rPr lang="en-IT" b="1" dirty="0"/>
-              <a:t>Dataset</a:t>
-            </a:r>
-          </a:p>
-          <a:p>
+              <a:t>Dataset:</a:t>
+            </a:r>
             <a:endParaRPr lang="en-IT" dirty="0"/>
           </a:p>
           <a:p>
+            <a:pPr algn="ctr"/>
             <a:r>
               <a:rPr lang="en-IT" dirty="0"/>
               <a:t>The dataset used for performance analysis consists of 1000 rows, with 6 columns for public elements and 24 columns for private elements.</a:t>
@@ -11686,92 +11599,7 @@
         </p:nvSpPr>
         <p:spPr>
           <a:xfrm>
-            <a:off x="4711146" y="2435023"/>
-            <a:ext cx="2425148" cy="3693319"/>
-          </a:xfrm>
-          <a:prstGeom prst="rect">
-            <a:avLst/>
-          </a:prstGeom>
-          <a:noFill/>
-        </p:spPr>
-        <p:txBody>
-          <a:bodyPr wrap="square" rtlCol="0">
-            <a:spAutoFit/>
-          </a:bodyPr>
-          <a:lstStyle/>
-          <a:p>
-            <a:pPr algn="ctr"/>
-            <a:r>
-              <a:rPr lang="en-IT" b="1" dirty="0"/>
-              <a:t>Interest</a:t>
-            </a:r>
-          </a:p>
-          <a:p>
-            <a:endParaRPr lang="en-IT" dirty="0"/>
-          </a:p>
-          <a:p>
-            <a:r>
-              <a:rPr lang="en-IT" dirty="0"/>
-              <a:t>Our objective was to assess the efficiency by varying h, k and p, using four different approaches for minimal moles elimination:</a:t>
-            </a:r>
-          </a:p>
-          <a:p>
-            <a:pPr marL="285750" indent="-285750">
-              <a:buFont typeface="Arial" panose="020B0604020202020204" pitchFamily="34" charset="0"/>
-              <a:buChar char="•"/>
-            </a:pPr>
-            <a:r>
-              <a:rPr lang="en-IT" dirty="0"/>
-              <a:t>One at a time</a:t>
-            </a:r>
-          </a:p>
-          <a:p>
-            <a:pPr marL="285750" indent="-285750">
-              <a:buFont typeface="Arial" panose="020B0604020202020204" pitchFamily="34" charset="0"/>
-              <a:buChar char="•"/>
-            </a:pPr>
-            <a:r>
-              <a:rPr lang="en-IT" dirty="0"/>
-              <a:t>Half of them</a:t>
-            </a:r>
-          </a:p>
-          <a:p>
-            <a:pPr marL="285750" indent="-285750">
-              <a:buFont typeface="Arial" panose="020B0604020202020204" pitchFamily="34" charset="0"/>
-              <a:buChar char="•"/>
-            </a:pPr>
-            <a:r>
-              <a:rPr lang="en-IT" dirty="0"/>
-              <a:t>All of them</a:t>
-            </a:r>
-          </a:p>
-          <a:p>
-            <a:pPr marL="285750" indent="-285750">
-              <a:buFont typeface="Arial" panose="020B0604020202020204" pitchFamily="34" charset="0"/>
-              <a:buChar char="•"/>
-            </a:pPr>
-            <a:r>
-              <a:rPr lang="en-IT" dirty="0"/>
-              <a:t>Only the first 10-15-20-25</a:t>
-            </a:r>
-          </a:p>
-        </p:txBody>
-      </p:sp>
-      <p:sp>
-        <p:nvSpPr>
-          <p:cNvPr id="7" name="TextBox 6">
-            <a:extLst>
-              <a:ext uri="{FF2B5EF4-FFF2-40B4-BE49-F238E27FC236}">
-                <a16:creationId xmlns:a16="http://schemas.microsoft.com/office/drawing/2014/main" id="{103674EC-4116-20E6-96B3-3ED43611354B}"/>
-              </a:ext>
-            </a:extLst>
-          </p:cNvPr>
-          <p:cNvSpPr txBox="1"/>
-          <p:nvPr/>
-        </p:nvSpPr>
-        <p:spPr>
-          <a:xfrm>
-            <a:off x="8094426" y="2435023"/>
+            <a:off x="4607451" y="2712022"/>
             <a:ext cx="2425148" cy="3416320"/>
           </a:xfrm>
           <a:prstGeom prst="rect">
@@ -11788,13 +11616,96 @@
             <a:pPr algn="ctr"/>
             <a:r>
               <a:rPr lang="en-IT" b="1" dirty="0"/>
-              <a:t>Method</a:t>
-            </a:r>
-          </a:p>
-          <a:p>
+              <a:t>Interest:</a:t>
+            </a:r>
             <a:endParaRPr lang="en-IT" dirty="0"/>
           </a:p>
           <a:p>
+            <a:pPr algn="ctr"/>
+            <a:r>
+              <a:rPr lang="en-IT" dirty="0"/>
+              <a:t>Our objective was to assess the efficiency by varying h, k and p, using four different approaches for minimal moles elimination:</a:t>
+            </a:r>
+          </a:p>
+          <a:p>
+            <a:pPr marL="285750" indent="-285750" algn="ctr">
+              <a:buFont typeface="Arial" panose="020B0604020202020204" pitchFamily="34" charset="0"/>
+              <a:buChar char="•"/>
+            </a:pPr>
+            <a:r>
+              <a:rPr lang="en-IT" dirty="0"/>
+              <a:t>One at a time</a:t>
+            </a:r>
+          </a:p>
+          <a:p>
+            <a:pPr marL="285750" indent="-285750" algn="ctr">
+              <a:buFont typeface="Arial" panose="020B0604020202020204" pitchFamily="34" charset="0"/>
+              <a:buChar char="•"/>
+            </a:pPr>
+            <a:r>
+              <a:rPr lang="en-IT" dirty="0"/>
+              <a:t>Half of them</a:t>
+            </a:r>
+          </a:p>
+          <a:p>
+            <a:pPr marL="285750" indent="-285750" algn="ctr">
+              <a:buFont typeface="Arial" panose="020B0604020202020204" pitchFamily="34" charset="0"/>
+              <a:buChar char="•"/>
+            </a:pPr>
+            <a:r>
+              <a:rPr lang="en-IT" dirty="0"/>
+              <a:t>All of them</a:t>
+            </a:r>
+          </a:p>
+          <a:p>
+            <a:pPr marL="285750" indent="-285750" algn="ctr">
+              <a:buFont typeface="Arial" panose="020B0604020202020204" pitchFamily="34" charset="0"/>
+              <a:buChar char="•"/>
+            </a:pPr>
+            <a:r>
+              <a:rPr lang="en-IT" dirty="0"/>
+              <a:t>Only the first 10-15-20-25</a:t>
+            </a:r>
+          </a:p>
+        </p:txBody>
+      </p:sp>
+      <p:sp>
+        <p:nvSpPr>
+          <p:cNvPr id="7" name="TextBox 6">
+            <a:extLst>
+              <a:ext uri="{FF2B5EF4-FFF2-40B4-BE49-F238E27FC236}">
+                <a16:creationId xmlns:a16="http://schemas.microsoft.com/office/drawing/2014/main" id="{103674EC-4116-20E6-96B3-3ED43611354B}"/>
+              </a:ext>
+            </a:extLst>
+          </p:cNvPr>
+          <p:cNvSpPr txBox="1"/>
+          <p:nvPr/>
+        </p:nvSpPr>
+        <p:spPr>
+          <a:xfrm>
+            <a:off x="7990731" y="2712022"/>
+            <a:ext cx="2425148" cy="3139321"/>
+          </a:xfrm>
+          <a:prstGeom prst="rect">
+            <a:avLst/>
+          </a:prstGeom>
+          <a:noFill/>
+        </p:spPr>
+        <p:txBody>
+          <a:bodyPr wrap="square" rtlCol="0">
+            <a:spAutoFit/>
+          </a:bodyPr>
+          <a:lstStyle/>
+          <a:p>
+            <a:pPr algn="ctr"/>
+            <a:r>
+              <a:rPr lang="en-IT" b="1" dirty="0"/>
+              <a:t>Method:</a:t>
+            </a:r>
+            <a:endParaRPr lang="en-IT" dirty="0"/>
+          </a:p>
+          <a:p>
+            <a:pPr algn="ctr"/>
             <a:r>
               <a:rPr lang="en-IT" dirty="0"/>
               <a:t>We employed a Python notebook to execute the script with diverse heuristic and of h, k and p values, saving the performance data. Subsequently, we used these results to generate statistics and visual representations</a:t>
@@ -11922,6 +11833,16 @@
           <a:prstGeom prst="rect">
             <a:avLst/>
           </a:prstGeom>
+          <a:ln>
+            <a:noFill/>
+          </a:ln>
+          <a:effectLst>
+            <a:outerShdw blurRad="292100" dist="139700" dir="2700000" algn="tl" rotWithShape="0">
+              <a:srgbClr val="333333">
+                <a:alpha val="65000"/>
+              </a:srgbClr>
+            </a:outerShdw>
+          </a:effectLst>
         </p:spPr>
       </p:pic>
       <p:pic>
@@ -11952,6 +11873,16 @@
           <a:prstGeom prst="rect">
             <a:avLst/>
           </a:prstGeom>
+          <a:ln>
+            <a:noFill/>
+          </a:ln>
+          <a:effectLst>
+            <a:outerShdw blurRad="292100" dist="139700" dir="2700000" algn="tl" rotWithShape="0">
+              <a:srgbClr val="333333">
+                <a:alpha val="65000"/>
+              </a:srgbClr>
+            </a:outerShdw>
+          </a:effectLst>
         </p:spPr>
       </p:pic>
       <p:pic>
@@ -11982,6 +11913,16 @@
           <a:prstGeom prst="rect">
             <a:avLst/>
           </a:prstGeom>
+          <a:ln>
+            <a:noFill/>
+          </a:ln>
+          <a:effectLst>
+            <a:outerShdw blurRad="292100" dist="139700" dir="2700000" algn="tl" rotWithShape="0">
+              <a:srgbClr val="333333">
+                <a:alpha val="65000"/>
+              </a:srgbClr>
+            </a:outerShdw>
+          </a:effectLst>
         </p:spPr>
       </p:pic>
     </p:spTree>
@@ -12130,6 +12071,16 @@
           <a:prstGeom prst="rect">
             <a:avLst/>
           </a:prstGeom>
+          <a:ln>
+            <a:noFill/>
+          </a:ln>
+          <a:effectLst>
+            <a:outerShdw blurRad="292100" dist="139700" dir="2700000" algn="tl" rotWithShape="0">
+              <a:srgbClr val="333333">
+                <a:alpha val="65000"/>
+              </a:srgbClr>
+            </a:outerShdw>
+          </a:effectLst>
         </p:spPr>
       </p:pic>
       <p:pic>
@@ -12160,6 +12111,16 @@
           <a:prstGeom prst="rect">
             <a:avLst/>
           </a:prstGeom>
+          <a:ln>
+            <a:noFill/>
+          </a:ln>
+          <a:effectLst>
+            <a:outerShdw blurRad="292100" dist="139700" dir="2700000" algn="tl" rotWithShape="0">
+              <a:srgbClr val="333333">
+                <a:alpha val="65000"/>
+              </a:srgbClr>
+            </a:outerShdw>
+          </a:effectLst>
         </p:spPr>
       </p:pic>
       <p:pic>
@@ -12190,6 +12151,16 @@
           <a:prstGeom prst="rect">
             <a:avLst/>
           </a:prstGeom>
+          <a:ln>
+            <a:noFill/>
+          </a:ln>
+          <a:effectLst>
+            <a:outerShdw blurRad="292100" dist="139700" dir="2700000" algn="tl" rotWithShape="0">
+              <a:srgbClr val="333333">
+                <a:alpha val="65000"/>
+              </a:srgbClr>
+            </a:outerShdw>
+          </a:effectLst>
         </p:spPr>
       </p:pic>
     </p:spTree>
@@ -12294,6 +12265,16 @@
           <a:prstGeom prst="rect">
             <a:avLst/>
           </a:prstGeom>
+          <a:ln>
+            <a:noFill/>
+          </a:ln>
+          <a:effectLst>
+            <a:outerShdw blurRad="292100" dist="139700" dir="2700000" algn="tl" rotWithShape="0">
+              <a:srgbClr val="333333">
+                <a:alpha val="65000"/>
+              </a:srgbClr>
+            </a:outerShdw>
+          </a:effectLst>
         </p:spPr>
       </p:pic>
       <p:pic>
@@ -12324,6 +12305,16 @@
           <a:prstGeom prst="rect">
             <a:avLst/>
           </a:prstGeom>
+          <a:ln>
+            <a:noFill/>
+          </a:ln>
+          <a:effectLst>
+            <a:outerShdw blurRad="292100" dist="139700" dir="2700000" algn="tl" rotWithShape="0">
+              <a:srgbClr val="333333">
+                <a:alpha val="65000"/>
+              </a:srgbClr>
+            </a:outerShdw>
+          </a:effectLst>
         </p:spPr>
       </p:pic>
       <p:pic>
@@ -12354,6 +12345,16 @@
           <a:prstGeom prst="rect">
             <a:avLst/>
           </a:prstGeom>
+          <a:ln>
+            <a:noFill/>
+          </a:ln>
+          <a:effectLst>
+            <a:outerShdw blurRad="292100" dist="139700" dir="2700000" algn="tl" rotWithShape="0">
+              <a:srgbClr val="333333">
+                <a:alpha val="65000"/>
+              </a:srgbClr>
+            </a:outerShdw>
+          </a:effectLst>
         </p:spPr>
       </p:pic>
     </p:spTree>
@@ -12464,6 +12465,16 @@
           <a:prstGeom prst="rect">
             <a:avLst/>
           </a:prstGeom>
+          <a:ln>
+            <a:noFill/>
+          </a:ln>
+          <a:effectLst>
+            <a:outerShdw blurRad="292100" dist="139700" dir="2700000" algn="tl" rotWithShape="0">
+              <a:srgbClr val="333333">
+                <a:alpha val="65000"/>
+              </a:srgbClr>
+            </a:outerShdw>
+          </a:effectLst>
         </p:spPr>
       </p:pic>
     </p:spTree>
@@ -13098,6 +13109,16 @@
           <a:prstGeom prst="rect">
             <a:avLst/>
           </a:prstGeom>
+          <a:ln>
+            <a:noFill/>
+          </a:ln>
+          <a:effectLst>
+            <a:outerShdw blurRad="292100" dist="139700" dir="2700000" algn="tl" rotWithShape="0">
+              <a:srgbClr val="333333">
+                <a:alpha val="65000"/>
+              </a:srgbClr>
+            </a:outerShdw>
+          </a:effectLst>
         </p:spPr>
       </p:pic>
       <p:pic>
@@ -13128,6 +13149,16 @@
           <a:prstGeom prst="rect">
             <a:avLst/>
           </a:prstGeom>
+          <a:ln>
+            <a:noFill/>
+          </a:ln>
+          <a:effectLst>
+            <a:outerShdw blurRad="292100" dist="139700" dir="2700000" algn="tl" rotWithShape="0">
+              <a:srgbClr val="333333">
+                <a:alpha val="65000"/>
+              </a:srgbClr>
+            </a:outerShdw>
+          </a:effectLst>
         </p:spPr>
       </p:pic>
       <p:pic>
@@ -13158,6 +13189,16 @@
           <a:prstGeom prst="rect">
             <a:avLst/>
           </a:prstGeom>
+          <a:ln>
+            <a:noFill/>
+          </a:ln>
+          <a:effectLst>
+            <a:outerShdw blurRad="292100" dist="139700" dir="2700000" algn="tl" rotWithShape="0">
+              <a:srgbClr val="333333">
+                <a:alpha val="65000"/>
+              </a:srgbClr>
+            </a:outerShdw>
+          </a:effectLst>
         </p:spPr>
       </p:pic>
     </p:spTree>
@@ -13259,221 +13300,22 @@
         </p:blipFill>
         <p:spPr>
           <a:xfrm>
-            <a:off x="5390010" y="2876990"/>
-            <a:ext cx="6825569" cy="2843987"/>
-          </a:xfrm>
-          <a:prstGeom prst="rect">
-            <a:avLst/>
-          </a:prstGeom>
-        </p:spPr>
-      </p:pic>
-      <p:pic>
-        <p:nvPicPr>
-          <p:cNvPr id="5" name="Picture 4">
-            <a:extLst>
-              <a:ext uri="{FF2B5EF4-FFF2-40B4-BE49-F238E27FC236}">
-                <a16:creationId xmlns:a16="http://schemas.microsoft.com/office/drawing/2014/main" id="{FFDBCF71-8750-0D5E-02EB-D32FAEE9164E}"/>
-              </a:ext>
-            </a:extLst>
-          </p:cNvPr>
-          <p:cNvPicPr>
-            <a:picLocks noChangeAspect="1"/>
-          </p:cNvPicPr>
-          <p:nvPr/>
-        </p:nvPicPr>
-        <p:blipFill>
-          <a:blip r:embed="rId4"/>
-          <a:stretch>
-            <a:fillRect/>
-          </a:stretch>
-        </p:blipFill>
-        <p:spPr>
-          <a:xfrm>
-            <a:off x="0" y="2876990"/>
-            <a:ext cx="5344281" cy="3019519"/>
-          </a:xfrm>
-          <a:prstGeom prst="rect">
-            <a:avLst/>
-          </a:prstGeom>
-        </p:spPr>
-      </p:pic>
-      <p:sp>
-        <p:nvSpPr>
-          <p:cNvPr id="6" name="TextBox 5">
-            <a:extLst>
-              <a:ext uri="{FF2B5EF4-FFF2-40B4-BE49-F238E27FC236}">
-                <a16:creationId xmlns:a16="http://schemas.microsoft.com/office/drawing/2014/main" id="{649DEF36-EE83-2994-3ADB-FD1FFB2BD1C7}"/>
-              </a:ext>
-            </a:extLst>
-          </p:cNvPr>
-          <p:cNvSpPr txBox="1"/>
-          <p:nvPr/>
-        </p:nvSpPr>
-        <p:spPr>
-          <a:xfrm>
-            <a:off x="1032095" y="2286807"/>
-            <a:ext cx="3587909" cy="369332"/>
-          </a:xfrm>
-          <a:prstGeom prst="rect">
-            <a:avLst/>
-          </a:prstGeom>
-          <a:noFill/>
-        </p:spPr>
-        <p:txBody>
-          <a:bodyPr wrap="square" rtlCol="0">
-            <a:spAutoFit/>
-          </a:bodyPr>
-          <a:lstStyle/>
-          <a:p>
-            <a:pPr algn="ctr"/>
-            <a:r>
-              <a:rPr lang="en-IT" b="1" dirty="0"/>
-              <a:t>Only_max, Half, Suppress_all</a:t>
-            </a:r>
-          </a:p>
-        </p:txBody>
-      </p:sp>
-      <p:sp>
-        <p:nvSpPr>
-          <p:cNvPr id="7" name="TextBox 6">
-            <a:extLst>
-              <a:ext uri="{FF2B5EF4-FFF2-40B4-BE49-F238E27FC236}">
-                <a16:creationId xmlns:a16="http://schemas.microsoft.com/office/drawing/2014/main" id="{E2AAA1A2-4BC6-0549-D938-D32BE0864E43}"/>
-              </a:ext>
-            </a:extLst>
-          </p:cNvPr>
-          <p:cNvSpPr txBox="1"/>
-          <p:nvPr/>
-        </p:nvSpPr>
-        <p:spPr>
-          <a:xfrm>
-            <a:off x="7205049" y="2270560"/>
-            <a:ext cx="3587909" cy="369332"/>
-          </a:xfrm>
-          <a:prstGeom prst="rect">
-            <a:avLst/>
-          </a:prstGeom>
-          <a:noFill/>
-        </p:spPr>
-        <p:txBody>
-          <a:bodyPr wrap="square" rtlCol="0">
-            <a:spAutoFit/>
-          </a:bodyPr>
-          <a:lstStyle/>
-          <a:p>
-            <a:pPr algn="ctr"/>
-            <a:r>
-              <a:rPr lang="en-IT" b="1" dirty="0"/>
-              <a:t>Top X</a:t>
-            </a:r>
-          </a:p>
-        </p:txBody>
-      </p:sp>
-    </p:spTree>
-    <p:extLst>
-      <p:ext uri="{BB962C8B-B14F-4D97-AF65-F5344CB8AC3E}">
-        <p14:creationId xmlns:p14="http://schemas.microsoft.com/office/powerpoint/2010/main" val="120598834"/>
-      </p:ext>
-    </p:extLst>
-  </p:cSld>
-  <p:clrMapOvr>
-    <a:masterClrMapping/>
-  </p:clrMapOvr>
-</p:sld>
-</file>
-
-<file path=ppt/slides/slide22.xml><?xml version="1.0" encoding="utf-8"?>
-<p:sld xmlns:a="http://schemas.openxmlformats.org/drawingml/2006/main" xmlns:r="http://schemas.openxmlformats.org/officeDocument/2006/relationships" xmlns:p="http://schemas.openxmlformats.org/presentationml/2006/main">
-  <p:cSld>
-    <p:spTree>
-      <p:nvGrpSpPr>
-        <p:cNvPr id="1" name=""/>
-        <p:cNvGrpSpPr/>
-        <p:nvPr/>
-      </p:nvGrpSpPr>
-      <p:grpSpPr>
-        <a:xfrm>
-          <a:off x="0" y="0"/>
-          <a:ext cx="0" cy="0"/>
-          <a:chOff x="0" y="0"/>
-          <a:chExt cx="0" cy="0"/>
-        </a:xfrm>
-      </p:grpSpPr>
-      <p:sp>
-        <p:nvSpPr>
-          <p:cNvPr id="2" name="Titolo 1">
-            <a:extLst>
-              <a:ext uri="{FF2B5EF4-FFF2-40B4-BE49-F238E27FC236}">
-                <a16:creationId xmlns:a16="http://schemas.microsoft.com/office/drawing/2014/main" id="{921633EB-7DCB-4DDC-80AF-C885A3EE1245}"/>
-              </a:ext>
-            </a:extLst>
-          </p:cNvPr>
-          <p:cNvSpPr>
-            <a:spLocks noGrp="1"/>
-          </p:cNvSpPr>
-          <p:nvPr>
-            <p:ph type="title"/>
-          </p:nvPr>
-        </p:nvSpPr>
-        <p:spPr>
-          <a:xfrm>
-            <a:off x="581193" y="729658"/>
-            <a:ext cx="11029616" cy="988332"/>
-          </a:xfrm>
-        </p:spPr>
-        <p:txBody>
-          <a:bodyPr rtlCol="0" anchor="b">
-            <a:normAutofit/>
-          </a:bodyPr>
-          <a:lstStyle/>
-          <a:p>
-            <a:pPr rtl="0"/>
-            <a:r>
-              <a:rPr lang="it-IT" dirty="0">
-                <a:latin typeface="Berlin Sans FB" panose="020E0602020502020306" pitchFamily="34" charset="0"/>
-              </a:rPr>
-              <a:t>Utility </a:t>
-            </a:r>
-            <a:r>
-              <a:rPr lang="it-IT" dirty="0" err="1">
-                <a:latin typeface="Berlin Sans FB" panose="020E0602020502020306" pitchFamily="34" charset="0"/>
-              </a:rPr>
-              <a:t>loss</a:t>
-            </a:r>
-            <a:endParaRPr lang="it-IT" dirty="0">
-              <a:latin typeface="Berlin Sans FB" panose="020E0602020502020306" pitchFamily="34" charset="0"/>
-            </a:endParaRPr>
-          </a:p>
-        </p:txBody>
-      </p:sp>
-      <p:pic>
-        <p:nvPicPr>
-          <p:cNvPr id="4" name="Picture 3">
-            <a:extLst>
-              <a:ext uri="{FF2B5EF4-FFF2-40B4-BE49-F238E27FC236}">
-                <a16:creationId xmlns:a16="http://schemas.microsoft.com/office/drawing/2014/main" id="{B8B496B4-1CEF-1DB9-19C0-7440F712F8A1}"/>
-              </a:ext>
-            </a:extLst>
-          </p:cNvPr>
-          <p:cNvPicPr>
-            <a:picLocks noChangeAspect="1"/>
-          </p:cNvPicPr>
-          <p:nvPr/>
-        </p:nvPicPr>
-        <p:blipFill>
-          <a:blip r:embed="rId3"/>
-          <a:stretch>
-            <a:fillRect/>
-          </a:stretch>
-        </p:blipFill>
-        <p:spPr>
-          <a:xfrm>
             <a:off x="4366032" y="2632549"/>
             <a:ext cx="7798810" cy="3249504"/>
           </a:xfrm>
           <a:prstGeom prst="rect">
             <a:avLst/>
           </a:prstGeom>
+          <a:ln>
+            <a:noFill/>
+          </a:ln>
+          <a:effectLst>
+            <a:outerShdw blurRad="292100" dist="139700" dir="2700000" algn="tl" rotWithShape="0">
+              <a:srgbClr val="333333">
+                <a:alpha val="65000"/>
+              </a:srgbClr>
+            </a:outerShdw>
+          </a:effectLst>
         </p:spPr>
       </p:pic>
       <p:sp>
@@ -13576,6 +13418,16 @@
           <a:prstGeom prst="rect">
             <a:avLst/>
           </a:prstGeom>
+          <a:ln>
+            <a:noFill/>
+          </a:ln>
+          <a:effectLst>
+            <a:outerShdw blurRad="292100" dist="139700" dir="2700000" algn="tl" rotWithShape="0">
+              <a:srgbClr val="333333">
+                <a:alpha val="65000"/>
+              </a:srgbClr>
+            </a:outerShdw>
+          </a:effectLst>
         </p:spPr>
       </p:pic>
     </p:spTree>
@@ -13591,7 +13443,7 @@
 </p:sld>
 </file>
 
-<file path=ppt/slides/slide23.xml><?xml version="1.0" encoding="utf-8"?>
+<file path=ppt/slides/slide22.xml><?xml version="1.0" encoding="utf-8"?>
 <p:sld xmlns:a="http://schemas.openxmlformats.org/drawingml/2006/main" xmlns:r="http://schemas.openxmlformats.org/officeDocument/2006/relationships" xmlns:p="http://schemas.openxmlformats.org/presentationml/2006/main">
   <p:cSld>
     <p:bg>
@@ -14808,7 +14660,7 @@
         </p:blipFill>
         <p:spPr>
           <a:xfrm>
-            <a:off x="296915" y="2410797"/>
+            <a:off x="108378" y="2410797"/>
             <a:ext cx="5920794" cy="3670892"/>
           </a:xfrm>
           <a:noFill/>
@@ -14838,8 +14690,8 @@
         </p:blipFill>
         <p:spPr>
           <a:xfrm>
-            <a:off x="6541584" y="2543207"/>
-            <a:ext cx="4134511" cy="3279095"/>
+            <a:off x="6425098" y="2470312"/>
+            <a:ext cx="4553475" cy="3611377"/>
           </a:xfrm>
         </p:spPr>
       </p:pic>
@@ -15281,6 +15133,16 @@
           <a:prstGeom prst="rect">
             <a:avLst/>
           </a:prstGeom>
+          <a:ln>
+            <a:noFill/>
+          </a:ln>
+          <a:effectLst>
+            <a:outerShdw blurRad="292100" dist="139700" dir="2700000" algn="tl" rotWithShape="0">
+              <a:srgbClr val="333333">
+                <a:alpha val="65000"/>
+              </a:srgbClr>
+            </a:outerShdw>
+          </a:effectLst>
         </p:spPr>
       </p:pic>
       <p:sp>

--- a/Data Protection & Privacy.pptx
+++ b/Data Protection & Privacy.pptx
@@ -13300,7 +13300,7 @@
         </p:blipFill>
         <p:spPr>
           <a:xfrm>
-            <a:off x="4366032" y="2632549"/>
+            <a:off x="4366032" y="2839942"/>
             <a:ext cx="7798810" cy="3249504"/>
           </a:xfrm>
           <a:prstGeom prst="rect">
@@ -13332,7 +13332,7 @@
         </p:nvSpPr>
         <p:spPr>
           <a:xfrm>
-            <a:off x="439924" y="2308482"/>
+            <a:off x="439924" y="2280201"/>
             <a:ext cx="3587909" cy="369332"/>
           </a:xfrm>
           <a:prstGeom prst="rect">
@@ -13368,7 +13368,7 @@
         </p:nvSpPr>
         <p:spPr>
           <a:xfrm>
-            <a:off x="6719743" y="2308482"/>
+            <a:off x="6682036" y="2280201"/>
             <a:ext cx="3587909" cy="369332"/>
           </a:xfrm>
           <a:prstGeom prst="rect">
@@ -14790,7 +14790,19 @@
             <a:off x="1106710" y="2025490"/>
             <a:ext cx="2684736" cy="4550402"/>
           </a:xfrm>
-          <a:noFill/>
+          <a:prstGeom prst="rect">
+            <a:avLst/>
+          </a:prstGeom>
+          <a:ln>
+            <a:noFill/>
+          </a:ln>
+          <a:effectLst>
+            <a:outerShdw blurRad="292100" dist="139700" dir="2700000" algn="tl" rotWithShape="0">
+              <a:srgbClr val="333333">
+                <a:alpha val="65000"/>
+              </a:srgbClr>
+            </a:outerShdw>
+          </a:effectLst>
         </p:spPr>
       </p:pic>
       <p:sp>

--- a/Data Protection & Privacy.pptx
+++ b/Data Protection & Privacy.pptx
@@ -4033,7 +4033,7 @@
             <a:pPr rtl="0"/>
             <a:fld id="{C0FA3576-2E34-44A5-91FF-3C53AC3DA648}" type="datetime1">
               <a:rPr lang="it-IT" smtClean="0"/>
-              <a:t>04/09/23</a:t>
+              <a:t>05/09/23</a:t>
             </a:fld>
             <a:endParaRPr lang="it-IT"/>
           </a:p>
@@ -4215,7 +4215,7 @@
             <a:fld id="{F8F21FEC-DF32-4E90-A279-29D5C0BB0773}" type="datetime1">
               <a:rPr lang="it-IT" smtClean="0"/>
               <a:pPr/>
-              <a:t>04/09/23</a:t>
+              <a:t>05/09/23</a:t>
             </a:fld>
             <a:endParaRPr lang="it-IT" dirty="0"/>
           </a:p>
@@ -6355,7 +6355,7 @@
             <a:pPr rtl="0"/>
             <a:fld id="{87A23933-3F77-4C59-A775-45E2435C8368}" type="datetime1">
               <a:rPr lang="it-IT" noProof="0" smtClean="0"/>
-              <a:t>04/09/23</a:t>
+              <a:t>05/09/23</a:t>
             </a:fld>
             <a:endParaRPr lang="it-IT" noProof="0"/>
           </a:p>
@@ -6620,7 +6620,7 @@
             <a:pPr rtl="0"/>
             <a:fld id="{4B4ECE9F-4108-4829-8F23-DFA9C926965D}" type="datetime1">
               <a:rPr lang="it-IT" noProof="0" smtClean="0"/>
-              <a:t>04/09/23</a:t>
+              <a:t>05/09/23</a:t>
             </a:fld>
             <a:endParaRPr lang="it-IT" noProof="0"/>
           </a:p>
@@ -6858,7 +6858,7 @@
             <a:pPr rtl="0"/>
             <a:fld id="{2AB59B6B-A2EF-4B30-AEF7-A3091D0F5449}" type="datetime1">
               <a:rPr lang="it-IT" noProof="0" smtClean="0"/>
-              <a:t>04/09/23</a:t>
+              <a:t>05/09/23</a:t>
             </a:fld>
             <a:endParaRPr lang="it-IT" noProof="0" dirty="0"/>
           </a:p>
@@ -7101,7 +7101,7 @@
             <a:pPr rtl="0"/>
             <a:fld id="{7F3FB14C-AC96-42E5-BE0B-73EFAA1A7EA7}" type="datetime1">
               <a:rPr lang="it-IT" noProof="0" smtClean="0"/>
-              <a:t>04/09/23</a:t>
+              <a:t>05/09/23</a:t>
             </a:fld>
             <a:endParaRPr lang="it-IT" noProof="0"/>
           </a:p>
@@ -7412,7 +7412,7 @@
             <a:pPr rtl="0"/>
             <a:fld id="{76327E91-20FF-43F1-A337-75953C73E7D7}" type="datetime1">
               <a:rPr lang="it-IT" noProof="0" smtClean="0"/>
-              <a:t>04/09/23</a:t>
+              <a:t>05/09/23</a:t>
             </a:fld>
             <a:endParaRPr lang="it-IT" noProof="0"/>
           </a:p>
@@ -7716,7 +7716,7 @@
             <a:pPr rtl="0"/>
             <a:fld id="{9EDCB701-B7F2-4988-9CFB-241C1D412354}" type="datetime1">
               <a:rPr lang="it-IT" noProof="0" smtClean="0"/>
-              <a:t>04/09/23</a:t>
+              <a:t>05/09/23</a:t>
             </a:fld>
             <a:endParaRPr lang="it-IT" noProof="0"/>
           </a:p>
@@ -8140,7 +8140,7 @@
             <a:pPr rtl="0"/>
             <a:fld id="{4B9B0459-76CC-4B94-A6C6-908B17D42BC8}" type="datetime1">
               <a:rPr lang="it-IT" noProof="0" smtClean="0"/>
-              <a:t>04/09/23</a:t>
+              <a:t>05/09/23</a:t>
             </a:fld>
             <a:endParaRPr lang="it-IT" noProof="0"/>
           </a:p>
@@ -8239,7 +8239,7 @@
             <a:pPr rtl="0"/>
             <a:fld id="{62D572E4-8572-44CF-B6FA-B15ECB2B0691}" type="datetime1">
               <a:rPr lang="it-IT" noProof="0" smtClean="0"/>
-              <a:t>04/09/23</a:t>
+              <a:t>05/09/23</a:t>
             </a:fld>
             <a:endParaRPr lang="it-IT" noProof="0"/>
           </a:p>
@@ -8405,7 +8405,7 @@
             <a:pPr rtl="0"/>
             <a:fld id="{5F266B29-8DDF-40ED-AC5D-ED73AC5A6521}" type="datetime1">
               <a:rPr lang="it-IT" noProof="0" smtClean="0"/>
-              <a:t>04/09/23</a:t>
+              <a:t>05/09/23</a:t>
             </a:fld>
             <a:endParaRPr lang="it-IT" noProof="0"/>
           </a:p>
@@ -8786,7 +8786,7 @@
             <a:pPr rtl="0"/>
             <a:fld id="{4CFC7787-2DFD-4221-B49C-354C37128239}" type="datetime1">
               <a:rPr lang="it-IT" noProof="0" smtClean="0"/>
-              <a:t>04/09/23</a:t>
+              <a:t>05/09/23</a:t>
             </a:fld>
             <a:endParaRPr lang="it-IT" noProof="0"/>
           </a:p>
@@ -9079,7 +9079,7 @@
             <a:pPr rtl="0"/>
             <a:fld id="{D3F07A8F-C5D3-4128-B052-E864993A59CE}" type="datetime1">
               <a:rPr lang="it-IT" noProof="0" smtClean="0"/>
-              <a:t>04/09/23</a:t>
+              <a:t>05/09/23</a:t>
             </a:fld>
             <a:endParaRPr lang="it-IT" noProof="0"/>
           </a:p>
@@ -9293,7 +9293,7 @@
             <a:pPr rtl="0"/>
             <a:fld id="{A36BACEF-F5E2-445B-BCCF-A68C06C41D7B}" type="datetime1">
               <a:rPr lang="it-IT" noProof="0" smtClean="0"/>
-              <a:t>04/09/23</a:t>
+              <a:t>05/09/23</a:t>
             </a:fld>
             <a:endParaRPr lang="it-IT" noProof="0" dirty="0"/>
           </a:p>
@@ -10747,7 +10747,7 @@
         </p:blipFill>
         <p:spPr>
           <a:xfrm>
-            <a:off x="5424546" y="3242821"/>
+            <a:off x="5382601" y="3242821"/>
             <a:ext cx="6701466" cy="3490701"/>
           </a:xfrm>
           <a:prstGeom prst="roundRect">
